--- a/latex/invent2/pptx/説明画像.pptx
+++ b/latex/invent2/pptx/説明画像.pptx
@@ -13,6 +13,7 @@
     <p:sldId id="261" r:id="rId7"/>
     <p:sldId id="262" r:id="rId8"/>
     <p:sldId id="263" r:id="rId9"/>
+    <p:sldId id="264" r:id="rId10"/>
   </p:sldIdLst>
   <p:sldSz cx="12192000" cy="6858000"/>
   <p:notesSz cx="6858000" cy="9144000"/>
@@ -266,7 +267,7 @@
           <a:p>
             <a:fld id="{3DE6DAE8-8BDD-4C4B-990E-35F9D9C96355}" type="datetimeFigureOut">
               <a:rPr kumimoji="1" lang="ja-JP" altLang="en-US" smtClean="0"/>
-              <a:t>2024/2/11</a:t>
+              <a:t>2024/2/12</a:t>
             </a:fld>
             <a:endParaRPr kumimoji="1" lang="ja-JP" altLang="en-US"/>
           </a:p>
@@ -496,7 +497,7 @@
           <a:p>
             <a:fld id="{3DE6DAE8-8BDD-4C4B-990E-35F9D9C96355}" type="datetimeFigureOut">
               <a:rPr kumimoji="1" lang="ja-JP" altLang="en-US" smtClean="0"/>
-              <a:t>2024/2/11</a:t>
+              <a:t>2024/2/12</a:t>
             </a:fld>
             <a:endParaRPr kumimoji="1" lang="ja-JP" altLang="en-US"/>
           </a:p>
@@ -736,7 +737,7 @@
           <a:p>
             <a:fld id="{3DE6DAE8-8BDD-4C4B-990E-35F9D9C96355}" type="datetimeFigureOut">
               <a:rPr kumimoji="1" lang="ja-JP" altLang="en-US" smtClean="0"/>
-              <a:t>2024/2/11</a:t>
+              <a:t>2024/2/12</a:t>
             </a:fld>
             <a:endParaRPr kumimoji="1" lang="ja-JP" altLang="en-US"/>
           </a:p>
@@ -966,7 +967,7 @@
           <a:p>
             <a:fld id="{3DE6DAE8-8BDD-4C4B-990E-35F9D9C96355}" type="datetimeFigureOut">
               <a:rPr kumimoji="1" lang="ja-JP" altLang="en-US" smtClean="0"/>
-              <a:t>2024/2/11</a:t>
+              <a:t>2024/2/12</a:t>
             </a:fld>
             <a:endParaRPr kumimoji="1" lang="ja-JP" altLang="en-US"/>
           </a:p>
@@ -1241,7 +1242,7 @@
           <a:p>
             <a:fld id="{3DE6DAE8-8BDD-4C4B-990E-35F9D9C96355}" type="datetimeFigureOut">
               <a:rPr kumimoji="1" lang="ja-JP" altLang="en-US" smtClean="0"/>
-              <a:t>2024/2/11</a:t>
+              <a:t>2024/2/12</a:t>
             </a:fld>
             <a:endParaRPr kumimoji="1" lang="ja-JP" altLang="en-US"/>
           </a:p>
@@ -1570,7 +1571,7 @@
           <a:p>
             <a:fld id="{3DE6DAE8-8BDD-4C4B-990E-35F9D9C96355}" type="datetimeFigureOut">
               <a:rPr kumimoji="1" lang="ja-JP" altLang="en-US" smtClean="0"/>
-              <a:t>2024/2/11</a:t>
+              <a:t>2024/2/12</a:t>
             </a:fld>
             <a:endParaRPr kumimoji="1" lang="ja-JP" altLang="en-US"/>
           </a:p>
@@ -2046,7 +2047,7 @@
           <a:p>
             <a:fld id="{3DE6DAE8-8BDD-4C4B-990E-35F9D9C96355}" type="datetimeFigureOut">
               <a:rPr kumimoji="1" lang="ja-JP" altLang="en-US" smtClean="0"/>
-              <a:t>2024/2/11</a:t>
+              <a:t>2024/2/12</a:t>
             </a:fld>
             <a:endParaRPr kumimoji="1" lang="ja-JP" altLang="en-US"/>
           </a:p>
@@ -2187,7 +2188,7 @@
           <a:p>
             <a:fld id="{3DE6DAE8-8BDD-4C4B-990E-35F9D9C96355}" type="datetimeFigureOut">
               <a:rPr kumimoji="1" lang="ja-JP" altLang="en-US" smtClean="0"/>
-              <a:t>2024/2/11</a:t>
+              <a:t>2024/2/12</a:t>
             </a:fld>
             <a:endParaRPr kumimoji="1" lang="ja-JP" altLang="en-US"/>
           </a:p>
@@ -2300,7 +2301,7 @@
           <a:p>
             <a:fld id="{3DE6DAE8-8BDD-4C4B-990E-35F9D9C96355}" type="datetimeFigureOut">
               <a:rPr kumimoji="1" lang="ja-JP" altLang="en-US" smtClean="0"/>
-              <a:t>2024/2/11</a:t>
+              <a:t>2024/2/12</a:t>
             </a:fld>
             <a:endParaRPr kumimoji="1" lang="ja-JP" altLang="en-US"/>
           </a:p>
@@ -2643,7 +2644,7 @@
           <a:p>
             <a:fld id="{3DE6DAE8-8BDD-4C4B-990E-35F9D9C96355}" type="datetimeFigureOut">
               <a:rPr kumimoji="1" lang="ja-JP" altLang="en-US" smtClean="0"/>
-              <a:t>2024/2/11</a:t>
+              <a:t>2024/2/12</a:t>
             </a:fld>
             <a:endParaRPr kumimoji="1" lang="ja-JP" altLang="en-US"/>
           </a:p>
@@ -2931,7 +2932,7 @@
           <a:p>
             <a:fld id="{3DE6DAE8-8BDD-4C4B-990E-35F9D9C96355}" type="datetimeFigureOut">
               <a:rPr kumimoji="1" lang="ja-JP" altLang="en-US" smtClean="0"/>
-              <a:t>2024/2/11</a:t>
+              <a:t>2024/2/12</a:t>
             </a:fld>
             <a:endParaRPr kumimoji="1" lang="ja-JP" altLang="en-US"/>
           </a:p>
@@ -3204,7 +3205,7 @@
           <a:p>
             <a:fld id="{3DE6DAE8-8BDD-4C4B-990E-35F9D9C96355}" type="datetimeFigureOut">
               <a:rPr kumimoji="1" lang="ja-JP" altLang="en-US" smtClean="0"/>
-              <a:t>2024/2/11</a:t>
+              <a:t>2024/2/12</a:t>
             </a:fld>
             <a:endParaRPr kumimoji="1" lang="ja-JP" altLang="en-US"/>
           </a:p>
@@ -7209,310 +7210,331 @@
           </a:p>
         </p:txBody>
       </p:sp>
-      <p:sp>
-        <p:nvSpPr>
-          <p:cNvPr id="31" name="正方形/長方形 30">
-            <a:extLst>
-              <a:ext uri="{FF2B5EF4-FFF2-40B4-BE49-F238E27FC236}">
-                <a16:creationId xmlns:a16="http://schemas.microsoft.com/office/drawing/2014/main" id="{E444F397-8A44-F89B-6D52-B37D3E2AB83B}"/>
-              </a:ext>
-            </a:extLst>
-          </p:cNvPr>
-          <p:cNvSpPr/>
-          <p:nvPr/>
-        </p:nvSpPr>
-        <p:spPr>
+      <p:grpSp>
+        <p:nvGrpSpPr>
+          <p:cNvPr id="2" name="グループ化 1">
+            <a:extLst>
+              <a:ext uri="{FF2B5EF4-FFF2-40B4-BE49-F238E27FC236}">
+                <a16:creationId xmlns:a16="http://schemas.microsoft.com/office/drawing/2014/main" id="{39C491B4-2957-2AED-EC15-D0DE3F219707}"/>
+              </a:ext>
+            </a:extLst>
+          </p:cNvPr>
+          <p:cNvGrpSpPr/>
+          <p:nvPr/>
+        </p:nvGrpSpPr>
+        <p:grpSpPr>
           <a:xfrm>
-            <a:off x="6815520" y="1993490"/>
-            <a:ext cx="2944761" cy="2871019"/>
-          </a:xfrm>
-          <a:prstGeom prst="rect">
-            <a:avLst/>
-          </a:prstGeom>
-          <a:ln>
+            <a:off x="6802710" y="1993490"/>
+            <a:ext cx="2957571" cy="2893758"/>
+            <a:chOff x="6802710" y="1993490"/>
+            <a:chExt cx="2957571" cy="2893758"/>
+          </a:xfrm>
+        </p:grpSpPr>
+        <p:sp>
+          <p:nvSpPr>
+            <p:cNvPr id="31" name="正方形/長方形 30">
+              <a:extLst>
+                <a:ext uri="{FF2B5EF4-FFF2-40B4-BE49-F238E27FC236}">
+                  <a16:creationId xmlns:a16="http://schemas.microsoft.com/office/drawing/2014/main" id="{E444F397-8A44-F89B-6D52-B37D3E2AB83B}"/>
+                </a:ext>
+              </a:extLst>
+            </p:cNvPr>
+            <p:cNvSpPr/>
+            <p:nvPr/>
+          </p:nvSpPr>
+          <p:spPr>
+            <a:xfrm>
+              <a:off x="6815520" y="1993490"/>
+              <a:ext cx="2944761" cy="2871019"/>
+            </a:xfrm>
+            <a:prstGeom prst="rect">
+              <a:avLst/>
+            </a:prstGeom>
+            <a:ln>
+              <a:solidFill>
+                <a:srgbClr val="FF0000"/>
+              </a:solidFill>
+            </a:ln>
+          </p:spPr>
+          <p:style>
+            <a:lnRef idx="2">
+              <a:schemeClr val="accent1">
+                <a:shade val="15000"/>
+              </a:schemeClr>
+            </a:lnRef>
+            <a:fillRef idx="1">
+              <a:schemeClr val="accent1"/>
+            </a:fillRef>
+            <a:effectRef idx="0">
+              <a:schemeClr val="accent1"/>
+            </a:effectRef>
+            <a:fontRef idx="minor">
+              <a:schemeClr val="lt1"/>
+            </a:fontRef>
+          </p:style>
+          <p:txBody>
+            <a:bodyPr rtlCol="0" anchor="ctr"/>
+            <a:lstStyle/>
+            <a:p>
+              <a:pPr algn="ctr"/>
+              <a:endParaRPr kumimoji="1" lang="ja-JP" altLang="en-US"/>
+            </a:p>
+          </p:txBody>
+        </p:sp>
+        <p:sp>
+          <p:nvSpPr>
+            <p:cNvPr id="32" name="楕円 31">
+              <a:extLst>
+                <a:ext uri="{FF2B5EF4-FFF2-40B4-BE49-F238E27FC236}">
+                  <a16:creationId xmlns:a16="http://schemas.microsoft.com/office/drawing/2014/main" id="{71581593-BEAA-A52F-55CE-48512F3635E2}"/>
+                </a:ext>
+              </a:extLst>
+            </p:cNvPr>
+            <p:cNvSpPr/>
+            <p:nvPr/>
+          </p:nvSpPr>
+          <p:spPr>
+            <a:xfrm>
+              <a:off x="8248572" y="3370007"/>
+              <a:ext cx="88490" cy="88490"/>
+            </a:xfrm>
+            <a:prstGeom prst="ellipse">
+              <a:avLst/>
+            </a:prstGeom>
             <a:solidFill>
-              <a:srgbClr val="FF0000"/>
+              <a:schemeClr val="tx1"/>
             </a:solidFill>
-          </a:ln>
-        </p:spPr>
-        <p:style>
-          <a:lnRef idx="2">
-            <a:schemeClr val="accent1">
-              <a:shade val="15000"/>
-            </a:schemeClr>
-          </a:lnRef>
-          <a:fillRef idx="1">
-            <a:schemeClr val="accent1"/>
-          </a:fillRef>
-          <a:effectRef idx="0">
-            <a:schemeClr val="accent1"/>
-          </a:effectRef>
-          <a:fontRef idx="minor">
-            <a:schemeClr val="lt1"/>
-          </a:fontRef>
-        </p:style>
-        <p:txBody>
-          <a:bodyPr rtlCol="0" anchor="ctr"/>
-          <a:lstStyle/>
-          <a:p>
-            <a:pPr algn="ctr"/>
-            <a:endParaRPr kumimoji="1" lang="ja-JP" altLang="en-US"/>
-          </a:p>
-        </p:txBody>
-      </p:sp>
-      <p:sp>
-        <p:nvSpPr>
-          <p:cNvPr id="32" name="楕円 31">
-            <a:extLst>
-              <a:ext uri="{FF2B5EF4-FFF2-40B4-BE49-F238E27FC236}">
-                <a16:creationId xmlns:a16="http://schemas.microsoft.com/office/drawing/2014/main" id="{71581593-BEAA-A52F-55CE-48512F3635E2}"/>
-              </a:ext>
-            </a:extLst>
-          </p:cNvPr>
-          <p:cNvSpPr/>
-          <p:nvPr/>
-        </p:nvSpPr>
-        <p:spPr>
-          <a:xfrm>
-            <a:off x="8248572" y="3370007"/>
-            <a:ext cx="88490" cy="88490"/>
-          </a:xfrm>
-          <a:prstGeom prst="ellipse">
-            <a:avLst/>
-          </a:prstGeom>
-          <a:solidFill>
-            <a:schemeClr val="tx1"/>
-          </a:solidFill>
-        </p:spPr>
-        <p:style>
-          <a:lnRef idx="2">
-            <a:schemeClr val="accent1">
-              <a:shade val="15000"/>
-            </a:schemeClr>
-          </a:lnRef>
-          <a:fillRef idx="1">
-            <a:schemeClr val="accent1"/>
-          </a:fillRef>
-          <a:effectRef idx="0">
-            <a:schemeClr val="accent1"/>
-          </a:effectRef>
-          <a:fontRef idx="minor">
-            <a:schemeClr val="lt1"/>
-          </a:fontRef>
-        </p:style>
-        <p:txBody>
-          <a:bodyPr rtlCol="0" anchor="ctr"/>
-          <a:lstStyle/>
-          <a:p>
-            <a:pPr algn="ctr"/>
-            <a:endParaRPr kumimoji="1" lang="ja-JP" altLang="en-US">
-              <a:solidFill>
-                <a:schemeClr val="tx1"/>
-              </a:solidFill>
-            </a:endParaRPr>
-          </a:p>
-        </p:txBody>
-      </p:sp>
-      <p:sp>
-        <p:nvSpPr>
-          <p:cNvPr id="33" name="矢印: 左右 32">
-            <a:extLst>
-              <a:ext uri="{FF2B5EF4-FFF2-40B4-BE49-F238E27FC236}">
-                <a16:creationId xmlns:a16="http://schemas.microsoft.com/office/drawing/2014/main" id="{AFC286DE-AFC2-EE6F-FD5C-3EBA9ED3ED17}"/>
-              </a:ext>
-            </a:extLst>
-          </p:cNvPr>
-          <p:cNvSpPr/>
-          <p:nvPr/>
-        </p:nvSpPr>
-        <p:spPr>
-          <a:xfrm>
-            <a:off x="6802710" y="3171518"/>
-            <a:ext cx="1433052" cy="514962"/>
-          </a:xfrm>
-          <a:prstGeom prst="leftRightArrow">
-            <a:avLst/>
-          </a:prstGeom>
-        </p:spPr>
-        <p:style>
-          <a:lnRef idx="2">
-            <a:schemeClr val="accent1">
-              <a:shade val="15000"/>
-            </a:schemeClr>
-          </a:lnRef>
-          <a:fillRef idx="1">
-            <a:schemeClr val="accent1"/>
-          </a:fillRef>
-          <a:effectRef idx="0">
-            <a:schemeClr val="accent1"/>
-          </a:effectRef>
-          <a:fontRef idx="minor">
-            <a:schemeClr val="lt1"/>
-          </a:fontRef>
-        </p:style>
-        <p:txBody>
-          <a:bodyPr rtlCol="0" anchor="ctr"/>
-          <a:lstStyle/>
-          <a:p>
-            <a:pPr algn="ctr"/>
-            <a:r>
-              <a:rPr kumimoji="1" lang="en-US" altLang="ja-JP"/>
-              <a:t>30</a:t>
-            </a:r>
-            <a:endParaRPr kumimoji="1" lang="ja-JP" altLang="en-US"/>
-          </a:p>
-        </p:txBody>
-      </p:sp>
-      <p:sp>
-        <p:nvSpPr>
-          <p:cNvPr id="34" name="矢印: 左右 33">
-            <a:extLst>
-              <a:ext uri="{FF2B5EF4-FFF2-40B4-BE49-F238E27FC236}">
-                <a16:creationId xmlns:a16="http://schemas.microsoft.com/office/drawing/2014/main" id="{385DA018-8237-75DD-59EB-8BEACDAEBD95}"/>
-              </a:ext>
-            </a:extLst>
-          </p:cNvPr>
-          <p:cNvSpPr/>
-          <p:nvPr/>
-        </p:nvSpPr>
-        <p:spPr>
-          <a:xfrm rot="5400000">
-            <a:off x="7571374" y="3913241"/>
-            <a:ext cx="1433052" cy="514962"/>
-          </a:xfrm>
-          <a:prstGeom prst="leftRightArrow">
-            <a:avLst/>
-          </a:prstGeom>
-        </p:spPr>
-        <p:style>
-          <a:lnRef idx="2">
-            <a:schemeClr val="accent1">
-              <a:shade val="15000"/>
-            </a:schemeClr>
-          </a:lnRef>
-          <a:fillRef idx="1">
-            <a:schemeClr val="accent1"/>
-          </a:fillRef>
-          <a:effectRef idx="0">
-            <a:schemeClr val="accent1"/>
-          </a:effectRef>
-          <a:fontRef idx="minor">
-            <a:schemeClr val="lt1"/>
-          </a:fontRef>
-        </p:style>
-        <p:txBody>
-          <a:bodyPr rtlCol="0" anchor="ctr"/>
-          <a:lstStyle/>
-          <a:p>
-            <a:pPr algn="ctr"/>
-            <a:r>
-              <a:rPr kumimoji="1" lang="en-US" altLang="ja-JP"/>
-              <a:t>30</a:t>
-            </a:r>
-            <a:endParaRPr kumimoji="1" lang="ja-JP" altLang="en-US"/>
-          </a:p>
-        </p:txBody>
-      </p:sp>
-      <p:sp>
-        <p:nvSpPr>
-          <p:cNvPr id="35" name="矢印: 左右 34">
-            <a:extLst>
-              <a:ext uri="{FF2B5EF4-FFF2-40B4-BE49-F238E27FC236}">
-                <a16:creationId xmlns:a16="http://schemas.microsoft.com/office/drawing/2014/main" id="{CAFB2813-4D46-2990-D636-5581833EF587}"/>
-              </a:ext>
-            </a:extLst>
-          </p:cNvPr>
-          <p:cNvSpPr/>
-          <p:nvPr/>
-        </p:nvSpPr>
-        <p:spPr>
-          <a:xfrm>
-            <a:off x="8349872" y="3154621"/>
-            <a:ext cx="1410408" cy="514962"/>
-          </a:xfrm>
-          <a:prstGeom prst="leftRightArrow">
-            <a:avLst/>
-          </a:prstGeom>
-        </p:spPr>
-        <p:style>
-          <a:lnRef idx="2">
-            <a:schemeClr val="accent1">
-              <a:shade val="15000"/>
-            </a:schemeClr>
-          </a:lnRef>
-          <a:fillRef idx="1">
-            <a:schemeClr val="accent1"/>
-          </a:fillRef>
-          <a:effectRef idx="0">
-            <a:schemeClr val="accent1"/>
-          </a:effectRef>
-          <a:fontRef idx="minor">
-            <a:schemeClr val="lt1"/>
-          </a:fontRef>
-        </p:style>
-        <p:txBody>
-          <a:bodyPr rtlCol="0" anchor="ctr"/>
-          <a:lstStyle/>
-          <a:p>
-            <a:pPr algn="ctr"/>
-            <a:r>
-              <a:rPr kumimoji="1" lang="en-US" altLang="ja-JP"/>
-              <a:t>30</a:t>
-            </a:r>
-            <a:endParaRPr kumimoji="1" lang="ja-JP" altLang="en-US"/>
-          </a:p>
-        </p:txBody>
-      </p:sp>
-      <p:sp>
-        <p:nvSpPr>
-          <p:cNvPr id="36" name="矢印: 左右 35">
-            <a:extLst>
-              <a:ext uri="{FF2B5EF4-FFF2-40B4-BE49-F238E27FC236}">
-                <a16:creationId xmlns:a16="http://schemas.microsoft.com/office/drawing/2014/main" id="{1EEA8AD1-AA56-56B1-1A7E-C5BD5B4073C3}"/>
-              </a:ext>
-            </a:extLst>
-          </p:cNvPr>
-          <p:cNvSpPr/>
-          <p:nvPr/>
-        </p:nvSpPr>
-        <p:spPr>
-          <a:xfrm rot="5400000">
-            <a:off x="7605329" y="2418580"/>
-            <a:ext cx="1365142" cy="514962"/>
-          </a:xfrm>
-          <a:prstGeom prst="leftRightArrow">
-            <a:avLst/>
-          </a:prstGeom>
-        </p:spPr>
-        <p:style>
-          <a:lnRef idx="2">
-            <a:schemeClr val="accent1">
-              <a:shade val="15000"/>
-            </a:schemeClr>
-          </a:lnRef>
-          <a:fillRef idx="1">
-            <a:schemeClr val="accent1"/>
-          </a:fillRef>
-          <a:effectRef idx="0">
-            <a:schemeClr val="accent1"/>
-          </a:effectRef>
-          <a:fontRef idx="minor">
-            <a:schemeClr val="lt1"/>
-          </a:fontRef>
-        </p:style>
-        <p:txBody>
-          <a:bodyPr rtlCol="0" anchor="ctr"/>
-          <a:lstStyle/>
-          <a:p>
-            <a:pPr algn="ctr"/>
-            <a:r>
-              <a:rPr kumimoji="1" lang="en-US" altLang="ja-JP"/>
-              <a:t>30</a:t>
-            </a:r>
-            <a:endParaRPr kumimoji="1" lang="ja-JP" altLang="en-US"/>
-          </a:p>
-        </p:txBody>
-      </p:sp>
+          </p:spPr>
+          <p:style>
+            <a:lnRef idx="2">
+              <a:schemeClr val="accent1">
+                <a:shade val="15000"/>
+              </a:schemeClr>
+            </a:lnRef>
+            <a:fillRef idx="1">
+              <a:schemeClr val="accent1"/>
+            </a:fillRef>
+            <a:effectRef idx="0">
+              <a:schemeClr val="accent1"/>
+            </a:effectRef>
+            <a:fontRef idx="minor">
+              <a:schemeClr val="lt1"/>
+            </a:fontRef>
+          </p:style>
+          <p:txBody>
+            <a:bodyPr rtlCol="0" anchor="ctr"/>
+            <a:lstStyle/>
+            <a:p>
+              <a:pPr algn="ctr"/>
+              <a:endParaRPr kumimoji="1" lang="ja-JP" altLang="en-US">
+                <a:solidFill>
+                  <a:schemeClr val="tx1"/>
+                </a:solidFill>
+              </a:endParaRPr>
+            </a:p>
+          </p:txBody>
+        </p:sp>
+        <p:sp>
+          <p:nvSpPr>
+            <p:cNvPr id="33" name="矢印: 左右 32">
+              <a:extLst>
+                <a:ext uri="{FF2B5EF4-FFF2-40B4-BE49-F238E27FC236}">
+                  <a16:creationId xmlns:a16="http://schemas.microsoft.com/office/drawing/2014/main" id="{AFC286DE-AFC2-EE6F-FD5C-3EBA9ED3ED17}"/>
+                </a:ext>
+              </a:extLst>
+            </p:cNvPr>
+            <p:cNvSpPr/>
+            <p:nvPr/>
+          </p:nvSpPr>
+          <p:spPr>
+            <a:xfrm>
+              <a:off x="6802710" y="3171518"/>
+              <a:ext cx="1433052" cy="514962"/>
+            </a:xfrm>
+            <a:prstGeom prst="leftRightArrow">
+              <a:avLst/>
+            </a:prstGeom>
+          </p:spPr>
+          <p:style>
+            <a:lnRef idx="2">
+              <a:schemeClr val="accent1">
+                <a:shade val="15000"/>
+              </a:schemeClr>
+            </a:lnRef>
+            <a:fillRef idx="1">
+              <a:schemeClr val="accent1"/>
+            </a:fillRef>
+            <a:effectRef idx="0">
+              <a:schemeClr val="accent1"/>
+            </a:effectRef>
+            <a:fontRef idx="minor">
+              <a:schemeClr val="lt1"/>
+            </a:fontRef>
+          </p:style>
+          <p:txBody>
+            <a:bodyPr rtlCol="0" anchor="ctr"/>
+            <a:lstStyle/>
+            <a:p>
+              <a:pPr algn="ctr"/>
+              <a:r>
+                <a:rPr kumimoji="1" lang="en-US" altLang="ja-JP"/>
+                <a:t>30</a:t>
+              </a:r>
+              <a:endParaRPr kumimoji="1" lang="ja-JP" altLang="en-US"/>
+            </a:p>
+          </p:txBody>
+        </p:sp>
+        <p:sp>
+          <p:nvSpPr>
+            <p:cNvPr id="34" name="矢印: 左右 33">
+              <a:extLst>
+                <a:ext uri="{FF2B5EF4-FFF2-40B4-BE49-F238E27FC236}">
+                  <a16:creationId xmlns:a16="http://schemas.microsoft.com/office/drawing/2014/main" id="{385DA018-8237-75DD-59EB-8BEACDAEBD95}"/>
+                </a:ext>
+              </a:extLst>
+            </p:cNvPr>
+            <p:cNvSpPr/>
+            <p:nvPr/>
+          </p:nvSpPr>
+          <p:spPr>
+            <a:xfrm rot="5400000">
+              <a:off x="7571374" y="3913241"/>
+              <a:ext cx="1433052" cy="514962"/>
+            </a:xfrm>
+            <a:prstGeom prst="leftRightArrow">
+              <a:avLst/>
+            </a:prstGeom>
+          </p:spPr>
+          <p:style>
+            <a:lnRef idx="2">
+              <a:schemeClr val="accent1">
+                <a:shade val="15000"/>
+              </a:schemeClr>
+            </a:lnRef>
+            <a:fillRef idx="1">
+              <a:schemeClr val="accent1"/>
+            </a:fillRef>
+            <a:effectRef idx="0">
+              <a:schemeClr val="accent1"/>
+            </a:effectRef>
+            <a:fontRef idx="minor">
+              <a:schemeClr val="lt1"/>
+            </a:fontRef>
+          </p:style>
+          <p:txBody>
+            <a:bodyPr rtlCol="0" anchor="ctr"/>
+            <a:lstStyle/>
+            <a:p>
+              <a:pPr algn="ctr"/>
+              <a:r>
+                <a:rPr kumimoji="1" lang="en-US" altLang="ja-JP"/>
+                <a:t>30</a:t>
+              </a:r>
+              <a:endParaRPr kumimoji="1" lang="ja-JP" altLang="en-US"/>
+            </a:p>
+          </p:txBody>
+        </p:sp>
+        <p:sp>
+          <p:nvSpPr>
+            <p:cNvPr id="35" name="矢印: 左右 34">
+              <a:extLst>
+                <a:ext uri="{FF2B5EF4-FFF2-40B4-BE49-F238E27FC236}">
+                  <a16:creationId xmlns:a16="http://schemas.microsoft.com/office/drawing/2014/main" id="{CAFB2813-4D46-2990-D636-5581833EF587}"/>
+                </a:ext>
+              </a:extLst>
+            </p:cNvPr>
+            <p:cNvSpPr/>
+            <p:nvPr/>
+          </p:nvSpPr>
+          <p:spPr>
+            <a:xfrm>
+              <a:off x="8349872" y="3154621"/>
+              <a:ext cx="1410408" cy="514962"/>
+            </a:xfrm>
+            <a:prstGeom prst="leftRightArrow">
+              <a:avLst/>
+            </a:prstGeom>
+          </p:spPr>
+          <p:style>
+            <a:lnRef idx="2">
+              <a:schemeClr val="accent1">
+                <a:shade val="15000"/>
+              </a:schemeClr>
+            </a:lnRef>
+            <a:fillRef idx="1">
+              <a:schemeClr val="accent1"/>
+            </a:fillRef>
+            <a:effectRef idx="0">
+              <a:schemeClr val="accent1"/>
+            </a:effectRef>
+            <a:fontRef idx="minor">
+              <a:schemeClr val="lt1"/>
+            </a:fontRef>
+          </p:style>
+          <p:txBody>
+            <a:bodyPr rtlCol="0" anchor="ctr"/>
+            <a:lstStyle/>
+            <a:p>
+              <a:pPr algn="ctr"/>
+              <a:r>
+                <a:rPr kumimoji="1" lang="en-US" altLang="ja-JP"/>
+                <a:t>30</a:t>
+              </a:r>
+              <a:endParaRPr kumimoji="1" lang="ja-JP" altLang="en-US"/>
+            </a:p>
+          </p:txBody>
+        </p:sp>
+        <p:sp>
+          <p:nvSpPr>
+            <p:cNvPr id="36" name="矢印: 左右 35">
+              <a:extLst>
+                <a:ext uri="{FF2B5EF4-FFF2-40B4-BE49-F238E27FC236}">
+                  <a16:creationId xmlns:a16="http://schemas.microsoft.com/office/drawing/2014/main" id="{1EEA8AD1-AA56-56B1-1A7E-C5BD5B4073C3}"/>
+                </a:ext>
+              </a:extLst>
+            </p:cNvPr>
+            <p:cNvSpPr/>
+            <p:nvPr/>
+          </p:nvSpPr>
+          <p:spPr>
+            <a:xfrm rot="5400000">
+              <a:off x="7605329" y="2418580"/>
+              <a:ext cx="1365142" cy="514962"/>
+            </a:xfrm>
+            <a:prstGeom prst="leftRightArrow">
+              <a:avLst/>
+            </a:prstGeom>
+          </p:spPr>
+          <p:style>
+            <a:lnRef idx="2">
+              <a:schemeClr val="accent1">
+                <a:shade val="15000"/>
+              </a:schemeClr>
+            </a:lnRef>
+            <a:fillRef idx="1">
+              <a:schemeClr val="accent1"/>
+            </a:fillRef>
+            <a:effectRef idx="0">
+              <a:schemeClr val="accent1"/>
+            </a:effectRef>
+            <a:fontRef idx="minor">
+              <a:schemeClr val="lt1"/>
+            </a:fontRef>
+          </p:style>
+          <p:txBody>
+            <a:bodyPr rtlCol="0" anchor="ctr"/>
+            <a:lstStyle/>
+            <a:p>
+              <a:pPr algn="ctr"/>
+              <a:r>
+                <a:rPr kumimoji="1" lang="en-US" altLang="ja-JP"/>
+                <a:t>30</a:t>
+              </a:r>
+              <a:endParaRPr kumimoji="1" lang="ja-JP" altLang="en-US"/>
+            </a:p>
+          </p:txBody>
+        </p:sp>
+      </p:grpSp>
       <p:cxnSp>
         <p:nvCxnSpPr>
           <p:cNvPr id="38" name="直線コネクタ 37">
@@ -9992,26 +10014,478 @@
           </a:p>
         </p:txBody>
       </p:sp>
-      <p:sp>
-        <p:nvSpPr>
-          <p:cNvPr id="17" name="正方形/長方形 16">
-            <a:extLst>
-              <a:ext uri="{FF2B5EF4-FFF2-40B4-BE49-F238E27FC236}">
-                <a16:creationId xmlns:a16="http://schemas.microsoft.com/office/drawing/2014/main" id="{6AB0C824-16F5-51A9-6224-A6F89A1879CC}"/>
-              </a:ext>
-            </a:extLst>
-          </p:cNvPr>
-          <p:cNvSpPr/>
-          <p:nvPr/>
-        </p:nvSpPr>
-        <p:spPr>
+      <p:grpSp>
+        <p:nvGrpSpPr>
+          <p:cNvPr id="2" name="グループ化 1">
+            <a:extLst>
+              <a:ext uri="{FF2B5EF4-FFF2-40B4-BE49-F238E27FC236}">
+                <a16:creationId xmlns:a16="http://schemas.microsoft.com/office/drawing/2014/main" id="{FEE93E7E-A483-1DD8-C103-6ED706C3FF89}"/>
+              </a:ext>
+            </a:extLst>
+          </p:cNvPr>
+          <p:cNvGrpSpPr/>
+          <p:nvPr/>
+        </p:nvGrpSpPr>
+        <p:grpSpPr>
           <a:xfrm>
             <a:off x="8594448" y="2183466"/>
             <a:ext cx="1558763" cy="1558763"/>
-          </a:xfrm>
-          <a:prstGeom prst="rect">
+            <a:chOff x="8594448" y="2183466"/>
+            <a:chExt cx="1558763" cy="1558763"/>
+          </a:xfrm>
+        </p:grpSpPr>
+        <p:sp>
+          <p:nvSpPr>
+            <p:cNvPr id="17" name="正方形/長方形 16">
+              <a:extLst>
+                <a:ext uri="{FF2B5EF4-FFF2-40B4-BE49-F238E27FC236}">
+                  <a16:creationId xmlns:a16="http://schemas.microsoft.com/office/drawing/2014/main" id="{6AB0C824-16F5-51A9-6224-A6F89A1879CC}"/>
+                </a:ext>
+              </a:extLst>
+            </p:cNvPr>
+            <p:cNvSpPr/>
+            <p:nvPr/>
+          </p:nvSpPr>
+          <p:spPr>
+            <a:xfrm>
+              <a:off x="8594448" y="2183466"/>
+              <a:ext cx="1558763" cy="1558763"/>
+            </a:xfrm>
+            <a:prstGeom prst="rect">
+              <a:avLst/>
+            </a:prstGeom>
+          </p:spPr>
+          <p:style>
+            <a:lnRef idx="2">
+              <a:schemeClr val="accent1">
+                <a:shade val="15000"/>
+              </a:schemeClr>
+            </a:lnRef>
+            <a:fillRef idx="1">
+              <a:schemeClr val="accent1"/>
+            </a:fillRef>
+            <a:effectRef idx="0">
+              <a:schemeClr val="accent1"/>
+            </a:effectRef>
+            <a:fontRef idx="minor">
+              <a:schemeClr val="lt1"/>
+            </a:fontRef>
+          </p:style>
+          <p:txBody>
+            <a:bodyPr rtlCol="0" anchor="ctr"/>
+            <a:lstStyle/>
+            <a:p>
+              <a:pPr algn="ctr"/>
+              <a:endParaRPr kumimoji="1" lang="ja-JP" altLang="en-US"/>
+            </a:p>
+          </p:txBody>
+        </p:sp>
+        <p:sp>
+          <p:nvSpPr>
+            <p:cNvPr id="18" name="楕円 17">
+              <a:extLst>
+                <a:ext uri="{FF2B5EF4-FFF2-40B4-BE49-F238E27FC236}">
+                  <a16:creationId xmlns:a16="http://schemas.microsoft.com/office/drawing/2014/main" id="{450EE344-7EAF-66AE-D4CE-1E89C4F893AD}"/>
+                </a:ext>
+              </a:extLst>
+            </p:cNvPr>
+            <p:cNvSpPr/>
+            <p:nvPr/>
+          </p:nvSpPr>
+          <p:spPr>
+            <a:xfrm>
+              <a:off x="9305003" y="2894021"/>
+              <a:ext cx="137651" cy="137651"/>
+            </a:xfrm>
+            <a:prstGeom prst="ellipse">
+              <a:avLst/>
+            </a:prstGeom>
+            <a:solidFill>
+              <a:schemeClr val="tx1"/>
+            </a:solidFill>
+          </p:spPr>
+          <p:style>
+            <a:lnRef idx="2">
+              <a:schemeClr val="accent1">
+                <a:shade val="15000"/>
+              </a:schemeClr>
+            </a:lnRef>
+            <a:fillRef idx="1">
+              <a:schemeClr val="accent1"/>
+            </a:fillRef>
+            <a:effectRef idx="0">
+              <a:schemeClr val="accent1"/>
+            </a:effectRef>
+            <a:fontRef idx="minor">
+              <a:schemeClr val="lt1"/>
+            </a:fontRef>
+          </p:style>
+          <p:txBody>
+            <a:bodyPr rtlCol="0" anchor="ctr"/>
+            <a:lstStyle/>
+            <a:p>
+              <a:pPr algn="ctr"/>
+              <a:endParaRPr kumimoji="1" lang="ja-JP" altLang="en-US">
+                <a:solidFill>
+                  <a:sysClr val="windowText" lastClr="000000"/>
+                </a:solidFill>
+              </a:endParaRPr>
+            </a:p>
+          </p:txBody>
+        </p:sp>
+        <p:cxnSp>
+          <p:nvCxnSpPr>
+            <p:cNvPr id="20" name="直線矢印コネクタ 19">
+              <a:extLst>
+                <a:ext uri="{FF2B5EF4-FFF2-40B4-BE49-F238E27FC236}">
+                  <a16:creationId xmlns:a16="http://schemas.microsoft.com/office/drawing/2014/main" id="{72E22BD5-4C36-E7BB-E389-8B08D8F99487}"/>
+                </a:ext>
+              </a:extLst>
+            </p:cNvPr>
+            <p:cNvCxnSpPr>
+              <a:cxnSpLocks/>
+              <a:stCxn id="18" idx="2"/>
+              <a:endCxn id="17" idx="1"/>
+            </p:cNvCxnSpPr>
+            <p:nvPr/>
+          </p:nvCxnSpPr>
+          <p:spPr>
+            <a:xfrm flipH="1">
+              <a:off x="8594448" y="2962847"/>
+              <a:ext cx="710555" cy="1"/>
+            </a:xfrm>
+            <a:prstGeom prst="straightConnector1">
+              <a:avLst/>
+            </a:prstGeom>
+            <a:ln>
+              <a:solidFill>
+                <a:schemeClr val="tx1"/>
+              </a:solidFill>
+              <a:headEnd type="triangle"/>
+              <a:tailEnd type="triangle"/>
+            </a:ln>
+          </p:spPr>
+          <p:style>
+            <a:lnRef idx="2">
+              <a:schemeClr val="accent1"/>
+            </a:lnRef>
+            <a:fillRef idx="0">
+              <a:schemeClr val="accent1"/>
+            </a:fillRef>
+            <a:effectRef idx="1">
+              <a:schemeClr val="accent1"/>
+            </a:effectRef>
+            <a:fontRef idx="minor">
+              <a:schemeClr val="tx1"/>
+            </a:fontRef>
+          </p:style>
+        </p:cxnSp>
+        <p:cxnSp>
+          <p:nvCxnSpPr>
+            <p:cNvPr id="21" name="直線矢印コネクタ 20">
+              <a:extLst>
+                <a:ext uri="{FF2B5EF4-FFF2-40B4-BE49-F238E27FC236}">
+                  <a16:creationId xmlns:a16="http://schemas.microsoft.com/office/drawing/2014/main" id="{9E6D69B3-3A19-B7AC-ED14-E4D1159CF158}"/>
+                </a:ext>
+              </a:extLst>
+            </p:cNvPr>
+            <p:cNvCxnSpPr>
+              <a:cxnSpLocks/>
+            </p:cNvCxnSpPr>
+            <p:nvPr/>
+          </p:nvCxnSpPr>
+          <p:spPr>
+            <a:xfrm flipH="1" flipV="1">
+              <a:off x="9369084" y="3031670"/>
+              <a:ext cx="1" cy="710557"/>
+            </a:xfrm>
+            <a:prstGeom prst="straightConnector1">
+              <a:avLst/>
+            </a:prstGeom>
+            <a:ln>
+              <a:solidFill>
+                <a:schemeClr val="tx1"/>
+              </a:solidFill>
+              <a:headEnd type="triangle"/>
+              <a:tailEnd type="triangle"/>
+            </a:ln>
+          </p:spPr>
+          <p:style>
+            <a:lnRef idx="2">
+              <a:schemeClr val="accent1"/>
+            </a:lnRef>
+            <a:fillRef idx="0">
+              <a:schemeClr val="accent1"/>
+            </a:fillRef>
+            <a:effectRef idx="1">
+              <a:schemeClr val="accent1"/>
+            </a:effectRef>
+            <a:fontRef idx="minor">
+              <a:schemeClr val="tx1"/>
+            </a:fontRef>
+          </p:style>
+        </p:cxnSp>
+        <p:cxnSp>
+          <p:nvCxnSpPr>
+            <p:cNvPr id="29" name="直線矢印コネクタ 28">
+              <a:extLst>
+                <a:ext uri="{FF2B5EF4-FFF2-40B4-BE49-F238E27FC236}">
+                  <a16:creationId xmlns:a16="http://schemas.microsoft.com/office/drawing/2014/main" id="{5F53D7D6-DECB-535F-801B-0D62FB5E9376}"/>
+                </a:ext>
+              </a:extLst>
+            </p:cNvPr>
+            <p:cNvCxnSpPr>
+              <a:stCxn id="17" idx="3"/>
+              <a:endCxn id="18" idx="6"/>
+            </p:cNvCxnSpPr>
+            <p:nvPr/>
+          </p:nvCxnSpPr>
+          <p:spPr>
+            <a:xfrm flipH="1" flipV="1">
+              <a:off x="9442654" y="2962847"/>
+              <a:ext cx="710557" cy="1"/>
+            </a:xfrm>
+            <a:prstGeom prst="straightConnector1">
+              <a:avLst/>
+            </a:prstGeom>
+            <a:ln>
+              <a:solidFill>
+                <a:schemeClr val="tx1"/>
+              </a:solidFill>
+              <a:headEnd type="triangle"/>
+              <a:tailEnd type="triangle"/>
+            </a:ln>
+          </p:spPr>
+          <p:style>
+            <a:lnRef idx="2">
+              <a:schemeClr val="accent1"/>
+            </a:lnRef>
+            <a:fillRef idx="0">
+              <a:schemeClr val="accent1"/>
+            </a:fillRef>
+            <a:effectRef idx="1">
+              <a:schemeClr val="accent1"/>
+            </a:effectRef>
+            <a:fontRef idx="minor">
+              <a:schemeClr val="tx1"/>
+            </a:fontRef>
+          </p:style>
+        </p:cxnSp>
+        <p:cxnSp>
+          <p:nvCxnSpPr>
+            <p:cNvPr id="31" name="直線矢印コネクタ 30">
+              <a:extLst>
+                <a:ext uri="{FF2B5EF4-FFF2-40B4-BE49-F238E27FC236}">
+                  <a16:creationId xmlns:a16="http://schemas.microsoft.com/office/drawing/2014/main" id="{5F497810-714E-945F-24F6-72816AD1B188}"/>
+                </a:ext>
+              </a:extLst>
+            </p:cNvPr>
+            <p:cNvCxnSpPr>
+              <a:stCxn id="17" idx="0"/>
+              <a:endCxn id="18" idx="0"/>
+            </p:cNvCxnSpPr>
+            <p:nvPr/>
+          </p:nvCxnSpPr>
+          <p:spPr>
+            <a:xfrm flipH="1">
+              <a:off x="9373829" y="2183466"/>
+              <a:ext cx="1" cy="710555"/>
+            </a:xfrm>
+            <a:prstGeom prst="straightConnector1">
+              <a:avLst/>
+            </a:prstGeom>
+            <a:ln>
+              <a:solidFill>
+                <a:schemeClr val="tx1"/>
+              </a:solidFill>
+              <a:headEnd type="triangle"/>
+              <a:tailEnd type="triangle"/>
+            </a:ln>
+          </p:spPr>
+          <p:style>
+            <a:lnRef idx="2">
+              <a:schemeClr val="accent1"/>
+            </a:lnRef>
+            <a:fillRef idx="0">
+              <a:schemeClr val="accent1"/>
+            </a:fillRef>
+            <a:effectRef idx="1">
+              <a:schemeClr val="accent1"/>
+            </a:effectRef>
+            <a:fontRef idx="minor">
+              <a:schemeClr val="tx1"/>
+            </a:fontRef>
+          </p:style>
+        </p:cxnSp>
+        <p:sp>
+          <p:nvSpPr>
+            <p:cNvPr id="34" name="テキスト ボックス 33">
+              <a:extLst>
+                <a:ext uri="{FF2B5EF4-FFF2-40B4-BE49-F238E27FC236}">
+                  <a16:creationId xmlns:a16="http://schemas.microsoft.com/office/drawing/2014/main" id="{90FBB587-BDEE-AFC7-0682-B4632E3484F0}"/>
+                </a:ext>
+              </a:extLst>
+            </p:cNvPr>
+            <p:cNvSpPr txBox="1"/>
+            <p:nvPr/>
+          </p:nvSpPr>
+          <p:spPr>
+            <a:xfrm>
+              <a:off x="8854650" y="2637765"/>
+              <a:ext cx="450353" cy="369332"/>
+            </a:xfrm>
+            <a:prstGeom prst="rect">
+              <a:avLst/>
+            </a:prstGeom>
+            <a:noFill/>
+          </p:spPr>
+          <p:txBody>
+            <a:bodyPr wrap="square" rtlCol="0">
+              <a:spAutoFit/>
+            </a:bodyPr>
+            <a:lstStyle/>
+            <a:p>
+              <a:r>
+                <a:rPr kumimoji="1" lang="en-US" altLang="ja-JP"/>
+                <a:t>10</a:t>
+              </a:r>
+            </a:p>
+          </p:txBody>
+        </p:sp>
+        <p:sp>
+          <p:nvSpPr>
+            <p:cNvPr id="35" name="テキスト ボックス 34">
+              <a:extLst>
+                <a:ext uri="{FF2B5EF4-FFF2-40B4-BE49-F238E27FC236}">
+                  <a16:creationId xmlns:a16="http://schemas.microsoft.com/office/drawing/2014/main" id="{D02DD7E3-4D06-4685-2166-9CB2D8098AFB}"/>
+                </a:ext>
+              </a:extLst>
+            </p:cNvPr>
+            <p:cNvSpPr txBox="1"/>
+            <p:nvPr/>
+          </p:nvSpPr>
+          <p:spPr>
+            <a:xfrm>
+              <a:off x="9488391" y="2941852"/>
+              <a:ext cx="450353" cy="369332"/>
+            </a:xfrm>
+            <a:prstGeom prst="rect">
+              <a:avLst/>
+            </a:prstGeom>
+            <a:noFill/>
+          </p:spPr>
+          <p:txBody>
+            <a:bodyPr wrap="square" rtlCol="0">
+              <a:spAutoFit/>
+            </a:bodyPr>
+            <a:lstStyle/>
+            <a:p>
+              <a:r>
+                <a:rPr kumimoji="1" lang="en-US" altLang="ja-JP"/>
+                <a:t>10</a:t>
+              </a:r>
+            </a:p>
+          </p:txBody>
+        </p:sp>
+        <p:sp>
+          <p:nvSpPr>
+            <p:cNvPr id="39" name="テキスト ボックス 38">
+              <a:extLst>
+                <a:ext uri="{FF2B5EF4-FFF2-40B4-BE49-F238E27FC236}">
+                  <a16:creationId xmlns:a16="http://schemas.microsoft.com/office/drawing/2014/main" id="{65FF70BD-3418-3C6F-67F1-942A0B4C4D03}"/>
+                </a:ext>
+              </a:extLst>
+            </p:cNvPr>
+            <p:cNvSpPr txBox="1"/>
+            <p:nvPr/>
+          </p:nvSpPr>
+          <p:spPr>
+            <a:xfrm rot="16200000">
+              <a:off x="9012795" y="3064632"/>
+              <a:ext cx="450353" cy="369332"/>
+            </a:xfrm>
+            <a:prstGeom prst="rect">
+              <a:avLst/>
+            </a:prstGeom>
+            <a:noFill/>
+          </p:spPr>
+          <p:txBody>
+            <a:bodyPr wrap="square" rtlCol="0">
+              <a:spAutoFit/>
+            </a:bodyPr>
+            <a:lstStyle/>
+            <a:p>
+              <a:r>
+                <a:rPr kumimoji="1" lang="en-US" altLang="ja-JP"/>
+                <a:t>10</a:t>
+              </a:r>
+            </a:p>
+          </p:txBody>
+        </p:sp>
+        <p:sp>
+          <p:nvSpPr>
+            <p:cNvPr id="40" name="テキスト ボックス 39">
+              <a:extLst>
+                <a:ext uri="{FF2B5EF4-FFF2-40B4-BE49-F238E27FC236}">
+                  <a16:creationId xmlns:a16="http://schemas.microsoft.com/office/drawing/2014/main" id="{AB648D94-AC91-8358-D5C6-D738DA2B2388}"/>
+                </a:ext>
+              </a:extLst>
+            </p:cNvPr>
+            <p:cNvSpPr txBox="1"/>
+            <p:nvPr/>
+          </p:nvSpPr>
+          <p:spPr>
+            <a:xfrm rot="5400000">
+              <a:off x="9285912" y="2453099"/>
+              <a:ext cx="450353" cy="369332"/>
+            </a:xfrm>
+            <a:prstGeom prst="rect">
+              <a:avLst/>
+            </a:prstGeom>
+            <a:noFill/>
+          </p:spPr>
+          <p:txBody>
+            <a:bodyPr wrap="square" rtlCol="0">
+              <a:spAutoFit/>
+            </a:bodyPr>
+            <a:lstStyle/>
+            <a:p>
+              <a:r>
+                <a:rPr kumimoji="1" lang="en-US" altLang="ja-JP"/>
+                <a:t>10</a:t>
+              </a:r>
+            </a:p>
+          </p:txBody>
+        </p:sp>
+      </p:grpSp>
+      <p:sp>
+        <p:nvSpPr>
+          <p:cNvPr id="43" name="楕円 42">
+            <a:extLst>
+              <a:ext uri="{FF2B5EF4-FFF2-40B4-BE49-F238E27FC236}">
+                <a16:creationId xmlns:a16="http://schemas.microsoft.com/office/drawing/2014/main" id="{479D7DD4-63C1-D2C0-74E6-8C7CFBE6491B}"/>
+              </a:ext>
+            </a:extLst>
+          </p:cNvPr>
+          <p:cNvSpPr/>
+          <p:nvPr/>
+        </p:nvSpPr>
+        <p:spPr>
+          <a:xfrm>
+            <a:off x="8743053" y="3503242"/>
+            <a:ext cx="127819" cy="127819"/>
+          </a:xfrm>
+          <a:prstGeom prst="ellipse">
             <a:avLst/>
           </a:prstGeom>
+          <a:solidFill>
+            <a:srgbClr val="C00000"/>
+          </a:solidFill>
+          <a:ln>
+            <a:solidFill>
+              <a:srgbClr val="C00000"/>
+            </a:solidFill>
+          </a:ln>
         </p:spPr>
         <p:style>
           <a:lnRef idx="2">
@@ -10040,10 +10514,10 @@
       </p:sp>
       <p:sp>
         <p:nvSpPr>
-          <p:cNvPr id="18" name="楕円 17">
-            <a:extLst>
-              <a:ext uri="{FF2B5EF4-FFF2-40B4-BE49-F238E27FC236}">
-                <a16:creationId xmlns:a16="http://schemas.microsoft.com/office/drawing/2014/main" id="{450EE344-7EAF-66AE-D4CE-1E89C4F893AD}"/>
+          <p:cNvPr id="45" name="吹き出し: 角を丸めた四角形 44">
+            <a:extLst>
+              <a:ext uri="{FF2B5EF4-FFF2-40B4-BE49-F238E27FC236}">
+                <a16:creationId xmlns:a16="http://schemas.microsoft.com/office/drawing/2014/main" id="{18202D32-2A42-F307-3241-E75E739CDC1E}"/>
               </a:ext>
             </a:extLst>
           </p:cNvPr>
@@ -10052,15 +10526,21 @@
         </p:nvSpPr>
         <p:spPr>
           <a:xfrm>
-            <a:off x="9305003" y="2894021"/>
-            <a:ext cx="137651" cy="137651"/>
-          </a:xfrm>
-          <a:prstGeom prst="ellipse">
-            <a:avLst/>
-          </a:prstGeom>
-          <a:solidFill>
-            <a:schemeClr val="tx1"/>
-          </a:solidFill>
+            <a:off x="7739479" y="4127206"/>
+            <a:ext cx="1932742" cy="1040457"/>
+          </a:xfrm>
+          <a:prstGeom prst="wedgeRoundRectCallout">
+            <a:avLst>
+              <a:gd name="adj1" fmla="val 8866"/>
+              <a:gd name="adj2" fmla="val -94544"/>
+              <a:gd name="adj3" fmla="val 16667"/>
+            </a:avLst>
+          </a:prstGeom>
+          <a:ln>
+            <a:solidFill>
+              <a:schemeClr val="tx1"/>
+            </a:solidFill>
+          </a:ln>
         </p:spPr>
         <p:style>
           <a:lnRef idx="2">
@@ -10083,6 +10563,505 @@
           <a:lstStyle/>
           <a:p>
             <a:pPr algn="ctr"/>
+            <a:r>
+              <a:rPr lang="ja-JP" altLang="en-US"/>
+              <a:t>③目的点の四方</a:t>
+            </a:r>
+            <a:r>
+              <a:rPr lang="en-US" altLang="ja-JP"/>
+              <a:t>10</a:t>
+            </a:r>
+            <a:r>
+              <a:rPr lang="ja-JP" altLang="en-US"/>
+              <a:t>以内に到達したら止まる。</a:t>
+            </a:r>
+            <a:endParaRPr kumimoji="1" lang="ja-JP" altLang="en-US"/>
+          </a:p>
+        </p:txBody>
+      </p:sp>
+      <p:sp>
+        <p:nvSpPr>
+          <p:cNvPr id="46" name="矢印: 右 45">
+            <a:extLst>
+              <a:ext uri="{FF2B5EF4-FFF2-40B4-BE49-F238E27FC236}">
+                <a16:creationId xmlns:a16="http://schemas.microsoft.com/office/drawing/2014/main" id="{F4FB0E73-A8DF-8006-172E-5A7FD9136238}"/>
+              </a:ext>
+            </a:extLst>
+          </p:cNvPr>
+          <p:cNvSpPr/>
+          <p:nvPr/>
+        </p:nvSpPr>
+        <p:spPr>
+          <a:xfrm>
+            <a:off x="5378245" y="2962847"/>
+            <a:ext cx="1828800" cy="865239"/>
+          </a:xfrm>
+          <a:prstGeom prst="rightArrow">
+            <a:avLst/>
+          </a:prstGeom>
+        </p:spPr>
+        <p:style>
+          <a:lnRef idx="2">
+            <a:schemeClr val="accent1">
+              <a:shade val="15000"/>
+            </a:schemeClr>
+          </a:lnRef>
+          <a:fillRef idx="1">
+            <a:schemeClr val="accent1"/>
+          </a:fillRef>
+          <a:effectRef idx="0">
+            <a:schemeClr val="accent1"/>
+          </a:effectRef>
+          <a:fontRef idx="minor">
+            <a:schemeClr val="lt1"/>
+          </a:fontRef>
+        </p:style>
+        <p:txBody>
+          <a:bodyPr rtlCol="0" anchor="ctr"/>
+          <a:lstStyle/>
+          <a:p>
+            <a:pPr algn="ctr"/>
+            <a:endParaRPr kumimoji="1" lang="ja-JP" altLang="en-US"/>
+          </a:p>
+        </p:txBody>
+      </p:sp>
+    </p:spTree>
+    <p:extLst>
+      <p:ext uri="{BB962C8B-B14F-4D97-AF65-F5344CB8AC3E}">
+        <p14:creationId xmlns:p14="http://schemas.microsoft.com/office/powerpoint/2010/main" val="314762709"/>
+      </p:ext>
+    </p:extLst>
+  </p:cSld>
+  <p:clrMapOvr>
+    <a:masterClrMapping/>
+  </p:clrMapOvr>
+</p:sld>
+</file>
+
+<file path=ppt/slides/slide9.xml><?xml version="1.0" encoding="utf-8"?>
+<p:sld xmlns:a="http://schemas.openxmlformats.org/drawingml/2006/main" xmlns:r="http://schemas.openxmlformats.org/officeDocument/2006/relationships" xmlns:p="http://schemas.openxmlformats.org/presentationml/2006/main">
+  <p:cSld>
+    <p:spTree>
+      <p:nvGrpSpPr>
+        <p:cNvPr id="1" name=""/>
+        <p:cNvGrpSpPr/>
+        <p:nvPr/>
+      </p:nvGrpSpPr>
+      <p:grpSpPr>
+        <a:xfrm>
+          <a:off x="0" y="0"/>
+          <a:ext cx="0" cy="0"/>
+          <a:chOff x="0" y="0"/>
+          <a:chExt cx="0" cy="0"/>
+        </a:xfrm>
+      </p:grpSpPr>
+      <p:sp>
+        <p:nvSpPr>
+          <p:cNvPr id="3" name="正方形/長方形 2">
+            <a:extLst>
+              <a:ext uri="{FF2B5EF4-FFF2-40B4-BE49-F238E27FC236}">
+                <a16:creationId xmlns:a16="http://schemas.microsoft.com/office/drawing/2014/main" id="{F6A2A5D1-70B4-F5A6-EBC6-EA24482E4347}"/>
+              </a:ext>
+            </a:extLst>
+          </p:cNvPr>
+          <p:cNvSpPr/>
+          <p:nvPr/>
+        </p:nvSpPr>
+        <p:spPr>
+          <a:xfrm>
+            <a:off x="1864131" y="3313993"/>
+            <a:ext cx="1796716" cy="1796716"/>
+          </a:xfrm>
+          <a:prstGeom prst="rect">
+            <a:avLst/>
+          </a:prstGeom>
+          <a:gradFill>
+            <a:gsLst>
+              <a:gs pos="0">
+                <a:schemeClr val="accent1">
+                  <a:lumMod val="5000"/>
+                  <a:lumOff val="95000"/>
+                </a:schemeClr>
+              </a:gs>
+              <a:gs pos="100000">
+                <a:srgbClr val="FF0000"/>
+              </a:gs>
+              <a:gs pos="60000">
+                <a:srgbClr val="CCC564"/>
+              </a:gs>
+              <a:gs pos="87042">
+                <a:srgbClr val="C87F8D"/>
+              </a:gs>
+              <a:gs pos="20000">
+                <a:schemeClr val="tx2">
+                  <a:lumMod val="10000"/>
+                  <a:lumOff val="90000"/>
+                </a:schemeClr>
+              </a:gs>
+              <a:gs pos="41000">
+                <a:srgbClr val="00B0F0"/>
+              </a:gs>
+              <a:gs pos="78000">
+                <a:srgbClr val="FFC000"/>
+              </a:gs>
+            </a:gsLst>
+            <a:lin ang="5400000" scaled="1"/>
+          </a:gradFill>
+          <a:ln w="28575">
+            <a:solidFill>
+              <a:srgbClr val="FF0000"/>
+            </a:solidFill>
+          </a:ln>
+        </p:spPr>
+        <p:style>
+          <a:lnRef idx="2">
+            <a:schemeClr val="accent1">
+              <a:shade val="15000"/>
+            </a:schemeClr>
+          </a:lnRef>
+          <a:fillRef idx="1">
+            <a:schemeClr val="accent1"/>
+          </a:fillRef>
+          <a:effectRef idx="0">
+            <a:schemeClr val="accent1"/>
+          </a:effectRef>
+          <a:fontRef idx="minor">
+            <a:schemeClr val="lt1"/>
+          </a:fontRef>
+        </p:style>
+        <p:txBody>
+          <a:bodyPr rtlCol="0" anchor="ctr"/>
+          <a:lstStyle/>
+          <a:p>
+            <a:pPr algn="ctr"/>
+            <a:endParaRPr kumimoji="1" lang="ja-JP" altLang="en-US"/>
+          </a:p>
+        </p:txBody>
+      </p:sp>
+      <p:sp>
+        <p:nvSpPr>
+          <p:cNvPr id="4" name="楕円 3">
+            <a:extLst>
+              <a:ext uri="{FF2B5EF4-FFF2-40B4-BE49-F238E27FC236}">
+                <a16:creationId xmlns:a16="http://schemas.microsoft.com/office/drawing/2014/main" id="{548E234B-381D-B08E-B52C-1CAD98CF1855}"/>
+              </a:ext>
+            </a:extLst>
+          </p:cNvPr>
+          <p:cNvSpPr/>
+          <p:nvPr/>
+        </p:nvSpPr>
+        <p:spPr>
+          <a:xfrm>
+            <a:off x="2666239" y="4116099"/>
+            <a:ext cx="192505" cy="192505"/>
+          </a:xfrm>
+          <a:prstGeom prst="ellipse">
+            <a:avLst/>
+          </a:prstGeom>
+          <a:solidFill>
+            <a:schemeClr val="tx1"/>
+          </a:solidFill>
+        </p:spPr>
+        <p:style>
+          <a:lnRef idx="2">
+            <a:schemeClr val="accent1">
+              <a:shade val="15000"/>
+            </a:schemeClr>
+          </a:lnRef>
+          <a:fillRef idx="1">
+            <a:schemeClr val="accent1"/>
+          </a:fillRef>
+          <a:effectRef idx="0">
+            <a:schemeClr val="accent1"/>
+          </a:effectRef>
+          <a:fontRef idx="minor">
+            <a:schemeClr val="lt1"/>
+          </a:fontRef>
+        </p:style>
+        <p:txBody>
+          <a:bodyPr rtlCol="0" anchor="ctr"/>
+          <a:lstStyle/>
+          <a:p>
+            <a:pPr algn="ctr"/>
+            <a:endParaRPr kumimoji="1" lang="ja-JP" altLang="en-US"/>
+          </a:p>
+        </p:txBody>
+      </p:sp>
+      <p:sp>
+        <p:nvSpPr>
+          <p:cNvPr id="5" name="矢印: 下 4">
+            <a:extLst>
+              <a:ext uri="{FF2B5EF4-FFF2-40B4-BE49-F238E27FC236}">
+                <a16:creationId xmlns:a16="http://schemas.microsoft.com/office/drawing/2014/main" id="{03A86869-E905-1354-003F-DDB755125705}"/>
+              </a:ext>
+            </a:extLst>
+          </p:cNvPr>
+          <p:cNvSpPr/>
+          <p:nvPr/>
+        </p:nvSpPr>
+        <p:spPr>
+          <a:xfrm>
+            <a:off x="2377479" y="4308604"/>
+            <a:ext cx="770021" cy="1796716"/>
+          </a:xfrm>
+          <a:prstGeom prst="downArrow">
+            <a:avLst/>
+          </a:prstGeom>
+          <a:ln>
+            <a:solidFill>
+              <a:srgbClr val="FF0000"/>
+            </a:solidFill>
+          </a:ln>
+        </p:spPr>
+        <p:style>
+          <a:lnRef idx="2">
+            <a:schemeClr val="accent1">
+              <a:shade val="15000"/>
+            </a:schemeClr>
+          </a:lnRef>
+          <a:fillRef idx="1">
+            <a:schemeClr val="accent1"/>
+          </a:fillRef>
+          <a:effectRef idx="0">
+            <a:schemeClr val="accent1"/>
+          </a:effectRef>
+          <a:fontRef idx="minor">
+            <a:schemeClr val="lt1"/>
+          </a:fontRef>
+        </p:style>
+        <p:txBody>
+          <a:bodyPr rtlCol="0" anchor="ctr"/>
+          <a:lstStyle/>
+          <a:p>
+            <a:pPr algn="ctr"/>
+            <a:endParaRPr kumimoji="1" lang="ja-JP" altLang="en-US"/>
+          </a:p>
+        </p:txBody>
+      </p:sp>
+      <p:sp>
+        <p:nvSpPr>
+          <p:cNvPr id="6" name="テキスト ボックス 5">
+            <a:extLst>
+              <a:ext uri="{FF2B5EF4-FFF2-40B4-BE49-F238E27FC236}">
+                <a16:creationId xmlns:a16="http://schemas.microsoft.com/office/drawing/2014/main" id="{70F5BF40-8453-4CBC-E207-D2F5C639B6DD}"/>
+              </a:ext>
+            </a:extLst>
+          </p:cNvPr>
+          <p:cNvSpPr txBox="1"/>
+          <p:nvPr/>
+        </p:nvSpPr>
+        <p:spPr>
+          <a:xfrm rot="5400000">
+            <a:off x="2201016" y="4920681"/>
+            <a:ext cx="1122948" cy="400110"/>
+          </a:xfrm>
+          <a:prstGeom prst="rect">
+            <a:avLst/>
+          </a:prstGeom>
+          <a:noFill/>
+        </p:spPr>
+        <p:txBody>
+          <a:bodyPr wrap="square" rtlCol="0">
+            <a:spAutoFit/>
+          </a:bodyPr>
+          <a:lstStyle/>
+          <a:p>
+            <a:r>
+              <a:rPr lang="en-US" altLang="ja-JP" sz="2000"/>
+              <a:t>y</a:t>
+            </a:r>
+            <a:r>
+              <a:rPr kumimoji="1" lang="en-US" altLang="ja-JP" sz="2000"/>
+              <a:t> += 10</a:t>
+            </a:r>
+            <a:endParaRPr kumimoji="1" lang="ja-JP" altLang="en-US" sz="2000"/>
+          </a:p>
+        </p:txBody>
+      </p:sp>
+      <p:cxnSp>
+        <p:nvCxnSpPr>
+          <p:cNvPr id="8" name="直線コネクタ 7">
+            <a:extLst>
+              <a:ext uri="{FF2B5EF4-FFF2-40B4-BE49-F238E27FC236}">
+                <a16:creationId xmlns:a16="http://schemas.microsoft.com/office/drawing/2014/main" id="{E0FD3C25-4F2B-2435-0DDF-EF579045B5F8}"/>
+              </a:ext>
+            </a:extLst>
+          </p:cNvPr>
+          <p:cNvCxnSpPr>
+            <a:cxnSpLocks/>
+            <a:endCxn id="10" idx="2"/>
+          </p:cNvCxnSpPr>
+          <p:nvPr/>
+        </p:nvCxnSpPr>
+        <p:spPr>
+          <a:xfrm flipV="1">
+            <a:off x="2762489" y="2973917"/>
+            <a:ext cx="96255" cy="802106"/>
+          </a:xfrm>
+          <a:prstGeom prst="line">
+            <a:avLst/>
+          </a:prstGeom>
+          <a:ln w="28575">
+            <a:solidFill>
+              <a:srgbClr val="FF0000"/>
+            </a:solidFill>
+          </a:ln>
+        </p:spPr>
+        <p:style>
+          <a:lnRef idx="2">
+            <a:schemeClr val="accent1"/>
+          </a:lnRef>
+          <a:fillRef idx="0">
+            <a:schemeClr val="accent1"/>
+          </a:fillRef>
+          <a:effectRef idx="1">
+            <a:schemeClr val="accent1"/>
+          </a:effectRef>
+          <a:fontRef idx="minor">
+            <a:schemeClr val="tx1"/>
+          </a:fontRef>
+        </p:style>
+      </p:cxnSp>
+      <p:sp>
+        <p:nvSpPr>
+          <p:cNvPr id="10" name="テキスト ボックス 9">
+            <a:extLst>
+              <a:ext uri="{FF2B5EF4-FFF2-40B4-BE49-F238E27FC236}">
+                <a16:creationId xmlns:a16="http://schemas.microsoft.com/office/drawing/2014/main" id="{2A927E1A-DD2A-84B2-9B30-F687463B3D01}"/>
+              </a:ext>
+            </a:extLst>
+          </p:cNvPr>
+          <p:cNvSpPr txBox="1"/>
+          <p:nvPr/>
+        </p:nvSpPr>
+        <p:spPr>
+          <a:xfrm>
+            <a:off x="1525244" y="2389142"/>
+            <a:ext cx="2667000" cy="584775"/>
+          </a:xfrm>
+          <a:prstGeom prst="rect">
+            <a:avLst/>
+          </a:prstGeom>
+          <a:noFill/>
+          <a:ln w="57150">
+            <a:solidFill>
+              <a:srgbClr val="FF0000"/>
+            </a:solidFill>
+          </a:ln>
+        </p:spPr>
+        <p:txBody>
+          <a:bodyPr wrap="square" rtlCol="0">
+            <a:spAutoFit/>
+          </a:bodyPr>
+          <a:lstStyle/>
+          <a:p>
+            <a:r>
+              <a:rPr kumimoji="1" lang="en-US" altLang="ja-JP" sz="3200"/>
+              <a:t>HSB(x,y,400)</a:t>
+            </a:r>
+            <a:endParaRPr kumimoji="1" lang="ja-JP" altLang="en-US" sz="3200"/>
+          </a:p>
+        </p:txBody>
+      </p:sp>
+      <p:sp>
+        <p:nvSpPr>
+          <p:cNvPr id="21" name="正方形/長方形 20">
+            <a:extLst>
+              <a:ext uri="{FF2B5EF4-FFF2-40B4-BE49-F238E27FC236}">
+                <a16:creationId xmlns:a16="http://schemas.microsoft.com/office/drawing/2014/main" id="{E579E760-2B55-C895-8BFF-14F92F1E3BB7}"/>
+              </a:ext>
+            </a:extLst>
+          </p:cNvPr>
+          <p:cNvSpPr/>
+          <p:nvPr/>
+        </p:nvSpPr>
+        <p:spPr>
+          <a:xfrm>
+            <a:off x="8146180" y="3900673"/>
+            <a:ext cx="1989225" cy="1989225"/>
+          </a:xfrm>
+          <a:prstGeom prst="rect">
+            <a:avLst/>
+          </a:prstGeom>
+          <a:solidFill>
+            <a:srgbClr val="0070C0"/>
+          </a:solidFill>
+          <a:ln w="38100">
+            <a:solidFill>
+              <a:srgbClr val="FF0000"/>
+            </a:solidFill>
+          </a:ln>
+        </p:spPr>
+        <p:style>
+          <a:lnRef idx="2">
+            <a:schemeClr val="accent1">
+              <a:shade val="15000"/>
+            </a:schemeClr>
+          </a:lnRef>
+          <a:fillRef idx="1">
+            <a:schemeClr val="accent1"/>
+          </a:fillRef>
+          <a:effectRef idx="0">
+            <a:schemeClr val="accent1"/>
+          </a:effectRef>
+          <a:fontRef idx="minor">
+            <a:schemeClr val="lt1"/>
+          </a:fontRef>
+        </p:style>
+        <p:txBody>
+          <a:bodyPr rtlCol="0" anchor="ctr"/>
+          <a:lstStyle/>
+          <a:p>
+            <a:pPr algn="ctr"/>
+            <a:endParaRPr kumimoji="1" lang="ja-JP" altLang="en-US"/>
+          </a:p>
+        </p:txBody>
+      </p:sp>
+      <p:sp>
+        <p:nvSpPr>
+          <p:cNvPr id="22" name="楕円 21">
+            <a:extLst>
+              <a:ext uri="{FF2B5EF4-FFF2-40B4-BE49-F238E27FC236}">
+                <a16:creationId xmlns:a16="http://schemas.microsoft.com/office/drawing/2014/main" id="{9FBAB2EF-601A-64F7-BC0B-223776516C10}"/>
+              </a:ext>
+            </a:extLst>
+          </p:cNvPr>
+          <p:cNvSpPr/>
+          <p:nvPr/>
+        </p:nvSpPr>
+        <p:spPr>
+          <a:xfrm>
+            <a:off x="9052959" y="4807452"/>
+            <a:ext cx="175664" cy="175664"/>
+          </a:xfrm>
+          <a:prstGeom prst="ellipse">
+            <a:avLst/>
+          </a:prstGeom>
+          <a:solidFill>
+            <a:schemeClr val="tx1"/>
+          </a:solidFill>
+        </p:spPr>
+        <p:style>
+          <a:lnRef idx="2">
+            <a:schemeClr val="accent1">
+              <a:shade val="15000"/>
+            </a:schemeClr>
+          </a:lnRef>
+          <a:fillRef idx="1">
+            <a:schemeClr val="accent1"/>
+          </a:fillRef>
+          <a:effectRef idx="0">
+            <a:schemeClr val="accent1"/>
+          </a:effectRef>
+          <a:fontRef idx="minor">
+            <a:schemeClr val="lt1"/>
+          </a:fontRef>
+        </p:style>
+        <p:txBody>
+          <a:bodyPr rtlCol="0" anchor="ctr"/>
+          <a:lstStyle/>
+          <a:p>
+            <a:pPr algn="ctr"/>
             <a:endParaRPr kumimoji="1" lang="ja-JP" altLang="en-US">
               <a:solidFill>
                 <a:sysClr val="windowText" lastClr="000000"/>
@@ -10093,28 +11072,31 @@
       </p:sp>
       <p:cxnSp>
         <p:nvCxnSpPr>
-          <p:cNvPr id="20" name="直線矢印コネクタ 19">
-            <a:extLst>
-              <a:ext uri="{FF2B5EF4-FFF2-40B4-BE49-F238E27FC236}">
-                <a16:creationId xmlns:a16="http://schemas.microsoft.com/office/drawing/2014/main" id="{72E22BD5-4C36-E7BB-E389-8B08D8F99487}"/>
+          <p:cNvPr id="23" name="直線矢印コネクタ 22">
+            <a:extLst>
+              <a:ext uri="{FF2B5EF4-FFF2-40B4-BE49-F238E27FC236}">
+                <a16:creationId xmlns:a16="http://schemas.microsoft.com/office/drawing/2014/main" id="{D984A0B5-FE35-EF90-F906-F43FCB5C782C}"/>
               </a:ext>
             </a:extLst>
           </p:cNvPr>
           <p:cNvCxnSpPr>
             <a:cxnSpLocks/>
-            <a:stCxn id="18" idx="2"/>
-            <a:endCxn id="17" idx="1"/>
+            <a:stCxn id="22" idx="2"/>
+            <a:endCxn id="21" idx="1"/>
           </p:cNvCxnSpPr>
           <p:nvPr/>
         </p:nvCxnSpPr>
         <p:spPr>
           <a:xfrm flipH="1">
-            <a:off x="8594448" y="2962847"/>
-            <a:ext cx="710555" cy="1"/>
+            <a:off x="8146180" y="4895285"/>
+            <a:ext cx="906779" cy="1"/>
           </a:xfrm>
           <a:prstGeom prst="straightConnector1">
             <a:avLst/>
           </a:prstGeom>
+          <a:solidFill>
+            <a:srgbClr val="0070C0"/>
+          </a:solidFill>
           <a:ln>
             <a:solidFill>
               <a:schemeClr val="tx1"/>
@@ -10140,10 +11122,10 @@
       </p:cxnSp>
       <p:cxnSp>
         <p:nvCxnSpPr>
-          <p:cNvPr id="21" name="直線矢印コネクタ 20">
-            <a:extLst>
-              <a:ext uri="{FF2B5EF4-FFF2-40B4-BE49-F238E27FC236}">
-                <a16:creationId xmlns:a16="http://schemas.microsoft.com/office/drawing/2014/main" id="{9E6D69B3-3A19-B7AC-ED14-E4D1159CF158}"/>
+          <p:cNvPr id="24" name="直線矢印コネクタ 23">
+            <a:extLst>
+              <a:ext uri="{FF2B5EF4-FFF2-40B4-BE49-F238E27FC236}">
+                <a16:creationId xmlns:a16="http://schemas.microsoft.com/office/drawing/2014/main" id="{B4F4D23E-8DC7-24FE-7D7F-D6701B3BFA9C}"/>
               </a:ext>
             </a:extLst>
           </p:cNvPr>
@@ -10154,12 +11136,15 @@
         </p:nvCxnSpPr>
         <p:spPr>
           <a:xfrm flipH="1" flipV="1">
-            <a:off x="9369084" y="3031670"/>
-            <a:ext cx="1" cy="710557"/>
+            <a:off x="9134737" y="4983114"/>
+            <a:ext cx="1" cy="906782"/>
           </a:xfrm>
           <a:prstGeom prst="straightConnector1">
             <a:avLst/>
           </a:prstGeom>
+          <a:solidFill>
+            <a:srgbClr val="0070C0"/>
+          </a:solidFill>
           <a:ln>
             <a:solidFill>
               <a:schemeClr val="tx1"/>
@@ -10185,27 +11170,31 @@
       </p:cxnSp>
       <p:cxnSp>
         <p:nvCxnSpPr>
-          <p:cNvPr id="29" name="直線矢印コネクタ 28">
-            <a:extLst>
-              <a:ext uri="{FF2B5EF4-FFF2-40B4-BE49-F238E27FC236}">
-                <a16:creationId xmlns:a16="http://schemas.microsoft.com/office/drawing/2014/main" id="{5F53D7D6-DECB-535F-801B-0D62FB5E9376}"/>
+          <p:cNvPr id="25" name="直線矢印コネクタ 24">
+            <a:extLst>
+              <a:ext uri="{FF2B5EF4-FFF2-40B4-BE49-F238E27FC236}">
+                <a16:creationId xmlns:a16="http://schemas.microsoft.com/office/drawing/2014/main" id="{45ADBAC7-0093-19D9-56AD-6EAACD658887}"/>
               </a:ext>
             </a:extLst>
           </p:cNvPr>
           <p:cNvCxnSpPr>
-            <a:stCxn id="17" idx="3"/>
-            <a:endCxn id="18" idx="6"/>
+            <a:cxnSpLocks/>
+            <a:stCxn id="21" idx="3"/>
+            <a:endCxn id="22" idx="6"/>
           </p:cNvCxnSpPr>
           <p:nvPr/>
         </p:nvCxnSpPr>
         <p:spPr>
           <a:xfrm flipH="1" flipV="1">
-            <a:off x="9442654" y="2962847"/>
-            <a:ext cx="710557" cy="1"/>
+            <a:off x="9228623" y="4895285"/>
+            <a:ext cx="906782" cy="1"/>
           </a:xfrm>
           <a:prstGeom prst="straightConnector1">
             <a:avLst/>
           </a:prstGeom>
+          <a:solidFill>
+            <a:srgbClr val="0070C0"/>
+          </a:solidFill>
           <a:ln>
             <a:solidFill>
               <a:schemeClr val="tx1"/>
@@ -10231,27 +11220,31 @@
       </p:cxnSp>
       <p:cxnSp>
         <p:nvCxnSpPr>
-          <p:cNvPr id="31" name="直線矢印コネクタ 30">
-            <a:extLst>
-              <a:ext uri="{FF2B5EF4-FFF2-40B4-BE49-F238E27FC236}">
-                <a16:creationId xmlns:a16="http://schemas.microsoft.com/office/drawing/2014/main" id="{5F497810-714E-945F-24F6-72816AD1B188}"/>
+          <p:cNvPr id="26" name="直線矢印コネクタ 25">
+            <a:extLst>
+              <a:ext uri="{FF2B5EF4-FFF2-40B4-BE49-F238E27FC236}">
+                <a16:creationId xmlns:a16="http://schemas.microsoft.com/office/drawing/2014/main" id="{C9633B16-755B-8B50-A4F6-C00947F825B4}"/>
               </a:ext>
             </a:extLst>
           </p:cNvPr>
           <p:cNvCxnSpPr>
-            <a:stCxn id="17" idx="0"/>
-            <a:endCxn id="18" idx="0"/>
+            <a:cxnSpLocks/>
+            <a:stCxn id="21" idx="0"/>
+            <a:endCxn id="22" idx="0"/>
           </p:cNvCxnSpPr>
           <p:nvPr/>
         </p:nvCxnSpPr>
         <p:spPr>
           <a:xfrm flipH="1">
-            <a:off x="9373829" y="2183466"/>
-            <a:ext cx="1" cy="710555"/>
+            <a:off x="9140792" y="3900673"/>
+            <a:ext cx="1" cy="906779"/>
           </a:xfrm>
           <a:prstGeom prst="straightConnector1">
             <a:avLst/>
           </a:prstGeom>
+          <a:solidFill>
+            <a:srgbClr val="0070C0"/>
+          </a:solidFill>
           <a:ln>
             <a:solidFill>
               <a:schemeClr val="tx1"/>
@@ -10277,10 +11270,10 @@
       </p:cxnSp>
       <p:sp>
         <p:nvSpPr>
-          <p:cNvPr id="34" name="テキスト ボックス 33">
-            <a:extLst>
-              <a:ext uri="{FF2B5EF4-FFF2-40B4-BE49-F238E27FC236}">
-                <a16:creationId xmlns:a16="http://schemas.microsoft.com/office/drawing/2014/main" id="{90FBB587-BDEE-AFC7-0682-B4632E3484F0}"/>
+          <p:cNvPr id="28" name="テキスト ボックス 27">
+            <a:extLst>
+              <a:ext uri="{FF2B5EF4-FFF2-40B4-BE49-F238E27FC236}">
+                <a16:creationId xmlns:a16="http://schemas.microsoft.com/office/drawing/2014/main" id="{33AAC977-A311-BB4A-FE86-4C4A823895A5}"/>
               </a:ext>
             </a:extLst>
           </p:cNvPr>
@@ -10289,8 +11282,8 @@
         </p:nvSpPr>
         <p:spPr>
           <a:xfrm>
-            <a:off x="8854650" y="2637765"/>
-            <a:ext cx="450353" cy="369332"/>
+            <a:off x="9455147" y="4895284"/>
+            <a:ext cx="521973" cy="369332"/>
           </a:xfrm>
           <a:prstGeom prst="rect">
             <a:avLst/>
@@ -10304,18 +11297,346 @@
           <a:lstStyle/>
           <a:p>
             <a:r>
-              <a:rPr kumimoji="1" lang="en-US" altLang="ja-JP"/>
-              <a:t>10</a:t>
-            </a:r>
-          </a:p>
-        </p:txBody>
-      </p:sp>
-      <p:sp>
-        <p:nvSpPr>
-          <p:cNvPr id="35" name="テキスト ボックス 34">
-            <a:extLst>
-              <a:ext uri="{FF2B5EF4-FFF2-40B4-BE49-F238E27FC236}">
-                <a16:creationId xmlns:a16="http://schemas.microsoft.com/office/drawing/2014/main" id="{D02DD7E3-4D06-4685-2166-9CB2D8098AFB}"/>
+              <a:rPr lang="en-US" altLang="ja-JP"/>
+              <a:t>25</a:t>
+            </a:r>
+            <a:endParaRPr kumimoji="1" lang="en-US" altLang="ja-JP"/>
+          </a:p>
+        </p:txBody>
+      </p:sp>
+      <p:grpSp>
+        <p:nvGrpSpPr>
+          <p:cNvPr id="44" name="グループ化 43">
+            <a:extLst>
+              <a:ext uri="{FF2B5EF4-FFF2-40B4-BE49-F238E27FC236}">
+                <a16:creationId xmlns:a16="http://schemas.microsoft.com/office/drawing/2014/main" id="{5B1A7D05-0C3D-0A07-34BB-C6D7E697E16C}"/>
+              </a:ext>
+            </a:extLst>
+          </p:cNvPr>
+          <p:cNvGrpSpPr/>
+          <p:nvPr/>
+        </p:nvGrpSpPr>
+        <p:grpSpPr>
+          <a:xfrm>
+            <a:off x="7051682" y="2389142"/>
+            <a:ext cx="2403465" cy="2418310"/>
+            <a:chOff x="6811448" y="699124"/>
+            <a:chExt cx="2403465" cy="2418310"/>
+          </a:xfrm>
+        </p:grpSpPr>
+        <p:sp>
+          <p:nvSpPr>
+            <p:cNvPr id="35" name="正方形/長方形 34">
+              <a:extLst>
+                <a:ext uri="{FF2B5EF4-FFF2-40B4-BE49-F238E27FC236}">
+                  <a16:creationId xmlns:a16="http://schemas.microsoft.com/office/drawing/2014/main" id="{E34C0BC4-3B7F-30CE-5A15-C12996F9854F}"/>
+                </a:ext>
+              </a:extLst>
+            </p:cNvPr>
+            <p:cNvSpPr/>
+            <p:nvPr/>
+          </p:nvSpPr>
+          <p:spPr>
+            <a:xfrm>
+              <a:off x="7225688" y="1113780"/>
+              <a:ext cx="1989225" cy="1989225"/>
+            </a:xfrm>
+            <a:prstGeom prst="rect">
+              <a:avLst/>
+            </a:prstGeom>
+            <a:noFill/>
+            <a:ln w="38100">
+              <a:solidFill>
+                <a:schemeClr val="tx1"/>
+              </a:solidFill>
+            </a:ln>
+          </p:spPr>
+          <p:style>
+            <a:lnRef idx="2">
+              <a:schemeClr val="accent1">
+                <a:shade val="15000"/>
+              </a:schemeClr>
+            </a:lnRef>
+            <a:fillRef idx="1">
+              <a:schemeClr val="accent1"/>
+            </a:fillRef>
+            <a:effectRef idx="0">
+              <a:schemeClr val="accent1"/>
+            </a:effectRef>
+            <a:fontRef idx="minor">
+              <a:schemeClr val="lt1"/>
+            </a:fontRef>
+          </p:style>
+          <p:txBody>
+            <a:bodyPr rtlCol="0" anchor="ctr"/>
+            <a:lstStyle/>
+            <a:p>
+              <a:pPr algn="ctr"/>
+              <a:endParaRPr kumimoji="1" lang="ja-JP" altLang="en-US"/>
+            </a:p>
+          </p:txBody>
+        </p:sp>
+        <p:sp>
+          <p:nvSpPr>
+            <p:cNvPr id="36" name="楕円 35">
+              <a:extLst>
+                <a:ext uri="{FF2B5EF4-FFF2-40B4-BE49-F238E27FC236}">
+                  <a16:creationId xmlns:a16="http://schemas.microsoft.com/office/drawing/2014/main" id="{4401BDB0-28AA-FAB4-0E36-F909D2E83D43}"/>
+                </a:ext>
+              </a:extLst>
+            </p:cNvPr>
+            <p:cNvSpPr/>
+            <p:nvPr/>
+          </p:nvSpPr>
+          <p:spPr>
+            <a:xfrm>
+              <a:off x="8167970" y="2050282"/>
+              <a:ext cx="132080" cy="132080"/>
+            </a:xfrm>
+            <a:prstGeom prst="ellipse">
+              <a:avLst/>
+            </a:prstGeom>
+            <a:solidFill>
+              <a:schemeClr val="tx1"/>
+            </a:solidFill>
+            <a:ln>
+              <a:solidFill>
+                <a:schemeClr val="tx1"/>
+              </a:solidFill>
+            </a:ln>
+          </p:spPr>
+          <p:style>
+            <a:lnRef idx="2">
+              <a:schemeClr val="accent1">
+                <a:shade val="15000"/>
+              </a:schemeClr>
+            </a:lnRef>
+            <a:fillRef idx="1">
+              <a:schemeClr val="accent1"/>
+            </a:fillRef>
+            <a:effectRef idx="0">
+              <a:schemeClr val="accent1"/>
+            </a:effectRef>
+            <a:fontRef idx="minor">
+              <a:schemeClr val="lt1"/>
+            </a:fontRef>
+          </p:style>
+          <p:txBody>
+            <a:bodyPr rtlCol="0" anchor="ctr"/>
+            <a:lstStyle/>
+            <a:p>
+              <a:pPr algn="ctr"/>
+              <a:endParaRPr kumimoji="1" lang="ja-JP" altLang="en-US"/>
+            </a:p>
+          </p:txBody>
+        </p:sp>
+        <p:cxnSp>
+          <p:nvCxnSpPr>
+            <p:cNvPr id="38" name="直線矢印コネクタ 37">
+              <a:extLst>
+                <a:ext uri="{FF2B5EF4-FFF2-40B4-BE49-F238E27FC236}">
+                  <a16:creationId xmlns:a16="http://schemas.microsoft.com/office/drawing/2014/main" id="{930112D8-2A37-DC88-44BD-E1688FD1673C}"/>
+                </a:ext>
+              </a:extLst>
+            </p:cNvPr>
+            <p:cNvCxnSpPr>
+              <a:cxnSpLocks/>
+            </p:cNvCxnSpPr>
+            <p:nvPr/>
+          </p:nvCxnSpPr>
+          <p:spPr>
+            <a:xfrm flipV="1">
+              <a:off x="7122160" y="1099352"/>
+              <a:ext cx="0" cy="2018082"/>
+            </a:xfrm>
+            <a:prstGeom prst="straightConnector1">
+              <a:avLst/>
+            </a:prstGeom>
+            <a:ln>
+              <a:headEnd type="triangle"/>
+              <a:tailEnd type="triangle"/>
+            </a:ln>
+          </p:spPr>
+          <p:style>
+            <a:lnRef idx="2">
+              <a:schemeClr val="accent1"/>
+            </a:lnRef>
+            <a:fillRef idx="0">
+              <a:schemeClr val="accent1"/>
+            </a:fillRef>
+            <a:effectRef idx="1">
+              <a:schemeClr val="accent1"/>
+            </a:effectRef>
+            <a:fontRef idx="minor">
+              <a:schemeClr val="tx1"/>
+            </a:fontRef>
+          </p:style>
+        </p:cxnSp>
+        <p:sp>
+          <p:nvSpPr>
+            <p:cNvPr id="40" name="テキスト ボックス 39">
+              <a:extLst>
+                <a:ext uri="{FF2B5EF4-FFF2-40B4-BE49-F238E27FC236}">
+                  <a16:creationId xmlns:a16="http://schemas.microsoft.com/office/drawing/2014/main" id="{892329CB-CE82-9D19-826A-3B663D3FC3E7}"/>
+                </a:ext>
+              </a:extLst>
+            </p:cNvPr>
+            <p:cNvSpPr txBox="1"/>
+            <p:nvPr/>
+          </p:nvSpPr>
+          <p:spPr>
+            <a:xfrm rot="16200000">
+              <a:off x="6762434" y="1931656"/>
+              <a:ext cx="467360" cy="369332"/>
+            </a:xfrm>
+            <a:prstGeom prst="rect">
+              <a:avLst/>
+            </a:prstGeom>
+            <a:noFill/>
+          </p:spPr>
+          <p:txBody>
+            <a:bodyPr wrap="square" rtlCol="0">
+              <a:spAutoFit/>
+            </a:bodyPr>
+            <a:lstStyle/>
+            <a:p>
+              <a:r>
+                <a:rPr kumimoji="1" lang="en-US" altLang="ja-JP"/>
+                <a:t>50</a:t>
+              </a:r>
+              <a:endParaRPr kumimoji="1" lang="ja-JP" altLang="en-US"/>
+            </a:p>
+          </p:txBody>
+        </p:sp>
+        <p:cxnSp>
+          <p:nvCxnSpPr>
+            <p:cNvPr id="41" name="直線矢印コネクタ 40">
+              <a:extLst>
+                <a:ext uri="{FF2B5EF4-FFF2-40B4-BE49-F238E27FC236}">
+                  <a16:creationId xmlns:a16="http://schemas.microsoft.com/office/drawing/2014/main" id="{97928713-3322-833D-5831-F782A82DAC0A}"/>
+                </a:ext>
+              </a:extLst>
+            </p:cNvPr>
+            <p:cNvCxnSpPr>
+              <a:cxnSpLocks/>
+            </p:cNvCxnSpPr>
+            <p:nvPr/>
+          </p:nvCxnSpPr>
+          <p:spPr>
+            <a:xfrm rot="5400000" flipV="1">
+              <a:off x="8189821" y="3864"/>
+              <a:ext cx="0" cy="2018082"/>
+            </a:xfrm>
+            <a:prstGeom prst="straightConnector1">
+              <a:avLst/>
+            </a:prstGeom>
+            <a:ln>
+              <a:headEnd type="triangle"/>
+              <a:tailEnd type="triangle"/>
+            </a:ln>
+          </p:spPr>
+          <p:style>
+            <a:lnRef idx="2">
+              <a:schemeClr val="accent1"/>
+            </a:lnRef>
+            <a:fillRef idx="0">
+              <a:schemeClr val="accent1"/>
+            </a:fillRef>
+            <a:effectRef idx="1">
+              <a:schemeClr val="accent1"/>
+            </a:effectRef>
+            <a:fontRef idx="minor">
+              <a:schemeClr val="tx1"/>
+            </a:fontRef>
+          </p:style>
+        </p:cxnSp>
+        <p:sp>
+          <p:nvSpPr>
+            <p:cNvPr id="42" name="テキスト ボックス 41">
+              <a:extLst>
+                <a:ext uri="{FF2B5EF4-FFF2-40B4-BE49-F238E27FC236}">
+                  <a16:creationId xmlns:a16="http://schemas.microsoft.com/office/drawing/2014/main" id="{74A40A2F-9F04-3643-4A7F-993AA965BBB1}"/>
+                </a:ext>
+              </a:extLst>
+            </p:cNvPr>
+            <p:cNvSpPr txBox="1"/>
+            <p:nvPr/>
+          </p:nvSpPr>
+          <p:spPr>
+            <a:xfrm>
+              <a:off x="8000330" y="699124"/>
+              <a:ext cx="467360" cy="369332"/>
+            </a:xfrm>
+            <a:prstGeom prst="rect">
+              <a:avLst/>
+            </a:prstGeom>
+            <a:noFill/>
+          </p:spPr>
+          <p:txBody>
+            <a:bodyPr wrap="square" rtlCol="0">
+              <a:spAutoFit/>
+            </a:bodyPr>
+            <a:lstStyle/>
+            <a:p>
+              <a:r>
+                <a:rPr kumimoji="1" lang="en-US" altLang="ja-JP"/>
+                <a:t>50</a:t>
+              </a:r>
+              <a:endParaRPr kumimoji="1" lang="ja-JP" altLang="en-US"/>
+            </a:p>
+          </p:txBody>
+        </p:sp>
+      </p:grpSp>
+      <p:cxnSp>
+        <p:nvCxnSpPr>
+          <p:cNvPr id="47" name="直線コネクタ 46">
+            <a:extLst>
+              <a:ext uri="{FF2B5EF4-FFF2-40B4-BE49-F238E27FC236}">
+                <a16:creationId xmlns:a16="http://schemas.microsoft.com/office/drawing/2014/main" id="{FBEBDB56-90A0-4957-5DE2-D526C60452D8}"/>
+              </a:ext>
+            </a:extLst>
+          </p:cNvPr>
+          <p:cNvCxnSpPr>
+            <a:cxnSpLocks/>
+            <a:endCxn id="48" idx="3"/>
+          </p:cNvCxnSpPr>
+          <p:nvPr/>
+        </p:nvCxnSpPr>
+        <p:spPr>
+          <a:xfrm flipH="1">
+            <a:off x="7929793" y="4983114"/>
+            <a:ext cx="1148890" cy="718965"/>
+          </a:xfrm>
+          <a:prstGeom prst="line">
+            <a:avLst/>
+          </a:prstGeom>
+          <a:ln w="28575">
+            <a:solidFill>
+              <a:srgbClr val="FF0000"/>
+            </a:solidFill>
+          </a:ln>
+        </p:spPr>
+        <p:style>
+          <a:lnRef idx="2">
+            <a:schemeClr val="accent1"/>
+          </a:lnRef>
+          <a:fillRef idx="0">
+            <a:schemeClr val="accent1"/>
+          </a:fillRef>
+          <a:effectRef idx="1">
+            <a:schemeClr val="accent1"/>
+          </a:effectRef>
+          <a:fontRef idx="minor">
+            <a:schemeClr val="tx1"/>
+          </a:fontRef>
+        </p:style>
+      </p:cxnSp>
+      <p:sp>
+        <p:nvSpPr>
+          <p:cNvPr id="48" name="テキスト ボックス 47">
+            <a:extLst>
+              <a:ext uri="{FF2B5EF4-FFF2-40B4-BE49-F238E27FC236}">
+                <a16:creationId xmlns:a16="http://schemas.microsoft.com/office/drawing/2014/main" id="{678735B0-73A5-936F-6516-741BB82A4A99}"/>
               </a:ext>
             </a:extLst>
           </p:cNvPr>
@@ -10324,8 +11645,8 @@
         </p:nvSpPr>
         <p:spPr>
           <a:xfrm>
-            <a:off x="9488391" y="2941852"/>
-            <a:ext cx="450353" cy="369332"/>
+            <a:off x="5746429" y="5517413"/>
+            <a:ext cx="2183364" cy="369332"/>
           </a:xfrm>
           <a:prstGeom prst="rect">
             <a:avLst/>
@@ -10338,109 +11659,38 @@
           </a:bodyPr>
           <a:lstStyle/>
           <a:p>
-            <a:r>
-              <a:rPr kumimoji="1" lang="en-US" altLang="ja-JP"/>
-              <a:t>10</a:t>
-            </a:r>
-          </a:p>
-        </p:txBody>
-      </p:sp>
-      <p:sp>
-        <p:nvSpPr>
-          <p:cNvPr id="39" name="テキスト ボックス 38">
-            <a:extLst>
-              <a:ext uri="{FF2B5EF4-FFF2-40B4-BE49-F238E27FC236}">
-                <a16:creationId xmlns:a16="http://schemas.microsoft.com/office/drawing/2014/main" id="{65FF70BD-3418-3C6F-67F1-942A0B4C4D03}"/>
-              </a:ext>
-            </a:extLst>
-          </p:cNvPr>
-          <p:cNvSpPr txBox="1"/>
-          <p:nvPr/>
-        </p:nvSpPr>
-        <p:spPr>
-          <a:xfrm rot="16200000">
-            <a:off x="9012795" y="3064632"/>
-            <a:ext cx="450353" cy="369332"/>
+            <a:pPr algn="ctr"/>
+            <a:r>
+              <a:rPr kumimoji="1" lang="ja-JP" altLang="en-US"/>
+              <a:t>プレイヤーの座標</a:t>
+            </a:r>
+          </a:p>
+        </p:txBody>
+      </p:sp>
+      <p:sp>
+        <p:nvSpPr>
+          <p:cNvPr id="49" name="正方形/長方形 48">
+            <a:extLst>
+              <a:ext uri="{FF2B5EF4-FFF2-40B4-BE49-F238E27FC236}">
+                <a16:creationId xmlns:a16="http://schemas.microsoft.com/office/drawing/2014/main" id="{E02F5392-BDAA-6BCA-5A13-74E915B63ED1}"/>
+              </a:ext>
+            </a:extLst>
+          </p:cNvPr>
+          <p:cNvSpPr/>
+          <p:nvPr/>
+        </p:nvSpPr>
+        <p:spPr>
+          <a:xfrm>
+            <a:off x="5746429" y="5517413"/>
+            <a:ext cx="2183364" cy="369332"/>
           </a:xfrm>
           <a:prstGeom prst="rect">
             <a:avLst/>
           </a:prstGeom>
           <a:noFill/>
-        </p:spPr>
-        <p:txBody>
-          <a:bodyPr wrap="square" rtlCol="0">
-            <a:spAutoFit/>
-          </a:bodyPr>
-          <a:lstStyle/>
-          <a:p>
-            <a:r>
-              <a:rPr kumimoji="1" lang="en-US" altLang="ja-JP"/>
-              <a:t>10</a:t>
-            </a:r>
-          </a:p>
-        </p:txBody>
-      </p:sp>
-      <p:sp>
-        <p:nvSpPr>
-          <p:cNvPr id="40" name="テキスト ボックス 39">
-            <a:extLst>
-              <a:ext uri="{FF2B5EF4-FFF2-40B4-BE49-F238E27FC236}">
-                <a16:creationId xmlns:a16="http://schemas.microsoft.com/office/drawing/2014/main" id="{AB648D94-AC91-8358-D5C6-D738DA2B2388}"/>
-              </a:ext>
-            </a:extLst>
-          </p:cNvPr>
-          <p:cNvSpPr txBox="1"/>
-          <p:nvPr/>
-        </p:nvSpPr>
-        <p:spPr>
-          <a:xfrm rot="5400000">
-            <a:off x="9285912" y="2453099"/>
-            <a:ext cx="450353" cy="369332"/>
-          </a:xfrm>
-          <a:prstGeom prst="rect">
-            <a:avLst/>
-          </a:prstGeom>
-          <a:noFill/>
-        </p:spPr>
-        <p:txBody>
-          <a:bodyPr wrap="square" rtlCol="0">
-            <a:spAutoFit/>
-          </a:bodyPr>
-          <a:lstStyle/>
-          <a:p>
-            <a:r>
-              <a:rPr kumimoji="1" lang="en-US" altLang="ja-JP"/>
-              <a:t>10</a:t>
-            </a:r>
-          </a:p>
-        </p:txBody>
-      </p:sp>
-      <p:sp>
-        <p:nvSpPr>
-          <p:cNvPr id="43" name="楕円 42">
-            <a:extLst>
-              <a:ext uri="{FF2B5EF4-FFF2-40B4-BE49-F238E27FC236}">
-                <a16:creationId xmlns:a16="http://schemas.microsoft.com/office/drawing/2014/main" id="{479D7DD4-63C1-D2C0-74E6-8C7CFBE6491B}"/>
-              </a:ext>
-            </a:extLst>
-          </p:cNvPr>
-          <p:cNvSpPr/>
-          <p:nvPr/>
-        </p:nvSpPr>
-        <p:spPr>
-          <a:xfrm>
-            <a:off x="8666643" y="3516181"/>
-            <a:ext cx="127819" cy="127819"/>
-          </a:xfrm>
-          <a:prstGeom prst="ellipse">
-            <a:avLst/>
-          </a:prstGeom>
-          <a:solidFill>
-            <a:srgbClr val="C00000"/>
-          </a:solidFill>
-          <a:ln>
+          <a:ln w="28575">
             <a:solidFill>
-              <a:srgbClr val="C00000"/>
+              <a:srgbClr val="FF0000"/>
             </a:solidFill>
           </a:ln>
         </p:spPr>
@@ -10469,12 +11719,93 @@
           </a:p>
         </p:txBody>
       </p:sp>
-      <p:sp>
-        <p:nvSpPr>
-          <p:cNvPr id="45" name="吹き出し: 角を丸めた四角形 44">
-            <a:extLst>
-              <a:ext uri="{FF2B5EF4-FFF2-40B4-BE49-F238E27FC236}">
-                <a16:creationId xmlns:a16="http://schemas.microsoft.com/office/drawing/2014/main" id="{18202D32-2A42-F307-3241-E75E739CDC1E}"/>
+      <p:cxnSp>
+        <p:nvCxnSpPr>
+          <p:cNvPr id="56" name="直線コネクタ 55">
+            <a:extLst>
+              <a:ext uri="{FF2B5EF4-FFF2-40B4-BE49-F238E27FC236}">
+                <a16:creationId xmlns:a16="http://schemas.microsoft.com/office/drawing/2014/main" id="{633D9300-07A4-EAC6-820A-17EF031B03A7}"/>
+              </a:ext>
+            </a:extLst>
+          </p:cNvPr>
+          <p:cNvCxnSpPr>
+            <a:cxnSpLocks/>
+            <a:stCxn id="35" idx="3"/>
+            <a:endCxn id="58" idx="1"/>
+          </p:cNvCxnSpPr>
+          <p:nvPr/>
+        </p:nvCxnSpPr>
+        <p:spPr>
+          <a:xfrm flipV="1">
+            <a:off x="9455147" y="3597824"/>
+            <a:ext cx="287360" cy="200587"/>
+          </a:xfrm>
+          <a:prstGeom prst="line">
+            <a:avLst/>
+          </a:prstGeom>
+          <a:ln w="28575">
+            <a:solidFill>
+              <a:srgbClr val="FF0000"/>
+            </a:solidFill>
+          </a:ln>
+        </p:spPr>
+        <p:style>
+          <a:lnRef idx="2">
+            <a:schemeClr val="accent1"/>
+          </a:lnRef>
+          <a:fillRef idx="0">
+            <a:schemeClr val="accent1"/>
+          </a:fillRef>
+          <a:effectRef idx="1">
+            <a:schemeClr val="accent1"/>
+          </a:effectRef>
+          <a:fontRef idx="minor">
+            <a:schemeClr val="tx1"/>
+          </a:fontRef>
+        </p:style>
+      </p:cxnSp>
+      <p:sp>
+        <p:nvSpPr>
+          <p:cNvPr id="57" name="テキスト ボックス 56">
+            <a:extLst>
+              <a:ext uri="{FF2B5EF4-FFF2-40B4-BE49-F238E27FC236}">
+                <a16:creationId xmlns:a16="http://schemas.microsoft.com/office/drawing/2014/main" id="{D11EE59D-C324-8CC3-0AD5-BA1617B2519A}"/>
+              </a:ext>
+            </a:extLst>
+          </p:cNvPr>
+          <p:cNvSpPr txBox="1"/>
+          <p:nvPr/>
+        </p:nvSpPr>
+        <p:spPr>
+          <a:xfrm>
+            <a:off x="9747473" y="3429078"/>
+            <a:ext cx="2183364" cy="369332"/>
+          </a:xfrm>
+          <a:prstGeom prst="rect">
+            <a:avLst/>
+          </a:prstGeom>
+          <a:noFill/>
+        </p:spPr>
+        <p:txBody>
+          <a:bodyPr wrap="square" rtlCol="0">
+            <a:spAutoFit/>
+          </a:bodyPr>
+          <a:lstStyle/>
+          <a:p>
+            <a:pPr algn="ctr"/>
+            <a:r>
+              <a:rPr kumimoji="1" lang="ja-JP" altLang="en-US"/>
+              <a:t>四角形弾の外枠</a:t>
+            </a:r>
+          </a:p>
+        </p:txBody>
+      </p:sp>
+      <p:sp>
+        <p:nvSpPr>
+          <p:cNvPr id="58" name="正方形/長方形 57">
+            <a:extLst>
+              <a:ext uri="{FF2B5EF4-FFF2-40B4-BE49-F238E27FC236}">
+                <a16:creationId xmlns:a16="http://schemas.microsoft.com/office/drawing/2014/main" id="{53DE8433-3981-480F-4B5E-138C2959E53C}"/>
               </a:ext>
             </a:extLst>
           </p:cNvPr>
@@ -10483,19 +11814,16 @@
         </p:nvSpPr>
         <p:spPr>
           <a:xfrm>
-            <a:off x="7625971" y="4121479"/>
-            <a:ext cx="1932742" cy="1040457"/>
-          </a:xfrm>
-          <a:prstGeom prst="wedgeRoundRectCallout">
-            <a:avLst>
-              <a:gd name="adj1" fmla="val 8866"/>
-              <a:gd name="adj2" fmla="val -94544"/>
-              <a:gd name="adj3" fmla="val 16667"/>
-            </a:avLst>
-          </a:prstGeom>
-          <a:ln>
+            <a:off x="9742507" y="3413158"/>
+            <a:ext cx="2183364" cy="369332"/>
+          </a:xfrm>
+          <a:prstGeom prst="rect">
+            <a:avLst/>
+          </a:prstGeom>
+          <a:noFill/>
+          <a:ln w="28575">
             <a:solidFill>
-              <a:schemeClr val="tx1"/>
+              <a:srgbClr val="FF0000"/>
             </a:solidFill>
           </a:ln>
         </p:spPr>
@@ -10520,28 +11848,16 @@
           <a:lstStyle/>
           <a:p>
             <a:pPr algn="ctr"/>
-            <a:r>
-              <a:rPr lang="ja-JP" altLang="en-US"/>
-              <a:t>③目的点の四方</a:t>
-            </a:r>
-            <a:r>
-              <a:rPr lang="en-US" altLang="ja-JP"/>
-              <a:t>10</a:t>
-            </a:r>
-            <a:r>
-              <a:rPr lang="ja-JP" altLang="en-US"/>
-              <a:t>以内に到達したら止まる。</a:t>
-            </a:r>
             <a:endParaRPr kumimoji="1" lang="ja-JP" altLang="en-US"/>
           </a:p>
         </p:txBody>
       </p:sp>
       <p:sp>
         <p:nvSpPr>
-          <p:cNvPr id="46" name="矢印: 右 45">
-            <a:extLst>
-              <a:ext uri="{FF2B5EF4-FFF2-40B4-BE49-F238E27FC236}">
-                <a16:creationId xmlns:a16="http://schemas.microsoft.com/office/drawing/2014/main" id="{F4FB0E73-A8DF-8006-172E-5A7FD9136238}"/>
+          <p:cNvPr id="78" name="爆発: 8 pt 77">
+            <a:extLst>
+              <a:ext uri="{FF2B5EF4-FFF2-40B4-BE49-F238E27FC236}">
+                <a16:creationId xmlns:a16="http://schemas.microsoft.com/office/drawing/2014/main" id="{93746C97-24B3-9469-23E1-64E63F359EB8}"/>
               </a:ext>
             </a:extLst>
           </p:cNvPr>
@@ -10550,12 +11866,15 @@
         </p:nvSpPr>
         <p:spPr>
           <a:xfrm>
-            <a:off x="5378245" y="2962847"/>
-            <a:ext cx="1828800" cy="865239"/>
-          </a:xfrm>
-          <a:prstGeom prst="rightArrow">
+            <a:off x="8313964" y="2872498"/>
+            <a:ext cx="1048149" cy="958432"/>
+          </a:xfrm>
+          <a:prstGeom prst="irregularSeal1">
             <a:avLst/>
           </a:prstGeom>
+          <a:solidFill>
+            <a:srgbClr val="FFFF00"/>
+          </a:solidFill>
         </p:spPr>
         <p:style>
           <a:lnRef idx="2">
@@ -10578,14 +11897,26 @@
           <a:lstStyle/>
           <a:p>
             <a:pPr algn="ctr"/>
-            <a:endParaRPr kumimoji="1" lang="ja-JP" altLang="en-US"/>
+            <a:r>
+              <a:rPr kumimoji="1" lang="en-US" altLang="ja-JP">
+                <a:solidFill>
+                  <a:schemeClr val="tx1"/>
+                </a:solidFill>
+              </a:rPr>
+              <a:t>15</a:t>
+            </a:r>
+            <a:endParaRPr kumimoji="1" lang="ja-JP" altLang="en-US">
+              <a:solidFill>
+                <a:schemeClr val="tx1"/>
+              </a:solidFill>
+            </a:endParaRPr>
           </a:p>
         </p:txBody>
       </p:sp>
     </p:spTree>
     <p:extLst>
       <p:ext uri="{BB962C8B-B14F-4D97-AF65-F5344CB8AC3E}">
-        <p14:creationId xmlns:p14="http://schemas.microsoft.com/office/powerpoint/2010/main" val="314762709"/>
+        <p14:creationId xmlns:p14="http://schemas.microsoft.com/office/powerpoint/2010/main" val="123163837"/>
       </p:ext>
     </p:extLst>
   </p:cSld>

--- a/latex/invent2/pptx/説明画像.pptx
+++ b/latex/invent2/pptx/説明画像.pptx
@@ -14,6 +14,10 @@
     <p:sldId id="262" r:id="rId8"/>
     <p:sldId id="263" r:id="rId9"/>
     <p:sldId id="264" r:id="rId10"/>
+    <p:sldId id="265" r:id="rId11"/>
+    <p:sldId id="266" r:id="rId12"/>
+    <p:sldId id="267" r:id="rId13"/>
+    <p:sldId id="268" r:id="rId14"/>
   </p:sldIdLst>
   <p:sldSz cx="12192000" cy="6858000"/>
   <p:notesSz cx="6858000" cy="9144000"/>
@@ -4682,6 +4686,5531 @@
 </p:sld>
 </file>
 
+<file path=ppt/slides/slide10.xml><?xml version="1.0" encoding="utf-8"?>
+<p:sld xmlns:a="http://schemas.openxmlformats.org/drawingml/2006/main" xmlns:r="http://schemas.openxmlformats.org/officeDocument/2006/relationships" xmlns:p="http://schemas.openxmlformats.org/presentationml/2006/main">
+  <p:cSld>
+    <p:spTree>
+      <p:nvGrpSpPr>
+        <p:cNvPr id="1" name=""/>
+        <p:cNvGrpSpPr/>
+        <p:nvPr/>
+      </p:nvGrpSpPr>
+      <p:grpSpPr>
+        <a:xfrm>
+          <a:off x="0" y="0"/>
+          <a:ext cx="0" cy="0"/>
+          <a:chOff x="0" y="0"/>
+          <a:chExt cx="0" cy="0"/>
+        </a:xfrm>
+      </p:grpSpPr>
+      <p:sp>
+        <p:nvSpPr>
+          <p:cNvPr id="4" name="楕円 3">
+            <a:extLst>
+              <a:ext uri="{FF2B5EF4-FFF2-40B4-BE49-F238E27FC236}">
+                <a16:creationId xmlns:a16="http://schemas.microsoft.com/office/drawing/2014/main" id="{F20D218C-7BAF-48B5-0014-A100721C75D8}"/>
+              </a:ext>
+            </a:extLst>
+          </p:cNvPr>
+          <p:cNvSpPr/>
+          <p:nvPr/>
+        </p:nvSpPr>
+        <p:spPr>
+          <a:xfrm>
+            <a:off x="2055179" y="2923967"/>
+            <a:ext cx="242235" cy="242235"/>
+          </a:xfrm>
+          <a:prstGeom prst="ellipse">
+            <a:avLst/>
+          </a:prstGeom>
+          <a:solidFill>
+            <a:schemeClr val="tx1"/>
+          </a:solidFill>
+          <a:ln>
+            <a:solidFill>
+              <a:schemeClr val="tx1"/>
+            </a:solidFill>
+          </a:ln>
+        </p:spPr>
+        <p:style>
+          <a:lnRef idx="2">
+            <a:schemeClr val="accent1">
+              <a:shade val="15000"/>
+            </a:schemeClr>
+          </a:lnRef>
+          <a:fillRef idx="1">
+            <a:schemeClr val="accent1"/>
+          </a:fillRef>
+          <a:effectRef idx="0">
+            <a:schemeClr val="accent1"/>
+          </a:effectRef>
+          <a:fontRef idx="minor">
+            <a:schemeClr val="lt1"/>
+          </a:fontRef>
+        </p:style>
+        <p:txBody>
+          <a:bodyPr rtlCol="0" anchor="ctr"/>
+          <a:lstStyle/>
+          <a:p>
+            <a:pPr algn="ctr"/>
+            <a:endParaRPr kumimoji="1" lang="ja-JP" altLang="en-US"/>
+          </a:p>
+        </p:txBody>
+      </p:sp>
+      <p:sp>
+        <p:nvSpPr>
+          <p:cNvPr id="5" name="正方形/長方形 4">
+            <a:extLst>
+              <a:ext uri="{FF2B5EF4-FFF2-40B4-BE49-F238E27FC236}">
+                <a16:creationId xmlns:a16="http://schemas.microsoft.com/office/drawing/2014/main" id="{AF06B80A-FE97-3C7E-999E-AEDD366AAD2D}"/>
+              </a:ext>
+            </a:extLst>
+          </p:cNvPr>
+          <p:cNvSpPr/>
+          <p:nvPr/>
+        </p:nvSpPr>
+        <p:spPr>
+          <a:xfrm>
+            <a:off x="3434802" y="1954351"/>
+            <a:ext cx="224590" cy="224590"/>
+          </a:xfrm>
+          <a:prstGeom prst="rect">
+            <a:avLst/>
+          </a:prstGeom>
+        </p:spPr>
+        <p:style>
+          <a:lnRef idx="2">
+            <a:schemeClr val="accent1">
+              <a:shade val="15000"/>
+            </a:schemeClr>
+          </a:lnRef>
+          <a:fillRef idx="1">
+            <a:schemeClr val="accent1"/>
+          </a:fillRef>
+          <a:effectRef idx="0">
+            <a:schemeClr val="accent1"/>
+          </a:effectRef>
+          <a:fontRef idx="minor">
+            <a:schemeClr val="lt1"/>
+          </a:fontRef>
+        </p:style>
+        <p:txBody>
+          <a:bodyPr rtlCol="0" anchor="ctr"/>
+          <a:lstStyle/>
+          <a:p>
+            <a:pPr algn="ctr"/>
+            <a:endParaRPr kumimoji="1" lang="ja-JP" altLang="en-US"/>
+          </a:p>
+        </p:txBody>
+      </p:sp>
+      <p:cxnSp>
+        <p:nvCxnSpPr>
+          <p:cNvPr id="7" name="直線コネクタ 6">
+            <a:extLst>
+              <a:ext uri="{FF2B5EF4-FFF2-40B4-BE49-F238E27FC236}">
+                <a16:creationId xmlns:a16="http://schemas.microsoft.com/office/drawing/2014/main" id="{A4F6AD4E-B7D4-4EC9-F4E7-FB13F83C91AD}"/>
+              </a:ext>
+            </a:extLst>
+          </p:cNvPr>
+          <p:cNvCxnSpPr>
+            <a:cxnSpLocks/>
+            <a:stCxn id="4" idx="7"/>
+            <a:endCxn id="5" idx="1"/>
+          </p:cNvCxnSpPr>
+          <p:nvPr/>
+        </p:nvCxnSpPr>
+        <p:spPr>
+          <a:xfrm flipV="1">
+            <a:off x="2261940" y="2066646"/>
+            <a:ext cx="1172862" cy="892795"/>
+          </a:xfrm>
+          <a:prstGeom prst="line">
+            <a:avLst/>
+          </a:prstGeom>
+          <a:ln>
+            <a:solidFill>
+              <a:schemeClr val="tx1"/>
+            </a:solidFill>
+          </a:ln>
+        </p:spPr>
+        <p:style>
+          <a:lnRef idx="2">
+            <a:schemeClr val="accent1"/>
+          </a:lnRef>
+          <a:fillRef idx="0">
+            <a:schemeClr val="accent1"/>
+          </a:fillRef>
+          <a:effectRef idx="1">
+            <a:schemeClr val="accent1"/>
+          </a:effectRef>
+          <a:fontRef idx="minor">
+            <a:schemeClr val="tx1"/>
+          </a:fontRef>
+        </p:style>
+      </p:cxnSp>
+      <p:sp>
+        <p:nvSpPr>
+          <p:cNvPr id="9" name="正方形/長方形 8">
+            <a:extLst>
+              <a:ext uri="{FF2B5EF4-FFF2-40B4-BE49-F238E27FC236}">
+                <a16:creationId xmlns:a16="http://schemas.microsoft.com/office/drawing/2014/main" id="{B8585299-3EFE-8C37-0E78-A113FD4620AD}"/>
+              </a:ext>
+            </a:extLst>
+          </p:cNvPr>
+          <p:cNvSpPr/>
+          <p:nvPr/>
+        </p:nvSpPr>
+        <p:spPr>
+          <a:xfrm>
+            <a:off x="3547097" y="2699377"/>
+            <a:ext cx="224590" cy="224590"/>
+          </a:xfrm>
+          <a:prstGeom prst="rect">
+            <a:avLst/>
+          </a:prstGeom>
+        </p:spPr>
+        <p:style>
+          <a:lnRef idx="2">
+            <a:schemeClr val="accent1">
+              <a:shade val="15000"/>
+            </a:schemeClr>
+          </a:lnRef>
+          <a:fillRef idx="1">
+            <a:schemeClr val="accent1"/>
+          </a:fillRef>
+          <a:effectRef idx="0">
+            <a:schemeClr val="accent1"/>
+          </a:effectRef>
+          <a:fontRef idx="minor">
+            <a:schemeClr val="lt1"/>
+          </a:fontRef>
+        </p:style>
+        <p:txBody>
+          <a:bodyPr rtlCol="0" anchor="ctr"/>
+          <a:lstStyle/>
+          <a:p>
+            <a:pPr algn="ctr"/>
+            <a:endParaRPr kumimoji="1" lang="ja-JP" altLang="en-US"/>
+          </a:p>
+        </p:txBody>
+      </p:sp>
+      <p:cxnSp>
+        <p:nvCxnSpPr>
+          <p:cNvPr id="12" name="直線コネクタ 11">
+            <a:extLst>
+              <a:ext uri="{FF2B5EF4-FFF2-40B4-BE49-F238E27FC236}">
+                <a16:creationId xmlns:a16="http://schemas.microsoft.com/office/drawing/2014/main" id="{9838EAFA-A257-A85E-1DF2-C31D826FE978}"/>
+              </a:ext>
+            </a:extLst>
+          </p:cNvPr>
+          <p:cNvCxnSpPr>
+            <a:cxnSpLocks/>
+            <a:stCxn id="4" idx="2"/>
+            <a:endCxn id="9" idx="1"/>
+          </p:cNvCxnSpPr>
+          <p:nvPr/>
+        </p:nvCxnSpPr>
+        <p:spPr>
+          <a:xfrm flipV="1">
+            <a:off x="2055179" y="2811672"/>
+            <a:ext cx="1491918" cy="233413"/>
+          </a:xfrm>
+          <a:prstGeom prst="line">
+            <a:avLst/>
+          </a:prstGeom>
+          <a:ln>
+            <a:solidFill>
+              <a:schemeClr val="tx1"/>
+            </a:solidFill>
+          </a:ln>
+        </p:spPr>
+        <p:style>
+          <a:lnRef idx="2">
+            <a:schemeClr val="accent1"/>
+          </a:lnRef>
+          <a:fillRef idx="0">
+            <a:schemeClr val="accent1"/>
+          </a:fillRef>
+          <a:effectRef idx="1">
+            <a:schemeClr val="accent1"/>
+          </a:effectRef>
+          <a:fontRef idx="minor">
+            <a:schemeClr val="tx1"/>
+          </a:fontRef>
+        </p:style>
+      </p:cxnSp>
+      <p:sp>
+        <p:nvSpPr>
+          <p:cNvPr id="21" name="正方形/長方形 20">
+            <a:extLst>
+              <a:ext uri="{FF2B5EF4-FFF2-40B4-BE49-F238E27FC236}">
+                <a16:creationId xmlns:a16="http://schemas.microsoft.com/office/drawing/2014/main" id="{D83EBD3A-BD43-9F58-7C7C-CB7882C2CD94}"/>
+              </a:ext>
+            </a:extLst>
+          </p:cNvPr>
+          <p:cNvSpPr/>
+          <p:nvPr/>
+        </p:nvSpPr>
+        <p:spPr>
+          <a:xfrm>
+            <a:off x="3426783" y="3479877"/>
+            <a:ext cx="224590" cy="224590"/>
+          </a:xfrm>
+          <a:prstGeom prst="rect">
+            <a:avLst/>
+          </a:prstGeom>
+        </p:spPr>
+        <p:style>
+          <a:lnRef idx="2">
+            <a:schemeClr val="accent1">
+              <a:shade val="15000"/>
+            </a:schemeClr>
+          </a:lnRef>
+          <a:fillRef idx="1">
+            <a:schemeClr val="accent1"/>
+          </a:fillRef>
+          <a:effectRef idx="0">
+            <a:schemeClr val="accent1"/>
+          </a:effectRef>
+          <a:fontRef idx="minor">
+            <a:schemeClr val="lt1"/>
+          </a:fontRef>
+        </p:style>
+        <p:txBody>
+          <a:bodyPr rtlCol="0" anchor="ctr"/>
+          <a:lstStyle/>
+          <a:p>
+            <a:pPr algn="ctr"/>
+            <a:endParaRPr kumimoji="1" lang="ja-JP" altLang="en-US"/>
+          </a:p>
+        </p:txBody>
+      </p:sp>
+      <p:cxnSp>
+        <p:nvCxnSpPr>
+          <p:cNvPr id="22" name="直線コネクタ 21">
+            <a:extLst>
+              <a:ext uri="{FF2B5EF4-FFF2-40B4-BE49-F238E27FC236}">
+                <a16:creationId xmlns:a16="http://schemas.microsoft.com/office/drawing/2014/main" id="{1C565A2C-18B5-404C-A6B8-6A50A9904A3A}"/>
+              </a:ext>
+            </a:extLst>
+          </p:cNvPr>
+          <p:cNvCxnSpPr>
+            <a:cxnSpLocks/>
+            <a:stCxn id="4" idx="2"/>
+            <a:endCxn id="21" idx="1"/>
+          </p:cNvCxnSpPr>
+          <p:nvPr/>
+        </p:nvCxnSpPr>
+        <p:spPr>
+          <a:xfrm>
+            <a:off x="2055179" y="3045085"/>
+            <a:ext cx="1371604" cy="547087"/>
+          </a:xfrm>
+          <a:prstGeom prst="line">
+            <a:avLst/>
+          </a:prstGeom>
+          <a:ln>
+            <a:solidFill>
+              <a:schemeClr val="tx1"/>
+            </a:solidFill>
+          </a:ln>
+        </p:spPr>
+        <p:style>
+          <a:lnRef idx="2">
+            <a:schemeClr val="accent1"/>
+          </a:lnRef>
+          <a:fillRef idx="0">
+            <a:schemeClr val="accent1"/>
+          </a:fillRef>
+          <a:effectRef idx="1">
+            <a:schemeClr val="accent1"/>
+          </a:effectRef>
+          <a:fontRef idx="minor">
+            <a:schemeClr val="tx1"/>
+          </a:fontRef>
+        </p:style>
+      </p:cxnSp>
+      <p:sp>
+        <p:nvSpPr>
+          <p:cNvPr id="40" name="円弧 39">
+            <a:extLst>
+              <a:ext uri="{FF2B5EF4-FFF2-40B4-BE49-F238E27FC236}">
+                <a16:creationId xmlns:a16="http://schemas.microsoft.com/office/drawing/2014/main" id="{E0AEAF0C-B583-5473-FEB2-D5043BD99442}"/>
+              </a:ext>
+            </a:extLst>
+          </p:cNvPr>
+          <p:cNvSpPr/>
+          <p:nvPr/>
+        </p:nvSpPr>
+        <p:spPr>
+          <a:xfrm>
+            <a:off x="2920747" y="2386860"/>
+            <a:ext cx="193212" cy="931768"/>
+          </a:xfrm>
+          <a:prstGeom prst="arc">
+            <a:avLst/>
+          </a:prstGeom>
+        </p:spPr>
+        <p:style>
+          <a:lnRef idx="2">
+            <a:schemeClr val="accent1"/>
+          </a:lnRef>
+          <a:fillRef idx="0">
+            <a:schemeClr val="accent1"/>
+          </a:fillRef>
+          <a:effectRef idx="1">
+            <a:schemeClr val="accent1"/>
+          </a:effectRef>
+          <a:fontRef idx="minor">
+            <a:schemeClr val="tx1"/>
+          </a:fontRef>
+        </p:style>
+        <p:txBody>
+          <a:bodyPr rtlCol="0" anchor="ctr"/>
+          <a:lstStyle/>
+          <a:p>
+            <a:pPr algn="ctr"/>
+            <a:endParaRPr kumimoji="1" lang="ja-JP" altLang="en-US"/>
+          </a:p>
+        </p:txBody>
+      </p:sp>
+      <p:cxnSp>
+        <p:nvCxnSpPr>
+          <p:cNvPr id="42" name="直線コネクタ 41">
+            <a:extLst>
+              <a:ext uri="{FF2B5EF4-FFF2-40B4-BE49-F238E27FC236}">
+                <a16:creationId xmlns:a16="http://schemas.microsoft.com/office/drawing/2014/main" id="{C5DB9A22-FF54-C928-19F5-76B2EE7F4D03}"/>
+              </a:ext>
+            </a:extLst>
+          </p:cNvPr>
+          <p:cNvCxnSpPr>
+            <a:cxnSpLocks/>
+            <a:endCxn id="43" idx="1"/>
+          </p:cNvCxnSpPr>
+          <p:nvPr/>
+        </p:nvCxnSpPr>
+        <p:spPr>
+          <a:xfrm flipV="1">
+            <a:off x="3081875" y="2152290"/>
+            <a:ext cx="1620252" cy="440500"/>
+          </a:xfrm>
+          <a:prstGeom prst="line">
+            <a:avLst/>
+          </a:prstGeom>
+          <a:ln>
+            <a:solidFill>
+              <a:schemeClr val="tx1"/>
+            </a:solidFill>
+          </a:ln>
+        </p:spPr>
+        <p:style>
+          <a:lnRef idx="2">
+            <a:schemeClr val="accent1"/>
+          </a:lnRef>
+          <a:fillRef idx="0">
+            <a:schemeClr val="accent1"/>
+          </a:fillRef>
+          <a:effectRef idx="1">
+            <a:schemeClr val="accent1"/>
+          </a:effectRef>
+          <a:fontRef idx="minor">
+            <a:schemeClr val="tx1"/>
+          </a:fontRef>
+        </p:style>
+      </p:cxnSp>
+      <p:sp>
+        <p:nvSpPr>
+          <p:cNvPr id="43" name="テキスト ボックス 42">
+            <a:extLst>
+              <a:ext uri="{FF2B5EF4-FFF2-40B4-BE49-F238E27FC236}">
+                <a16:creationId xmlns:a16="http://schemas.microsoft.com/office/drawing/2014/main" id="{F305ACF8-EF92-0720-194B-3E8B28A42949}"/>
+              </a:ext>
+            </a:extLst>
+          </p:cNvPr>
+          <p:cNvSpPr txBox="1"/>
+          <p:nvPr/>
+        </p:nvSpPr>
+        <p:spPr>
+          <a:xfrm>
+            <a:off x="4702127" y="1859902"/>
+            <a:ext cx="1058779" cy="584775"/>
+          </a:xfrm>
+          <a:prstGeom prst="rect">
+            <a:avLst/>
+          </a:prstGeom>
+          <a:noFill/>
+          <a:ln w="57150">
+            <a:solidFill>
+              <a:srgbClr val="FF0000"/>
+            </a:solidFill>
+          </a:ln>
+        </p:spPr>
+        <p:txBody>
+          <a:bodyPr wrap="square" rtlCol="0">
+            <a:spAutoFit/>
+          </a:bodyPr>
+          <a:lstStyle/>
+          <a:p>
+            <a:r>
+              <a:rPr kumimoji="1" lang="en-US" altLang="ja-JP" sz="3200"/>
+              <a:t>12°</a:t>
+            </a:r>
+            <a:endParaRPr kumimoji="1" lang="ja-JP" altLang="en-US" sz="3200"/>
+          </a:p>
+        </p:txBody>
+      </p:sp>
+      <p:cxnSp>
+        <p:nvCxnSpPr>
+          <p:cNvPr id="48" name="コネクタ: 曲線 47">
+            <a:extLst>
+              <a:ext uri="{FF2B5EF4-FFF2-40B4-BE49-F238E27FC236}">
+                <a16:creationId xmlns:a16="http://schemas.microsoft.com/office/drawing/2014/main" id="{B5162D36-4F61-6598-3423-6B503497B3D2}"/>
+              </a:ext>
+            </a:extLst>
+          </p:cNvPr>
+          <p:cNvCxnSpPr>
+            <a:cxnSpLocks/>
+          </p:cNvCxnSpPr>
+          <p:nvPr/>
+        </p:nvCxnSpPr>
+        <p:spPr>
+          <a:xfrm rot="10800000" flipV="1">
+            <a:off x="2535548" y="4497424"/>
+            <a:ext cx="458098" cy="26653"/>
+          </a:xfrm>
+          <a:prstGeom prst="curvedConnector3">
+            <a:avLst>
+              <a:gd name="adj1" fmla="val 50000"/>
+            </a:avLst>
+          </a:prstGeom>
+          <a:ln>
+            <a:tailEnd type="triangle"/>
+          </a:ln>
+        </p:spPr>
+        <p:style>
+          <a:lnRef idx="2">
+            <a:schemeClr val="accent1"/>
+          </a:lnRef>
+          <a:fillRef idx="0">
+            <a:schemeClr val="accent1"/>
+          </a:fillRef>
+          <a:effectRef idx="1">
+            <a:schemeClr val="accent1"/>
+          </a:effectRef>
+          <a:fontRef idx="minor">
+            <a:schemeClr val="tx1"/>
+          </a:fontRef>
+        </p:style>
+      </p:cxnSp>
+      <p:sp>
+        <p:nvSpPr>
+          <p:cNvPr id="66" name="正方形/長方形 65">
+            <a:extLst>
+              <a:ext uri="{FF2B5EF4-FFF2-40B4-BE49-F238E27FC236}">
+                <a16:creationId xmlns:a16="http://schemas.microsoft.com/office/drawing/2014/main" id="{E2F9148D-246C-E1CB-FB20-9B1E876F80E6}"/>
+              </a:ext>
+            </a:extLst>
+          </p:cNvPr>
+          <p:cNvSpPr/>
+          <p:nvPr/>
+        </p:nvSpPr>
+        <p:spPr>
+          <a:xfrm>
+            <a:off x="2809157" y="4299486"/>
+            <a:ext cx="224590" cy="224590"/>
+          </a:xfrm>
+          <a:prstGeom prst="rect">
+            <a:avLst/>
+          </a:prstGeom>
+        </p:spPr>
+        <p:style>
+          <a:lnRef idx="2">
+            <a:schemeClr val="accent1">
+              <a:shade val="15000"/>
+            </a:schemeClr>
+          </a:lnRef>
+          <a:fillRef idx="1">
+            <a:schemeClr val="accent1"/>
+          </a:fillRef>
+          <a:effectRef idx="0">
+            <a:schemeClr val="accent1"/>
+          </a:effectRef>
+          <a:fontRef idx="minor">
+            <a:schemeClr val="lt1"/>
+          </a:fontRef>
+        </p:style>
+        <p:txBody>
+          <a:bodyPr rtlCol="0" anchor="ctr"/>
+          <a:lstStyle/>
+          <a:p>
+            <a:pPr algn="ctr"/>
+            <a:endParaRPr kumimoji="1" lang="ja-JP" altLang="en-US"/>
+          </a:p>
+        </p:txBody>
+      </p:sp>
+      <p:cxnSp>
+        <p:nvCxnSpPr>
+          <p:cNvPr id="67" name="直線コネクタ 66">
+            <a:extLst>
+              <a:ext uri="{FF2B5EF4-FFF2-40B4-BE49-F238E27FC236}">
+                <a16:creationId xmlns:a16="http://schemas.microsoft.com/office/drawing/2014/main" id="{4FC1AE75-24C9-DDEF-D32B-56914CFE9DD6}"/>
+              </a:ext>
+            </a:extLst>
+          </p:cNvPr>
+          <p:cNvCxnSpPr>
+            <a:cxnSpLocks/>
+            <a:stCxn id="4" idx="5"/>
+            <a:endCxn id="66" idx="1"/>
+          </p:cNvCxnSpPr>
+          <p:nvPr/>
+        </p:nvCxnSpPr>
+        <p:spPr>
+          <a:xfrm>
+            <a:off x="2261940" y="3130728"/>
+            <a:ext cx="547217" cy="1281053"/>
+          </a:xfrm>
+          <a:prstGeom prst="line">
+            <a:avLst/>
+          </a:prstGeom>
+          <a:ln>
+            <a:solidFill>
+              <a:schemeClr val="tx1"/>
+            </a:solidFill>
+          </a:ln>
+        </p:spPr>
+        <p:style>
+          <a:lnRef idx="2">
+            <a:schemeClr val="accent1"/>
+          </a:lnRef>
+          <a:fillRef idx="0">
+            <a:schemeClr val="accent1"/>
+          </a:fillRef>
+          <a:effectRef idx="1">
+            <a:schemeClr val="accent1"/>
+          </a:effectRef>
+          <a:fontRef idx="minor">
+            <a:schemeClr val="tx1"/>
+          </a:fontRef>
+        </p:style>
+      </p:cxnSp>
+      <p:cxnSp>
+        <p:nvCxnSpPr>
+          <p:cNvPr id="78" name="直線コネクタ 77">
+            <a:extLst>
+              <a:ext uri="{FF2B5EF4-FFF2-40B4-BE49-F238E27FC236}">
+                <a16:creationId xmlns:a16="http://schemas.microsoft.com/office/drawing/2014/main" id="{DA84264E-C60A-9D7E-80C7-747D5B8E4C58}"/>
+              </a:ext>
+            </a:extLst>
+          </p:cNvPr>
+          <p:cNvCxnSpPr>
+            <a:cxnSpLocks/>
+            <a:stCxn id="79" idx="0"/>
+          </p:cNvCxnSpPr>
+          <p:nvPr/>
+        </p:nvCxnSpPr>
+        <p:spPr>
+          <a:xfrm flipH="1" flipV="1">
+            <a:off x="2740981" y="4524076"/>
+            <a:ext cx="456941" cy="414926"/>
+          </a:xfrm>
+          <a:prstGeom prst="line">
+            <a:avLst/>
+          </a:prstGeom>
+          <a:ln>
+            <a:solidFill>
+              <a:schemeClr val="tx1"/>
+            </a:solidFill>
+          </a:ln>
+        </p:spPr>
+        <p:style>
+          <a:lnRef idx="2">
+            <a:schemeClr val="accent1"/>
+          </a:lnRef>
+          <a:fillRef idx="0">
+            <a:schemeClr val="accent1"/>
+          </a:fillRef>
+          <a:effectRef idx="1">
+            <a:schemeClr val="accent1"/>
+          </a:effectRef>
+          <a:fontRef idx="minor">
+            <a:schemeClr val="tx1"/>
+          </a:fontRef>
+        </p:style>
+      </p:cxnSp>
+      <p:sp>
+        <p:nvSpPr>
+          <p:cNvPr id="79" name="テキスト ボックス 78">
+            <a:extLst>
+              <a:ext uri="{FF2B5EF4-FFF2-40B4-BE49-F238E27FC236}">
+                <a16:creationId xmlns:a16="http://schemas.microsoft.com/office/drawing/2014/main" id="{F6B8B29E-2BAE-303D-9E78-7735F4E513A1}"/>
+              </a:ext>
+            </a:extLst>
+          </p:cNvPr>
+          <p:cNvSpPr txBox="1"/>
+          <p:nvPr/>
+        </p:nvSpPr>
+        <p:spPr>
+          <a:xfrm>
+            <a:off x="1861968" y="4939002"/>
+            <a:ext cx="2671907" cy="584775"/>
+          </a:xfrm>
+          <a:prstGeom prst="rect">
+            <a:avLst/>
+          </a:prstGeom>
+          <a:noFill/>
+          <a:ln w="57150">
+            <a:solidFill>
+              <a:srgbClr val="FF0000"/>
+            </a:solidFill>
+          </a:ln>
+        </p:spPr>
+        <p:txBody>
+          <a:bodyPr wrap="square" rtlCol="0">
+            <a:spAutoFit/>
+          </a:bodyPr>
+          <a:lstStyle/>
+          <a:p>
+            <a:r>
+              <a:rPr lang="ja-JP" altLang="en-US" sz="3200"/>
+              <a:t>弾の数</a:t>
+            </a:r>
+            <a:r>
+              <a:rPr lang="en-US" altLang="ja-JP" sz="3200"/>
+              <a:t>/30°</a:t>
+            </a:r>
+            <a:endParaRPr kumimoji="1" lang="ja-JP" altLang="en-US" sz="3200"/>
+          </a:p>
+        </p:txBody>
+      </p:sp>
+      <p:sp>
+        <p:nvSpPr>
+          <p:cNvPr id="85" name="吹き出し: 角を丸めた四角形 84">
+            <a:extLst>
+              <a:ext uri="{FF2B5EF4-FFF2-40B4-BE49-F238E27FC236}">
+                <a16:creationId xmlns:a16="http://schemas.microsoft.com/office/drawing/2014/main" id="{12FECE01-185D-DFE8-7CC4-C2E7E353B4A6}"/>
+              </a:ext>
+            </a:extLst>
+          </p:cNvPr>
+          <p:cNvSpPr/>
+          <p:nvPr/>
+        </p:nvSpPr>
+        <p:spPr>
+          <a:xfrm>
+            <a:off x="0" y="1595165"/>
+            <a:ext cx="2809157" cy="771545"/>
+          </a:xfrm>
+          <a:prstGeom prst="wedgeRoundRectCallout">
+            <a:avLst>
+              <a:gd name="adj1" fmla="val 30609"/>
+              <a:gd name="adj2" fmla="val 116905"/>
+              <a:gd name="adj3" fmla="val 16667"/>
+            </a:avLst>
+          </a:prstGeom>
+        </p:spPr>
+        <p:style>
+          <a:lnRef idx="2">
+            <a:schemeClr val="accent1">
+              <a:shade val="15000"/>
+            </a:schemeClr>
+          </a:lnRef>
+          <a:fillRef idx="1">
+            <a:schemeClr val="accent1"/>
+          </a:fillRef>
+          <a:effectRef idx="0">
+            <a:schemeClr val="accent1"/>
+          </a:effectRef>
+          <a:fontRef idx="minor">
+            <a:schemeClr val="lt1"/>
+          </a:fontRef>
+        </p:style>
+        <p:txBody>
+          <a:bodyPr rtlCol="0" anchor="ctr"/>
+          <a:lstStyle/>
+          <a:p>
+            <a:pPr algn="ctr"/>
+            <a:r>
+              <a:rPr lang="ja-JP" altLang="en-US" sz="2800"/>
+              <a:t>敵機の中心座標</a:t>
+            </a:r>
+            <a:endParaRPr kumimoji="1" lang="ja-JP" altLang="en-US" sz="2800"/>
+          </a:p>
+        </p:txBody>
+      </p:sp>
+      <p:sp>
+        <p:nvSpPr>
+          <p:cNvPr id="86" name="テキスト ボックス 85">
+            <a:extLst>
+              <a:ext uri="{FF2B5EF4-FFF2-40B4-BE49-F238E27FC236}">
+                <a16:creationId xmlns:a16="http://schemas.microsoft.com/office/drawing/2014/main" id="{EA1BED1F-2A0F-821C-0DF1-8AF168EE6B45}"/>
+              </a:ext>
+            </a:extLst>
+          </p:cNvPr>
+          <p:cNvSpPr txBox="1"/>
+          <p:nvPr/>
+        </p:nvSpPr>
+        <p:spPr>
+          <a:xfrm>
+            <a:off x="2189838" y="3639097"/>
+            <a:ext cx="480368" cy="584775"/>
+          </a:xfrm>
+          <a:prstGeom prst="rect">
+            <a:avLst/>
+          </a:prstGeom>
+          <a:noFill/>
+        </p:spPr>
+        <p:txBody>
+          <a:bodyPr wrap="square" rtlCol="0">
+            <a:spAutoFit/>
+          </a:bodyPr>
+          <a:lstStyle/>
+          <a:p>
+            <a:r>
+              <a:rPr lang="en-US" altLang="ja-JP" sz="3200"/>
+              <a:t>r</a:t>
+            </a:r>
+          </a:p>
+        </p:txBody>
+      </p:sp>
+      <p:sp>
+        <p:nvSpPr>
+          <p:cNvPr id="90" name="円弧 89">
+            <a:extLst>
+              <a:ext uri="{FF2B5EF4-FFF2-40B4-BE49-F238E27FC236}">
+                <a16:creationId xmlns:a16="http://schemas.microsoft.com/office/drawing/2014/main" id="{0E6029E2-D1E3-404C-A19A-3B4298AFFFCE}"/>
+              </a:ext>
+            </a:extLst>
+          </p:cNvPr>
+          <p:cNvSpPr/>
+          <p:nvPr/>
+        </p:nvSpPr>
+        <p:spPr>
+          <a:xfrm>
+            <a:off x="3017353" y="2890174"/>
+            <a:ext cx="96606" cy="1173479"/>
+          </a:xfrm>
+          <a:prstGeom prst="arc">
+            <a:avLst/>
+          </a:prstGeom>
+        </p:spPr>
+        <p:style>
+          <a:lnRef idx="2">
+            <a:schemeClr val="accent1"/>
+          </a:lnRef>
+          <a:fillRef idx="0">
+            <a:schemeClr val="accent1"/>
+          </a:fillRef>
+          <a:effectRef idx="1">
+            <a:schemeClr val="accent1"/>
+          </a:effectRef>
+          <a:fontRef idx="minor">
+            <a:schemeClr val="tx1"/>
+          </a:fontRef>
+        </p:style>
+        <p:txBody>
+          <a:bodyPr rtlCol="0" anchor="ctr"/>
+          <a:lstStyle/>
+          <a:p>
+            <a:pPr algn="ctr"/>
+            <a:endParaRPr kumimoji="1" lang="ja-JP" altLang="en-US"/>
+          </a:p>
+        </p:txBody>
+      </p:sp>
+      <p:cxnSp>
+        <p:nvCxnSpPr>
+          <p:cNvPr id="91" name="直線コネクタ 90">
+            <a:extLst>
+              <a:ext uri="{FF2B5EF4-FFF2-40B4-BE49-F238E27FC236}">
+                <a16:creationId xmlns:a16="http://schemas.microsoft.com/office/drawing/2014/main" id="{165EA3AD-47EE-76CD-2982-715C5C481396}"/>
+              </a:ext>
+            </a:extLst>
+          </p:cNvPr>
+          <p:cNvCxnSpPr>
+            <a:cxnSpLocks/>
+            <a:endCxn id="92" idx="1"/>
+          </p:cNvCxnSpPr>
+          <p:nvPr/>
+        </p:nvCxnSpPr>
+        <p:spPr>
+          <a:xfrm>
+            <a:off x="3097917" y="3216295"/>
+            <a:ext cx="1208583" cy="46985"/>
+          </a:xfrm>
+          <a:prstGeom prst="line">
+            <a:avLst/>
+          </a:prstGeom>
+          <a:ln>
+            <a:solidFill>
+              <a:schemeClr val="tx1"/>
+            </a:solidFill>
+          </a:ln>
+        </p:spPr>
+        <p:style>
+          <a:lnRef idx="2">
+            <a:schemeClr val="accent1"/>
+          </a:lnRef>
+          <a:fillRef idx="0">
+            <a:schemeClr val="accent1"/>
+          </a:fillRef>
+          <a:effectRef idx="1">
+            <a:schemeClr val="accent1"/>
+          </a:effectRef>
+          <a:fontRef idx="minor">
+            <a:schemeClr val="tx1"/>
+          </a:fontRef>
+        </p:style>
+      </p:cxnSp>
+      <p:sp>
+        <p:nvSpPr>
+          <p:cNvPr id="92" name="テキスト ボックス 91">
+            <a:extLst>
+              <a:ext uri="{FF2B5EF4-FFF2-40B4-BE49-F238E27FC236}">
+                <a16:creationId xmlns:a16="http://schemas.microsoft.com/office/drawing/2014/main" id="{96CD138A-3C76-90FE-64DF-2DD33114206B}"/>
+              </a:ext>
+            </a:extLst>
+          </p:cNvPr>
+          <p:cNvSpPr txBox="1"/>
+          <p:nvPr/>
+        </p:nvSpPr>
+        <p:spPr>
+          <a:xfrm>
+            <a:off x="4306500" y="2970892"/>
+            <a:ext cx="1058779" cy="584775"/>
+          </a:xfrm>
+          <a:prstGeom prst="rect">
+            <a:avLst/>
+          </a:prstGeom>
+          <a:noFill/>
+          <a:ln w="57150">
+            <a:solidFill>
+              <a:srgbClr val="FF0000"/>
+            </a:solidFill>
+          </a:ln>
+        </p:spPr>
+        <p:txBody>
+          <a:bodyPr wrap="square" rtlCol="0">
+            <a:spAutoFit/>
+          </a:bodyPr>
+          <a:lstStyle/>
+          <a:p>
+            <a:r>
+              <a:rPr kumimoji="1" lang="en-US" altLang="ja-JP" sz="3200"/>
+              <a:t>12°</a:t>
+            </a:r>
+            <a:endParaRPr kumimoji="1" lang="ja-JP" altLang="en-US" sz="3200"/>
+          </a:p>
+        </p:txBody>
+      </p:sp>
+      <p:sp>
+        <p:nvSpPr>
+          <p:cNvPr id="167" name="矢印: 下 166">
+            <a:extLst>
+              <a:ext uri="{FF2B5EF4-FFF2-40B4-BE49-F238E27FC236}">
+                <a16:creationId xmlns:a16="http://schemas.microsoft.com/office/drawing/2014/main" id="{15E9A0BE-538F-BDE7-8AF2-1E299839B273}"/>
+              </a:ext>
+            </a:extLst>
+          </p:cNvPr>
+          <p:cNvSpPr/>
+          <p:nvPr/>
+        </p:nvSpPr>
+        <p:spPr>
+          <a:xfrm rot="17203619">
+            <a:off x="4570545" y="2825413"/>
+            <a:ext cx="741084" cy="2548687"/>
+          </a:xfrm>
+          <a:prstGeom prst="downArrow">
+            <a:avLst/>
+          </a:prstGeom>
+        </p:spPr>
+        <p:style>
+          <a:lnRef idx="2">
+            <a:schemeClr val="accent1">
+              <a:shade val="15000"/>
+            </a:schemeClr>
+          </a:lnRef>
+          <a:fillRef idx="1">
+            <a:schemeClr val="accent1"/>
+          </a:fillRef>
+          <a:effectRef idx="0">
+            <a:schemeClr val="accent1"/>
+          </a:effectRef>
+          <a:fontRef idx="minor">
+            <a:schemeClr val="lt1"/>
+          </a:fontRef>
+        </p:style>
+        <p:txBody>
+          <a:bodyPr rtlCol="0" anchor="ctr"/>
+          <a:lstStyle/>
+          <a:p>
+            <a:pPr algn="ctr"/>
+            <a:endParaRPr kumimoji="1" lang="ja-JP" altLang="en-US"/>
+          </a:p>
+        </p:txBody>
+      </p:sp>
+      <p:sp>
+        <p:nvSpPr>
+          <p:cNvPr id="168" name="テキスト ボックス 167">
+            <a:extLst>
+              <a:ext uri="{FF2B5EF4-FFF2-40B4-BE49-F238E27FC236}">
+                <a16:creationId xmlns:a16="http://schemas.microsoft.com/office/drawing/2014/main" id="{75C904C7-E929-E8CF-CEB2-500A249C51BF}"/>
+              </a:ext>
+            </a:extLst>
+          </p:cNvPr>
+          <p:cNvSpPr txBox="1"/>
+          <p:nvPr/>
+        </p:nvSpPr>
+        <p:spPr>
+          <a:xfrm rot="1046091">
+            <a:off x="3890802" y="3825099"/>
+            <a:ext cx="2085475" cy="523220"/>
+          </a:xfrm>
+          <a:prstGeom prst="rect">
+            <a:avLst/>
+          </a:prstGeom>
+          <a:noFill/>
+        </p:spPr>
+        <p:txBody>
+          <a:bodyPr wrap="square" rtlCol="0">
+            <a:spAutoFit/>
+          </a:bodyPr>
+          <a:lstStyle/>
+          <a:p>
+            <a:r>
+              <a:rPr lang="en-US" altLang="ja-JP" sz="2800"/>
+              <a:t>r</a:t>
+            </a:r>
+            <a:r>
+              <a:rPr kumimoji="1" lang="en-US" altLang="ja-JP" sz="2800"/>
+              <a:t> += speed</a:t>
+            </a:r>
+            <a:endParaRPr kumimoji="1" lang="ja-JP" altLang="en-US" sz="2800"/>
+          </a:p>
+        </p:txBody>
+      </p:sp>
+      <p:sp>
+        <p:nvSpPr>
+          <p:cNvPr id="172" name="テキスト ボックス 171">
+            <a:extLst>
+              <a:ext uri="{FF2B5EF4-FFF2-40B4-BE49-F238E27FC236}">
+                <a16:creationId xmlns:a16="http://schemas.microsoft.com/office/drawing/2014/main" id="{D1753137-1D12-2EF0-0A13-2C1F8DBA6C78}"/>
+              </a:ext>
+            </a:extLst>
+          </p:cNvPr>
+          <p:cNvSpPr txBox="1"/>
+          <p:nvPr/>
+        </p:nvSpPr>
+        <p:spPr>
+          <a:xfrm>
+            <a:off x="2920747" y="4457375"/>
+            <a:ext cx="2158051" cy="369332"/>
+          </a:xfrm>
+          <a:prstGeom prst="rect">
+            <a:avLst/>
+          </a:prstGeom>
+          <a:noFill/>
+        </p:spPr>
+        <p:txBody>
+          <a:bodyPr wrap="square" rtlCol="0">
+            <a:spAutoFit/>
+          </a:bodyPr>
+          <a:lstStyle/>
+          <a:p>
+            <a:r>
+              <a:rPr kumimoji="1" lang="en-US" altLang="ja-JP"/>
+              <a:t>(r×vecX,r×vecY)</a:t>
+            </a:r>
+            <a:endParaRPr kumimoji="1" lang="ja-JP" altLang="en-US"/>
+          </a:p>
+        </p:txBody>
+      </p:sp>
+      <p:grpSp>
+        <p:nvGrpSpPr>
+          <p:cNvPr id="173" name="グループ化 172">
+            <a:extLst>
+              <a:ext uri="{FF2B5EF4-FFF2-40B4-BE49-F238E27FC236}">
+                <a16:creationId xmlns:a16="http://schemas.microsoft.com/office/drawing/2014/main" id="{32DDD8BF-8F58-3846-5BF5-A9F52D23659C}"/>
+              </a:ext>
+            </a:extLst>
+          </p:cNvPr>
+          <p:cNvGrpSpPr/>
+          <p:nvPr/>
+        </p:nvGrpSpPr>
+        <p:grpSpPr>
+          <a:xfrm>
+            <a:off x="8420315" y="3318628"/>
+            <a:ext cx="1558763" cy="1558763"/>
+            <a:chOff x="8594448" y="2183466"/>
+            <a:chExt cx="1558763" cy="1558763"/>
+          </a:xfrm>
+        </p:grpSpPr>
+        <p:sp>
+          <p:nvSpPr>
+            <p:cNvPr id="174" name="正方形/長方形 173">
+              <a:extLst>
+                <a:ext uri="{FF2B5EF4-FFF2-40B4-BE49-F238E27FC236}">
+                  <a16:creationId xmlns:a16="http://schemas.microsoft.com/office/drawing/2014/main" id="{03A7FEA4-A712-69EF-AF55-DA63AA90E6DC}"/>
+                </a:ext>
+              </a:extLst>
+            </p:cNvPr>
+            <p:cNvSpPr/>
+            <p:nvPr/>
+          </p:nvSpPr>
+          <p:spPr>
+            <a:xfrm>
+              <a:off x="8594448" y="2183466"/>
+              <a:ext cx="1558763" cy="1558763"/>
+            </a:xfrm>
+            <a:prstGeom prst="rect">
+              <a:avLst/>
+            </a:prstGeom>
+          </p:spPr>
+          <p:style>
+            <a:lnRef idx="2">
+              <a:schemeClr val="accent1">
+                <a:shade val="15000"/>
+              </a:schemeClr>
+            </a:lnRef>
+            <a:fillRef idx="1">
+              <a:schemeClr val="accent1"/>
+            </a:fillRef>
+            <a:effectRef idx="0">
+              <a:schemeClr val="accent1"/>
+            </a:effectRef>
+            <a:fontRef idx="minor">
+              <a:schemeClr val="lt1"/>
+            </a:fontRef>
+          </p:style>
+          <p:txBody>
+            <a:bodyPr rtlCol="0" anchor="ctr"/>
+            <a:lstStyle/>
+            <a:p>
+              <a:pPr algn="ctr"/>
+              <a:endParaRPr kumimoji="1" lang="ja-JP" altLang="en-US"/>
+            </a:p>
+          </p:txBody>
+        </p:sp>
+        <p:sp>
+          <p:nvSpPr>
+            <p:cNvPr id="175" name="楕円 174">
+              <a:extLst>
+                <a:ext uri="{FF2B5EF4-FFF2-40B4-BE49-F238E27FC236}">
+                  <a16:creationId xmlns:a16="http://schemas.microsoft.com/office/drawing/2014/main" id="{9EFFC9E4-21EB-7E39-1F83-2B7C345C89B0}"/>
+                </a:ext>
+              </a:extLst>
+            </p:cNvPr>
+            <p:cNvSpPr/>
+            <p:nvPr/>
+          </p:nvSpPr>
+          <p:spPr>
+            <a:xfrm>
+              <a:off x="9305003" y="2894021"/>
+              <a:ext cx="137651" cy="137651"/>
+            </a:xfrm>
+            <a:prstGeom prst="ellipse">
+              <a:avLst/>
+            </a:prstGeom>
+            <a:solidFill>
+              <a:schemeClr val="tx1"/>
+            </a:solidFill>
+          </p:spPr>
+          <p:style>
+            <a:lnRef idx="2">
+              <a:schemeClr val="accent1">
+                <a:shade val="15000"/>
+              </a:schemeClr>
+            </a:lnRef>
+            <a:fillRef idx="1">
+              <a:schemeClr val="accent1"/>
+            </a:fillRef>
+            <a:effectRef idx="0">
+              <a:schemeClr val="accent1"/>
+            </a:effectRef>
+            <a:fontRef idx="minor">
+              <a:schemeClr val="lt1"/>
+            </a:fontRef>
+          </p:style>
+          <p:txBody>
+            <a:bodyPr rtlCol="0" anchor="ctr"/>
+            <a:lstStyle/>
+            <a:p>
+              <a:pPr algn="ctr"/>
+              <a:endParaRPr kumimoji="1" lang="ja-JP" altLang="en-US">
+                <a:solidFill>
+                  <a:sysClr val="windowText" lastClr="000000"/>
+                </a:solidFill>
+              </a:endParaRPr>
+            </a:p>
+          </p:txBody>
+        </p:sp>
+        <p:cxnSp>
+          <p:nvCxnSpPr>
+            <p:cNvPr id="176" name="直線矢印コネクタ 175">
+              <a:extLst>
+                <a:ext uri="{FF2B5EF4-FFF2-40B4-BE49-F238E27FC236}">
+                  <a16:creationId xmlns:a16="http://schemas.microsoft.com/office/drawing/2014/main" id="{245274FC-D458-CE20-D2E9-F17A867B5135}"/>
+                </a:ext>
+              </a:extLst>
+            </p:cNvPr>
+            <p:cNvCxnSpPr>
+              <a:cxnSpLocks/>
+              <a:stCxn id="175" idx="2"/>
+              <a:endCxn id="174" idx="1"/>
+            </p:cNvCxnSpPr>
+            <p:nvPr/>
+          </p:nvCxnSpPr>
+          <p:spPr>
+            <a:xfrm flipH="1">
+              <a:off x="8594448" y="2962847"/>
+              <a:ext cx="710555" cy="1"/>
+            </a:xfrm>
+            <a:prstGeom prst="straightConnector1">
+              <a:avLst/>
+            </a:prstGeom>
+            <a:ln>
+              <a:solidFill>
+                <a:schemeClr val="tx1"/>
+              </a:solidFill>
+              <a:headEnd type="triangle"/>
+              <a:tailEnd type="triangle"/>
+            </a:ln>
+          </p:spPr>
+          <p:style>
+            <a:lnRef idx="2">
+              <a:schemeClr val="accent1"/>
+            </a:lnRef>
+            <a:fillRef idx="0">
+              <a:schemeClr val="accent1"/>
+            </a:fillRef>
+            <a:effectRef idx="1">
+              <a:schemeClr val="accent1"/>
+            </a:effectRef>
+            <a:fontRef idx="minor">
+              <a:schemeClr val="tx1"/>
+            </a:fontRef>
+          </p:style>
+        </p:cxnSp>
+        <p:cxnSp>
+          <p:nvCxnSpPr>
+            <p:cNvPr id="177" name="直線矢印コネクタ 176">
+              <a:extLst>
+                <a:ext uri="{FF2B5EF4-FFF2-40B4-BE49-F238E27FC236}">
+                  <a16:creationId xmlns:a16="http://schemas.microsoft.com/office/drawing/2014/main" id="{60CC656C-66DF-A3FB-3742-A7906CD37E34}"/>
+                </a:ext>
+              </a:extLst>
+            </p:cNvPr>
+            <p:cNvCxnSpPr>
+              <a:cxnSpLocks/>
+            </p:cNvCxnSpPr>
+            <p:nvPr/>
+          </p:nvCxnSpPr>
+          <p:spPr>
+            <a:xfrm flipH="1" flipV="1">
+              <a:off x="9369084" y="3031670"/>
+              <a:ext cx="1" cy="710557"/>
+            </a:xfrm>
+            <a:prstGeom prst="straightConnector1">
+              <a:avLst/>
+            </a:prstGeom>
+            <a:ln>
+              <a:solidFill>
+                <a:schemeClr val="tx1"/>
+              </a:solidFill>
+              <a:headEnd type="triangle"/>
+              <a:tailEnd type="triangle"/>
+            </a:ln>
+          </p:spPr>
+          <p:style>
+            <a:lnRef idx="2">
+              <a:schemeClr val="accent1"/>
+            </a:lnRef>
+            <a:fillRef idx="0">
+              <a:schemeClr val="accent1"/>
+            </a:fillRef>
+            <a:effectRef idx="1">
+              <a:schemeClr val="accent1"/>
+            </a:effectRef>
+            <a:fontRef idx="minor">
+              <a:schemeClr val="tx1"/>
+            </a:fontRef>
+          </p:style>
+        </p:cxnSp>
+        <p:cxnSp>
+          <p:nvCxnSpPr>
+            <p:cNvPr id="178" name="直線矢印コネクタ 177">
+              <a:extLst>
+                <a:ext uri="{FF2B5EF4-FFF2-40B4-BE49-F238E27FC236}">
+                  <a16:creationId xmlns:a16="http://schemas.microsoft.com/office/drawing/2014/main" id="{444B1F5E-5BC7-5612-864F-97B1B501969C}"/>
+                </a:ext>
+              </a:extLst>
+            </p:cNvPr>
+            <p:cNvCxnSpPr>
+              <a:stCxn id="174" idx="3"/>
+              <a:endCxn id="175" idx="6"/>
+            </p:cNvCxnSpPr>
+            <p:nvPr/>
+          </p:nvCxnSpPr>
+          <p:spPr>
+            <a:xfrm flipH="1" flipV="1">
+              <a:off x="9442654" y="2962847"/>
+              <a:ext cx="710557" cy="1"/>
+            </a:xfrm>
+            <a:prstGeom prst="straightConnector1">
+              <a:avLst/>
+            </a:prstGeom>
+            <a:ln>
+              <a:solidFill>
+                <a:schemeClr val="tx1"/>
+              </a:solidFill>
+              <a:headEnd type="triangle"/>
+              <a:tailEnd type="triangle"/>
+            </a:ln>
+          </p:spPr>
+          <p:style>
+            <a:lnRef idx="2">
+              <a:schemeClr val="accent1"/>
+            </a:lnRef>
+            <a:fillRef idx="0">
+              <a:schemeClr val="accent1"/>
+            </a:fillRef>
+            <a:effectRef idx="1">
+              <a:schemeClr val="accent1"/>
+            </a:effectRef>
+            <a:fontRef idx="minor">
+              <a:schemeClr val="tx1"/>
+            </a:fontRef>
+          </p:style>
+        </p:cxnSp>
+        <p:cxnSp>
+          <p:nvCxnSpPr>
+            <p:cNvPr id="179" name="直線矢印コネクタ 178">
+              <a:extLst>
+                <a:ext uri="{FF2B5EF4-FFF2-40B4-BE49-F238E27FC236}">
+                  <a16:creationId xmlns:a16="http://schemas.microsoft.com/office/drawing/2014/main" id="{FE95F7B1-FCC1-313E-01CD-720944DDBA69}"/>
+                </a:ext>
+              </a:extLst>
+            </p:cNvPr>
+            <p:cNvCxnSpPr>
+              <a:stCxn id="174" idx="0"/>
+              <a:endCxn id="175" idx="0"/>
+            </p:cNvCxnSpPr>
+            <p:nvPr/>
+          </p:nvCxnSpPr>
+          <p:spPr>
+            <a:xfrm flipH="1">
+              <a:off x="9373829" y="2183466"/>
+              <a:ext cx="1" cy="710555"/>
+            </a:xfrm>
+            <a:prstGeom prst="straightConnector1">
+              <a:avLst/>
+            </a:prstGeom>
+            <a:ln>
+              <a:solidFill>
+                <a:schemeClr val="tx1"/>
+              </a:solidFill>
+              <a:headEnd type="triangle"/>
+              <a:tailEnd type="triangle"/>
+            </a:ln>
+          </p:spPr>
+          <p:style>
+            <a:lnRef idx="2">
+              <a:schemeClr val="accent1"/>
+            </a:lnRef>
+            <a:fillRef idx="0">
+              <a:schemeClr val="accent1"/>
+            </a:fillRef>
+            <a:effectRef idx="1">
+              <a:schemeClr val="accent1"/>
+            </a:effectRef>
+            <a:fontRef idx="minor">
+              <a:schemeClr val="tx1"/>
+            </a:fontRef>
+          </p:style>
+        </p:cxnSp>
+        <p:sp>
+          <p:nvSpPr>
+            <p:cNvPr id="180" name="テキスト ボックス 179">
+              <a:extLst>
+                <a:ext uri="{FF2B5EF4-FFF2-40B4-BE49-F238E27FC236}">
+                  <a16:creationId xmlns:a16="http://schemas.microsoft.com/office/drawing/2014/main" id="{616DB8F3-0CA7-EBB9-4394-08403A6C3293}"/>
+                </a:ext>
+              </a:extLst>
+            </p:cNvPr>
+            <p:cNvSpPr txBox="1"/>
+            <p:nvPr/>
+          </p:nvSpPr>
+          <p:spPr>
+            <a:xfrm>
+              <a:off x="8854650" y="2637765"/>
+              <a:ext cx="450353" cy="369332"/>
+            </a:xfrm>
+            <a:prstGeom prst="rect">
+              <a:avLst/>
+            </a:prstGeom>
+            <a:noFill/>
+          </p:spPr>
+          <p:txBody>
+            <a:bodyPr wrap="square" rtlCol="0">
+              <a:spAutoFit/>
+            </a:bodyPr>
+            <a:lstStyle/>
+            <a:p>
+              <a:r>
+                <a:rPr kumimoji="1" lang="en-US" altLang="ja-JP"/>
+                <a:t>10</a:t>
+              </a:r>
+            </a:p>
+          </p:txBody>
+        </p:sp>
+        <p:sp>
+          <p:nvSpPr>
+            <p:cNvPr id="181" name="テキスト ボックス 180">
+              <a:extLst>
+                <a:ext uri="{FF2B5EF4-FFF2-40B4-BE49-F238E27FC236}">
+                  <a16:creationId xmlns:a16="http://schemas.microsoft.com/office/drawing/2014/main" id="{1AEF6D48-479A-3F0E-644B-28AC5FFD6930}"/>
+                </a:ext>
+              </a:extLst>
+            </p:cNvPr>
+            <p:cNvSpPr txBox="1"/>
+            <p:nvPr/>
+          </p:nvSpPr>
+          <p:spPr>
+            <a:xfrm>
+              <a:off x="9488391" y="2941852"/>
+              <a:ext cx="450353" cy="369332"/>
+            </a:xfrm>
+            <a:prstGeom prst="rect">
+              <a:avLst/>
+            </a:prstGeom>
+            <a:noFill/>
+          </p:spPr>
+          <p:txBody>
+            <a:bodyPr wrap="square" rtlCol="0">
+              <a:spAutoFit/>
+            </a:bodyPr>
+            <a:lstStyle/>
+            <a:p>
+              <a:r>
+                <a:rPr kumimoji="1" lang="en-US" altLang="ja-JP"/>
+                <a:t>10</a:t>
+              </a:r>
+            </a:p>
+          </p:txBody>
+        </p:sp>
+        <p:sp>
+          <p:nvSpPr>
+            <p:cNvPr id="182" name="テキスト ボックス 181">
+              <a:extLst>
+                <a:ext uri="{FF2B5EF4-FFF2-40B4-BE49-F238E27FC236}">
+                  <a16:creationId xmlns:a16="http://schemas.microsoft.com/office/drawing/2014/main" id="{91F4F54F-D7D7-5A3A-2CB0-D8F6B9EEF1AC}"/>
+                </a:ext>
+              </a:extLst>
+            </p:cNvPr>
+            <p:cNvSpPr txBox="1"/>
+            <p:nvPr/>
+          </p:nvSpPr>
+          <p:spPr>
+            <a:xfrm rot="16200000">
+              <a:off x="9012795" y="3064632"/>
+              <a:ext cx="450353" cy="369332"/>
+            </a:xfrm>
+            <a:prstGeom prst="rect">
+              <a:avLst/>
+            </a:prstGeom>
+            <a:noFill/>
+          </p:spPr>
+          <p:txBody>
+            <a:bodyPr wrap="square" rtlCol="0">
+              <a:spAutoFit/>
+            </a:bodyPr>
+            <a:lstStyle/>
+            <a:p>
+              <a:r>
+                <a:rPr kumimoji="1" lang="en-US" altLang="ja-JP"/>
+                <a:t>10</a:t>
+              </a:r>
+            </a:p>
+          </p:txBody>
+        </p:sp>
+        <p:sp>
+          <p:nvSpPr>
+            <p:cNvPr id="183" name="テキスト ボックス 182">
+              <a:extLst>
+                <a:ext uri="{FF2B5EF4-FFF2-40B4-BE49-F238E27FC236}">
+                  <a16:creationId xmlns:a16="http://schemas.microsoft.com/office/drawing/2014/main" id="{05053009-99C5-0599-50B4-1F8BFA94DE51}"/>
+                </a:ext>
+              </a:extLst>
+            </p:cNvPr>
+            <p:cNvSpPr txBox="1"/>
+            <p:nvPr/>
+          </p:nvSpPr>
+          <p:spPr>
+            <a:xfrm rot="5400000">
+              <a:off x="9285912" y="2453099"/>
+              <a:ext cx="450353" cy="369332"/>
+            </a:xfrm>
+            <a:prstGeom prst="rect">
+              <a:avLst/>
+            </a:prstGeom>
+            <a:noFill/>
+          </p:spPr>
+          <p:txBody>
+            <a:bodyPr wrap="square" rtlCol="0">
+              <a:spAutoFit/>
+            </a:bodyPr>
+            <a:lstStyle/>
+            <a:p>
+              <a:r>
+                <a:rPr kumimoji="1" lang="en-US" altLang="ja-JP"/>
+                <a:t>10</a:t>
+              </a:r>
+            </a:p>
+          </p:txBody>
+        </p:sp>
+      </p:grpSp>
+      <p:cxnSp>
+        <p:nvCxnSpPr>
+          <p:cNvPr id="184" name="直線コネクタ 183">
+            <a:extLst>
+              <a:ext uri="{FF2B5EF4-FFF2-40B4-BE49-F238E27FC236}">
+                <a16:creationId xmlns:a16="http://schemas.microsoft.com/office/drawing/2014/main" id="{6DCD632B-F123-0DF3-AADB-A12D316D8CE0}"/>
+              </a:ext>
+            </a:extLst>
+          </p:cNvPr>
+          <p:cNvCxnSpPr>
+            <a:cxnSpLocks/>
+            <a:stCxn id="175" idx="4"/>
+            <a:endCxn id="185" idx="0"/>
+          </p:cNvCxnSpPr>
+          <p:nvPr/>
+        </p:nvCxnSpPr>
+        <p:spPr>
+          <a:xfrm>
+            <a:off x="9199696" y="4166834"/>
+            <a:ext cx="564915" cy="905163"/>
+          </a:xfrm>
+          <a:prstGeom prst="line">
+            <a:avLst/>
+          </a:prstGeom>
+          <a:ln>
+            <a:solidFill>
+              <a:srgbClr val="FF0000"/>
+            </a:solidFill>
+          </a:ln>
+        </p:spPr>
+        <p:style>
+          <a:lnRef idx="2">
+            <a:schemeClr val="accent1"/>
+          </a:lnRef>
+          <a:fillRef idx="0">
+            <a:schemeClr val="accent1"/>
+          </a:fillRef>
+          <a:effectRef idx="1">
+            <a:schemeClr val="accent1"/>
+          </a:effectRef>
+          <a:fontRef idx="minor">
+            <a:schemeClr val="tx1"/>
+          </a:fontRef>
+        </p:style>
+      </p:cxnSp>
+      <p:sp>
+        <p:nvSpPr>
+          <p:cNvPr id="185" name="テキスト ボックス 184">
+            <a:extLst>
+              <a:ext uri="{FF2B5EF4-FFF2-40B4-BE49-F238E27FC236}">
+                <a16:creationId xmlns:a16="http://schemas.microsoft.com/office/drawing/2014/main" id="{52D9F7B8-FF70-B7AD-D523-F0570661D893}"/>
+              </a:ext>
+            </a:extLst>
+          </p:cNvPr>
+          <p:cNvSpPr txBox="1"/>
+          <p:nvPr/>
+        </p:nvSpPr>
+        <p:spPr>
+          <a:xfrm>
+            <a:off x="8215207" y="5071997"/>
+            <a:ext cx="3098807" cy="584775"/>
+          </a:xfrm>
+          <a:prstGeom prst="rect">
+            <a:avLst/>
+          </a:prstGeom>
+          <a:noFill/>
+          <a:ln w="57150">
+            <a:solidFill>
+              <a:srgbClr val="FF0000"/>
+            </a:solidFill>
+          </a:ln>
+        </p:spPr>
+        <p:txBody>
+          <a:bodyPr wrap="square" rtlCol="0">
+            <a:spAutoFit/>
+          </a:bodyPr>
+          <a:lstStyle/>
+          <a:p>
+            <a:r>
+              <a:rPr kumimoji="1" lang="ja-JP" altLang="en-US" sz="3200"/>
+              <a:t>自機の中心座標</a:t>
+            </a:r>
+          </a:p>
+        </p:txBody>
+      </p:sp>
+      <p:sp>
+        <p:nvSpPr>
+          <p:cNvPr id="186" name="正方形/長方形 185">
+            <a:extLst>
+              <a:ext uri="{FF2B5EF4-FFF2-40B4-BE49-F238E27FC236}">
+                <a16:creationId xmlns:a16="http://schemas.microsoft.com/office/drawing/2014/main" id="{5E2C0B5C-86E7-2C1F-7A82-B2024D0D34C1}"/>
+              </a:ext>
+            </a:extLst>
+          </p:cNvPr>
+          <p:cNvSpPr/>
+          <p:nvPr/>
+        </p:nvSpPr>
+        <p:spPr>
+          <a:xfrm>
+            <a:off x="8294688" y="3094038"/>
+            <a:ext cx="224590" cy="224590"/>
+          </a:xfrm>
+          <a:prstGeom prst="rect">
+            <a:avLst/>
+          </a:prstGeom>
+          <a:solidFill>
+            <a:schemeClr val="tx1"/>
+          </a:solidFill>
+        </p:spPr>
+        <p:style>
+          <a:lnRef idx="2">
+            <a:schemeClr val="accent1">
+              <a:shade val="15000"/>
+            </a:schemeClr>
+          </a:lnRef>
+          <a:fillRef idx="1">
+            <a:schemeClr val="accent1"/>
+          </a:fillRef>
+          <a:effectRef idx="0">
+            <a:schemeClr val="accent1"/>
+          </a:effectRef>
+          <a:fontRef idx="minor">
+            <a:schemeClr val="lt1"/>
+          </a:fontRef>
+        </p:style>
+        <p:txBody>
+          <a:bodyPr rtlCol="0" anchor="ctr"/>
+          <a:lstStyle/>
+          <a:p>
+            <a:pPr algn="ctr"/>
+            <a:endParaRPr kumimoji="1" lang="ja-JP" altLang="en-US"/>
+          </a:p>
+        </p:txBody>
+      </p:sp>
+      <p:cxnSp>
+        <p:nvCxnSpPr>
+          <p:cNvPr id="187" name="直線コネクタ 186">
+            <a:extLst>
+              <a:ext uri="{FF2B5EF4-FFF2-40B4-BE49-F238E27FC236}">
+                <a16:creationId xmlns:a16="http://schemas.microsoft.com/office/drawing/2014/main" id="{59D75055-569D-1935-587A-E0BBE287991B}"/>
+              </a:ext>
+            </a:extLst>
+          </p:cNvPr>
+          <p:cNvCxnSpPr>
+            <a:cxnSpLocks/>
+            <a:stCxn id="188" idx="2"/>
+            <a:endCxn id="186" idx="0"/>
+          </p:cNvCxnSpPr>
+          <p:nvPr/>
+        </p:nvCxnSpPr>
+        <p:spPr>
+          <a:xfrm>
+            <a:off x="7935595" y="2518864"/>
+            <a:ext cx="471388" cy="575174"/>
+          </a:xfrm>
+          <a:prstGeom prst="line">
+            <a:avLst/>
+          </a:prstGeom>
+          <a:ln>
+            <a:solidFill>
+              <a:srgbClr val="FF0000"/>
+            </a:solidFill>
+          </a:ln>
+        </p:spPr>
+        <p:style>
+          <a:lnRef idx="2">
+            <a:schemeClr val="accent1"/>
+          </a:lnRef>
+          <a:fillRef idx="0">
+            <a:schemeClr val="accent1"/>
+          </a:fillRef>
+          <a:effectRef idx="1">
+            <a:schemeClr val="accent1"/>
+          </a:effectRef>
+          <a:fontRef idx="minor">
+            <a:schemeClr val="tx1"/>
+          </a:fontRef>
+        </p:style>
+      </p:cxnSp>
+      <p:sp>
+        <p:nvSpPr>
+          <p:cNvPr id="188" name="テキスト ボックス 187">
+            <a:extLst>
+              <a:ext uri="{FF2B5EF4-FFF2-40B4-BE49-F238E27FC236}">
+                <a16:creationId xmlns:a16="http://schemas.microsoft.com/office/drawing/2014/main" id="{CBB0783D-50EC-303A-D24F-FB447E3078BC}"/>
+              </a:ext>
+            </a:extLst>
+          </p:cNvPr>
+          <p:cNvSpPr txBox="1"/>
+          <p:nvPr/>
+        </p:nvSpPr>
+        <p:spPr>
+          <a:xfrm>
+            <a:off x="6966082" y="1921921"/>
+            <a:ext cx="1939026" cy="596943"/>
+          </a:xfrm>
+          <a:prstGeom prst="rect">
+            <a:avLst/>
+          </a:prstGeom>
+          <a:noFill/>
+          <a:ln w="57150">
+            <a:solidFill>
+              <a:srgbClr val="FF0000"/>
+            </a:solidFill>
+          </a:ln>
+        </p:spPr>
+        <p:txBody>
+          <a:bodyPr wrap="square" rtlCol="0">
+            <a:spAutoFit/>
+          </a:bodyPr>
+          <a:lstStyle/>
+          <a:p>
+            <a:r>
+              <a:rPr lang="ja-JP" altLang="en-US" sz="3200"/>
+              <a:t>弾の</a:t>
+            </a:r>
+            <a:r>
+              <a:rPr kumimoji="1" lang="ja-JP" altLang="en-US" sz="3200"/>
+              <a:t>座標</a:t>
+            </a:r>
+          </a:p>
+        </p:txBody>
+      </p:sp>
+      <p:sp>
+        <p:nvSpPr>
+          <p:cNvPr id="189" name="爆発: 8 pt 188">
+            <a:extLst>
+              <a:ext uri="{FF2B5EF4-FFF2-40B4-BE49-F238E27FC236}">
+                <a16:creationId xmlns:a16="http://schemas.microsoft.com/office/drawing/2014/main" id="{71B5189B-EDCC-8864-4629-8ED795F17DF8}"/>
+              </a:ext>
+            </a:extLst>
+          </p:cNvPr>
+          <p:cNvSpPr/>
+          <p:nvPr/>
+        </p:nvSpPr>
+        <p:spPr>
+          <a:xfrm>
+            <a:off x="8557964" y="2482283"/>
+            <a:ext cx="756294" cy="890762"/>
+          </a:xfrm>
+          <a:prstGeom prst="irregularSeal1">
+            <a:avLst/>
+          </a:prstGeom>
+          <a:solidFill>
+            <a:srgbClr val="FFFF00"/>
+          </a:solidFill>
+        </p:spPr>
+        <p:style>
+          <a:lnRef idx="2">
+            <a:schemeClr val="accent1">
+              <a:shade val="15000"/>
+            </a:schemeClr>
+          </a:lnRef>
+          <a:fillRef idx="1">
+            <a:schemeClr val="accent1"/>
+          </a:fillRef>
+          <a:effectRef idx="0">
+            <a:schemeClr val="accent1"/>
+          </a:effectRef>
+          <a:fontRef idx="minor">
+            <a:schemeClr val="lt1"/>
+          </a:fontRef>
+        </p:style>
+        <p:txBody>
+          <a:bodyPr rtlCol="0" anchor="ctr"/>
+          <a:lstStyle/>
+          <a:p>
+            <a:pPr algn="ctr"/>
+            <a:r>
+              <a:rPr kumimoji="1" lang="en-US" altLang="ja-JP" sz="2400">
+                <a:solidFill>
+                  <a:schemeClr val="tx1"/>
+                </a:solidFill>
+              </a:rPr>
+              <a:t>5</a:t>
+            </a:r>
+            <a:endParaRPr kumimoji="1" lang="ja-JP" altLang="en-US" sz="2400">
+              <a:solidFill>
+                <a:schemeClr val="tx1"/>
+              </a:solidFill>
+            </a:endParaRPr>
+          </a:p>
+        </p:txBody>
+      </p:sp>
+    </p:spTree>
+    <p:extLst>
+      <p:ext uri="{BB962C8B-B14F-4D97-AF65-F5344CB8AC3E}">
+        <p14:creationId xmlns:p14="http://schemas.microsoft.com/office/powerpoint/2010/main" val="2749772756"/>
+      </p:ext>
+    </p:extLst>
+  </p:cSld>
+  <p:clrMapOvr>
+    <a:masterClrMapping/>
+  </p:clrMapOvr>
+</p:sld>
+</file>
+
+<file path=ppt/slides/slide11.xml><?xml version="1.0" encoding="utf-8"?>
+<p:sld xmlns:a="http://schemas.openxmlformats.org/drawingml/2006/main" xmlns:r="http://schemas.openxmlformats.org/officeDocument/2006/relationships" xmlns:p="http://schemas.openxmlformats.org/presentationml/2006/main">
+  <p:cSld>
+    <p:spTree>
+      <p:nvGrpSpPr>
+        <p:cNvPr id="1" name=""/>
+        <p:cNvGrpSpPr/>
+        <p:nvPr/>
+      </p:nvGrpSpPr>
+      <p:grpSpPr>
+        <a:xfrm>
+          <a:off x="0" y="0"/>
+          <a:ext cx="0" cy="0"/>
+          <a:chOff x="0" y="0"/>
+          <a:chExt cx="0" cy="0"/>
+        </a:xfrm>
+      </p:grpSpPr>
+      <p:sp>
+        <p:nvSpPr>
+          <p:cNvPr id="22" name="矢印: 下 21">
+            <a:extLst>
+              <a:ext uri="{FF2B5EF4-FFF2-40B4-BE49-F238E27FC236}">
+                <a16:creationId xmlns:a16="http://schemas.microsoft.com/office/drawing/2014/main" id="{4524E1E7-E673-20ED-C80F-BEFF400FE1C6}"/>
+              </a:ext>
+            </a:extLst>
+          </p:cNvPr>
+          <p:cNvSpPr/>
+          <p:nvPr/>
+        </p:nvSpPr>
+        <p:spPr>
+          <a:xfrm>
+            <a:off x="2166730" y="4631635"/>
+            <a:ext cx="616227" cy="1908311"/>
+          </a:xfrm>
+          <a:prstGeom prst="downArrow">
+            <a:avLst/>
+          </a:prstGeom>
+        </p:spPr>
+        <p:style>
+          <a:lnRef idx="2">
+            <a:schemeClr val="accent1">
+              <a:shade val="15000"/>
+            </a:schemeClr>
+          </a:lnRef>
+          <a:fillRef idx="1">
+            <a:schemeClr val="accent1"/>
+          </a:fillRef>
+          <a:effectRef idx="0">
+            <a:schemeClr val="accent1"/>
+          </a:effectRef>
+          <a:fontRef idx="minor">
+            <a:schemeClr val="lt1"/>
+          </a:fontRef>
+        </p:style>
+        <p:txBody>
+          <a:bodyPr rtlCol="0" anchor="ctr"/>
+          <a:lstStyle/>
+          <a:p>
+            <a:pPr algn="ctr"/>
+            <a:endParaRPr kumimoji="1" lang="ja-JP" altLang="en-US"/>
+          </a:p>
+        </p:txBody>
+      </p:sp>
+      <p:sp>
+        <p:nvSpPr>
+          <p:cNvPr id="23" name="テキスト ボックス 22">
+            <a:extLst>
+              <a:ext uri="{FF2B5EF4-FFF2-40B4-BE49-F238E27FC236}">
+                <a16:creationId xmlns:a16="http://schemas.microsoft.com/office/drawing/2014/main" id="{B3C3A3C3-39C6-1CC2-D048-BF382E6AACBB}"/>
+              </a:ext>
+            </a:extLst>
+          </p:cNvPr>
+          <p:cNvSpPr txBox="1"/>
+          <p:nvPr/>
+        </p:nvSpPr>
+        <p:spPr>
+          <a:xfrm rot="5400000">
+            <a:off x="1520686" y="5401124"/>
+            <a:ext cx="1908313" cy="369332"/>
+          </a:xfrm>
+          <a:prstGeom prst="rect">
+            <a:avLst/>
+          </a:prstGeom>
+          <a:noFill/>
+        </p:spPr>
+        <p:txBody>
+          <a:bodyPr wrap="square" rtlCol="0">
+            <a:spAutoFit/>
+          </a:bodyPr>
+          <a:lstStyle/>
+          <a:p>
+            <a:r>
+              <a:rPr kumimoji="1" lang="en-US" altLang="ja-JP">
+                <a:solidFill>
+                  <a:schemeClr val="bg1"/>
+                </a:solidFill>
+              </a:rPr>
+              <a:t>bi</a:t>
+            </a:r>
+            <a:r>
+              <a:rPr lang="en-US" altLang="ja-JP">
+                <a:solidFill>
+                  <a:schemeClr val="bg1"/>
+                </a:solidFill>
+              </a:rPr>
+              <a:t>ase += speed</a:t>
+            </a:r>
+            <a:endParaRPr kumimoji="1" lang="ja-JP" altLang="en-US">
+              <a:solidFill>
+                <a:schemeClr val="bg1"/>
+              </a:solidFill>
+            </a:endParaRPr>
+          </a:p>
+        </p:txBody>
+      </p:sp>
+      <p:cxnSp>
+        <p:nvCxnSpPr>
+          <p:cNvPr id="25" name="直線コネクタ 24">
+            <a:extLst>
+              <a:ext uri="{FF2B5EF4-FFF2-40B4-BE49-F238E27FC236}">
+                <a16:creationId xmlns:a16="http://schemas.microsoft.com/office/drawing/2014/main" id="{0C5F6ECD-D4E2-A7C2-E1DC-907F17185790}"/>
+              </a:ext>
+            </a:extLst>
+          </p:cNvPr>
+          <p:cNvCxnSpPr>
+            <a:cxnSpLocks/>
+          </p:cNvCxnSpPr>
+          <p:nvPr/>
+        </p:nvCxnSpPr>
+        <p:spPr>
+          <a:xfrm>
+            <a:off x="5866463" y="6273920"/>
+            <a:ext cx="4313582" cy="0"/>
+          </a:xfrm>
+          <a:prstGeom prst="line">
+            <a:avLst/>
+          </a:prstGeom>
+        </p:spPr>
+        <p:style>
+          <a:lnRef idx="2">
+            <a:schemeClr val="accent1"/>
+          </a:lnRef>
+          <a:fillRef idx="0">
+            <a:schemeClr val="accent1"/>
+          </a:fillRef>
+          <a:effectRef idx="1">
+            <a:schemeClr val="accent1"/>
+          </a:effectRef>
+          <a:fontRef idx="minor">
+            <a:schemeClr val="tx1"/>
+          </a:fontRef>
+        </p:style>
+      </p:cxnSp>
+      <p:cxnSp>
+        <p:nvCxnSpPr>
+          <p:cNvPr id="27" name="直線矢印コネクタ 26">
+            <a:extLst>
+              <a:ext uri="{FF2B5EF4-FFF2-40B4-BE49-F238E27FC236}">
+                <a16:creationId xmlns:a16="http://schemas.microsoft.com/office/drawing/2014/main" id="{8952B623-6EC2-9ED7-3087-68CC4C6A5F6D}"/>
+              </a:ext>
+            </a:extLst>
+          </p:cNvPr>
+          <p:cNvCxnSpPr>
+            <a:cxnSpLocks/>
+          </p:cNvCxnSpPr>
+          <p:nvPr/>
+        </p:nvCxnSpPr>
+        <p:spPr>
+          <a:xfrm>
+            <a:off x="6113428" y="3351956"/>
+            <a:ext cx="0" cy="2921964"/>
+          </a:xfrm>
+          <a:prstGeom prst="straightConnector1">
+            <a:avLst/>
+          </a:prstGeom>
+          <a:ln>
+            <a:headEnd type="triangle"/>
+            <a:tailEnd type="triangle"/>
+          </a:ln>
+        </p:spPr>
+        <p:style>
+          <a:lnRef idx="2">
+            <a:schemeClr val="accent1"/>
+          </a:lnRef>
+          <a:fillRef idx="0">
+            <a:schemeClr val="accent1"/>
+          </a:fillRef>
+          <a:effectRef idx="1">
+            <a:schemeClr val="accent1"/>
+          </a:effectRef>
+          <a:fontRef idx="minor">
+            <a:schemeClr val="tx1"/>
+          </a:fontRef>
+        </p:style>
+      </p:cxnSp>
+      <p:sp>
+        <p:nvSpPr>
+          <p:cNvPr id="32" name="テキスト ボックス 31">
+            <a:extLst>
+              <a:ext uri="{FF2B5EF4-FFF2-40B4-BE49-F238E27FC236}">
+                <a16:creationId xmlns:a16="http://schemas.microsoft.com/office/drawing/2014/main" id="{771A2126-72EA-F3D3-0911-835838AEB87E}"/>
+              </a:ext>
+            </a:extLst>
+          </p:cNvPr>
+          <p:cNvSpPr txBox="1"/>
+          <p:nvPr/>
+        </p:nvSpPr>
+        <p:spPr>
+          <a:xfrm>
+            <a:off x="6138674" y="5246164"/>
+            <a:ext cx="775252" cy="369331"/>
+          </a:xfrm>
+          <a:prstGeom prst="rect">
+            <a:avLst/>
+          </a:prstGeom>
+          <a:noFill/>
+        </p:spPr>
+        <p:txBody>
+          <a:bodyPr wrap="square" rtlCol="0">
+            <a:spAutoFit/>
+          </a:bodyPr>
+          <a:lstStyle/>
+          <a:p>
+            <a:r>
+              <a:rPr kumimoji="1" lang="en-US" altLang="ja-JP"/>
+              <a:t>biase</a:t>
+            </a:r>
+            <a:endParaRPr kumimoji="1" lang="ja-JP" altLang="en-US"/>
+          </a:p>
+        </p:txBody>
+      </p:sp>
+      <p:sp>
+        <p:nvSpPr>
+          <p:cNvPr id="38" name="テキスト ボックス 37">
+            <a:extLst>
+              <a:ext uri="{FF2B5EF4-FFF2-40B4-BE49-F238E27FC236}">
+                <a16:creationId xmlns:a16="http://schemas.microsoft.com/office/drawing/2014/main" id="{E457F50B-6E37-2215-EDFC-E74393F3BB19}"/>
+              </a:ext>
+            </a:extLst>
+          </p:cNvPr>
+          <p:cNvSpPr txBox="1"/>
+          <p:nvPr/>
+        </p:nvSpPr>
+        <p:spPr>
+          <a:xfrm>
+            <a:off x="1781875" y="3147512"/>
+            <a:ext cx="288235" cy="369328"/>
+          </a:xfrm>
+          <a:prstGeom prst="rect">
+            <a:avLst/>
+          </a:prstGeom>
+          <a:noFill/>
+        </p:spPr>
+        <p:txBody>
+          <a:bodyPr wrap="square" rtlCol="0">
+            <a:spAutoFit/>
+          </a:bodyPr>
+          <a:lstStyle/>
+          <a:p>
+            <a:r>
+              <a:rPr kumimoji="1" lang="en-US" altLang="ja-JP"/>
+              <a:t>T</a:t>
+            </a:r>
+            <a:endParaRPr kumimoji="1" lang="ja-JP" altLang="en-US"/>
+          </a:p>
+        </p:txBody>
+      </p:sp>
+      <p:grpSp>
+        <p:nvGrpSpPr>
+          <p:cNvPr id="54" name="グループ化 53">
+            <a:extLst>
+              <a:ext uri="{FF2B5EF4-FFF2-40B4-BE49-F238E27FC236}">
+                <a16:creationId xmlns:a16="http://schemas.microsoft.com/office/drawing/2014/main" id="{EF0CD9EB-586C-40B3-2953-76CD2AF44A82}"/>
+              </a:ext>
+            </a:extLst>
+          </p:cNvPr>
+          <p:cNvGrpSpPr/>
+          <p:nvPr/>
+        </p:nvGrpSpPr>
+        <p:grpSpPr>
+          <a:xfrm>
+            <a:off x="109330" y="1757221"/>
+            <a:ext cx="3945835" cy="2755002"/>
+            <a:chOff x="109330" y="1757221"/>
+            <a:chExt cx="3945835" cy="2755002"/>
+          </a:xfrm>
+        </p:grpSpPr>
+        <p:cxnSp>
+          <p:nvCxnSpPr>
+            <p:cNvPr id="13" name="直線矢印コネクタ 12">
+              <a:extLst>
+                <a:ext uri="{FF2B5EF4-FFF2-40B4-BE49-F238E27FC236}">
+                  <a16:creationId xmlns:a16="http://schemas.microsoft.com/office/drawing/2014/main" id="{CB6C007D-4EF2-C0E5-7689-CE137B02F551}"/>
+                </a:ext>
+              </a:extLst>
+            </p:cNvPr>
+            <p:cNvCxnSpPr/>
+            <p:nvPr/>
+          </p:nvCxnSpPr>
+          <p:spPr>
+            <a:xfrm>
+              <a:off x="983975" y="1788903"/>
+              <a:ext cx="0" cy="1321904"/>
+            </a:xfrm>
+            <a:prstGeom prst="straightConnector1">
+              <a:avLst/>
+            </a:prstGeom>
+            <a:ln>
+              <a:headEnd type="triangle"/>
+              <a:tailEnd type="triangle"/>
+            </a:ln>
+          </p:spPr>
+          <p:style>
+            <a:lnRef idx="2">
+              <a:schemeClr val="accent1"/>
+            </a:lnRef>
+            <a:fillRef idx="0">
+              <a:schemeClr val="accent1"/>
+            </a:fillRef>
+            <a:effectRef idx="1">
+              <a:schemeClr val="accent1"/>
+            </a:effectRef>
+            <a:fontRef idx="minor">
+              <a:schemeClr val="tx1"/>
+            </a:fontRef>
+          </p:style>
+        </p:cxnSp>
+        <p:cxnSp>
+          <p:nvCxnSpPr>
+            <p:cNvPr id="15" name="直線コネクタ 14">
+              <a:extLst>
+                <a:ext uri="{FF2B5EF4-FFF2-40B4-BE49-F238E27FC236}">
+                  <a16:creationId xmlns:a16="http://schemas.microsoft.com/office/drawing/2014/main" id="{E4D89EBB-56DC-7710-8B12-6C9689F8C020}"/>
+                </a:ext>
+              </a:extLst>
+            </p:cNvPr>
+            <p:cNvCxnSpPr>
+              <a:cxnSpLocks/>
+            </p:cNvCxnSpPr>
+            <p:nvPr/>
+          </p:nvCxnSpPr>
+          <p:spPr>
+            <a:xfrm>
+              <a:off x="983975" y="1788903"/>
+              <a:ext cx="3071190" cy="0"/>
+            </a:xfrm>
+            <a:prstGeom prst="line">
+              <a:avLst/>
+            </a:prstGeom>
+            <a:ln>
+              <a:prstDash val="sysDash"/>
+            </a:ln>
+          </p:spPr>
+          <p:style>
+            <a:lnRef idx="2">
+              <a:schemeClr val="accent1"/>
+            </a:lnRef>
+            <a:fillRef idx="0">
+              <a:schemeClr val="accent1"/>
+            </a:fillRef>
+            <a:effectRef idx="1">
+              <a:schemeClr val="accent1"/>
+            </a:effectRef>
+            <a:fontRef idx="minor">
+              <a:schemeClr val="tx1"/>
+            </a:fontRef>
+          </p:style>
+        </p:cxnSp>
+        <p:cxnSp>
+          <p:nvCxnSpPr>
+            <p:cNvPr id="18" name="直線コネクタ 17">
+              <a:extLst>
+                <a:ext uri="{FF2B5EF4-FFF2-40B4-BE49-F238E27FC236}">
+                  <a16:creationId xmlns:a16="http://schemas.microsoft.com/office/drawing/2014/main" id="{E77C694D-220D-06F1-8F49-BFDD6D1CD1F5}"/>
+                </a:ext>
+              </a:extLst>
+            </p:cNvPr>
+            <p:cNvCxnSpPr>
+              <a:cxnSpLocks/>
+            </p:cNvCxnSpPr>
+            <p:nvPr/>
+          </p:nvCxnSpPr>
+          <p:spPr>
+            <a:xfrm>
+              <a:off x="109330" y="3110807"/>
+              <a:ext cx="3945835" cy="0"/>
+            </a:xfrm>
+            <a:prstGeom prst="line">
+              <a:avLst/>
+            </a:prstGeom>
+            <a:ln>
+              <a:prstDash val="sysDash"/>
+            </a:ln>
+          </p:spPr>
+          <p:style>
+            <a:lnRef idx="2">
+              <a:schemeClr val="accent1"/>
+            </a:lnRef>
+            <a:fillRef idx="0">
+              <a:schemeClr val="accent1"/>
+            </a:fillRef>
+            <a:effectRef idx="1">
+              <a:schemeClr val="accent1"/>
+            </a:effectRef>
+            <a:fontRef idx="minor">
+              <a:schemeClr val="tx1"/>
+            </a:fontRef>
+          </p:style>
+        </p:cxnSp>
+        <p:cxnSp>
+          <p:nvCxnSpPr>
+            <p:cNvPr id="19" name="直線コネクタ 18">
+              <a:extLst>
+                <a:ext uri="{FF2B5EF4-FFF2-40B4-BE49-F238E27FC236}">
+                  <a16:creationId xmlns:a16="http://schemas.microsoft.com/office/drawing/2014/main" id="{C15EEBB7-675C-0C32-2659-C8C5133AD351}"/>
+                </a:ext>
+              </a:extLst>
+            </p:cNvPr>
+            <p:cNvCxnSpPr>
+              <a:cxnSpLocks/>
+            </p:cNvCxnSpPr>
+            <p:nvPr/>
+          </p:nvCxnSpPr>
+          <p:spPr>
+            <a:xfrm>
+              <a:off x="983975" y="4432711"/>
+              <a:ext cx="3071190" cy="0"/>
+            </a:xfrm>
+            <a:prstGeom prst="line">
+              <a:avLst/>
+            </a:prstGeom>
+            <a:ln>
+              <a:prstDash val="sysDash"/>
+            </a:ln>
+          </p:spPr>
+          <p:style>
+            <a:lnRef idx="2">
+              <a:schemeClr val="accent1"/>
+            </a:lnRef>
+            <a:fillRef idx="0">
+              <a:schemeClr val="accent1"/>
+            </a:fillRef>
+            <a:effectRef idx="1">
+              <a:schemeClr val="accent1"/>
+            </a:effectRef>
+            <a:fontRef idx="minor">
+              <a:schemeClr val="tx1"/>
+            </a:fontRef>
+          </p:style>
+        </p:cxnSp>
+        <p:cxnSp>
+          <p:nvCxnSpPr>
+            <p:cNvPr id="20" name="直線矢印コネクタ 19">
+              <a:extLst>
+                <a:ext uri="{FF2B5EF4-FFF2-40B4-BE49-F238E27FC236}">
+                  <a16:creationId xmlns:a16="http://schemas.microsoft.com/office/drawing/2014/main" id="{DE4E1B37-0371-E54C-7360-A547FDD80163}"/>
+                </a:ext>
+              </a:extLst>
+            </p:cNvPr>
+            <p:cNvCxnSpPr/>
+            <p:nvPr/>
+          </p:nvCxnSpPr>
+          <p:spPr>
+            <a:xfrm>
+              <a:off x="983975" y="3110807"/>
+              <a:ext cx="0" cy="1321904"/>
+            </a:xfrm>
+            <a:prstGeom prst="straightConnector1">
+              <a:avLst/>
+            </a:prstGeom>
+            <a:ln>
+              <a:headEnd type="triangle"/>
+              <a:tailEnd type="triangle"/>
+            </a:ln>
+          </p:spPr>
+          <p:style>
+            <a:lnRef idx="2">
+              <a:schemeClr val="accent1"/>
+            </a:lnRef>
+            <a:fillRef idx="0">
+              <a:schemeClr val="accent1"/>
+            </a:fillRef>
+            <a:effectRef idx="1">
+              <a:schemeClr val="accent1"/>
+            </a:effectRef>
+            <a:fontRef idx="minor">
+              <a:schemeClr val="tx1"/>
+            </a:fontRef>
+          </p:style>
+        </p:cxnSp>
+        <p:sp>
+          <p:nvSpPr>
+            <p:cNvPr id="21" name="テキスト ボックス 20">
+              <a:extLst>
+                <a:ext uri="{FF2B5EF4-FFF2-40B4-BE49-F238E27FC236}">
+                  <a16:creationId xmlns:a16="http://schemas.microsoft.com/office/drawing/2014/main" id="{26DAA1F6-DE35-FA92-AC30-3A1C44CF54B0}"/>
+                </a:ext>
+              </a:extLst>
+            </p:cNvPr>
+            <p:cNvSpPr txBox="1"/>
+            <p:nvPr/>
+          </p:nvSpPr>
+          <p:spPr>
+            <a:xfrm>
+              <a:off x="680829" y="2325756"/>
+              <a:ext cx="248478" cy="369332"/>
+            </a:xfrm>
+            <a:prstGeom prst="rect">
+              <a:avLst/>
+            </a:prstGeom>
+            <a:noFill/>
+          </p:spPr>
+          <p:txBody>
+            <a:bodyPr wrap="square" rtlCol="0">
+              <a:spAutoFit/>
+            </a:bodyPr>
+            <a:lstStyle/>
+            <a:p>
+              <a:r>
+                <a:rPr kumimoji="1" lang="en-US" altLang="ja-JP"/>
+                <a:t>A</a:t>
+              </a:r>
+              <a:endParaRPr kumimoji="1" lang="ja-JP" altLang="en-US"/>
+            </a:p>
+          </p:txBody>
+        </p:sp>
+        <p:cxnSp>
+          <p:nvCxnSpPr>
+            <p:cNvPr id="35" name="直線矢印コネクタ 34">
+              <a:extLst>
+                <a:ext uri="{FF2B5EF4-FFF2-40B4-BE49-F238E27FC236}">
+                  <a16:creationId xmlns:a16="http://schemas.microsoft.com/office/drawing/2014/main" id="{97D9D9AA-5CC1-411B-65F4-FE87E9A4B355}"/>
+                </a:ext>
+              </a:extLst>
+            </p:cNvPr>
+            <p:cNvCxnSpPr>
+              <a:cxnSpLocks/>
+            </p:cNvCxnSpPr>
+            <p:nvPr/>
+          </p:nvCxnSpPr>
+          <p:spPr>
+            <a:xfrm flipH="1">
+              <a:off x="1003852" y="3173640"/>
+              <a:ext cx="2779642" cy="0"/>
+            </a:xfrm>
+            <a:prstGeom prst="straightConnector1">
+              <a:avLst/>
+            </a:prstGeom>
+            <a:ln>
+              <a:solidFill>
+                <a:srgbClr val="FF0000"/>
+              </a:solidFill>
+              <a:headEnd type="triangle"/>
+              <a:tailEnd type="triangle"/>
+            </a:ln>
+          </p:spPr>
+          <p:style>
+            <a:lnRef idx="2">
+              <a:schemeClr val="accent1"/>
+            </a:lnRef>
+            <a:fillRef idx="0">
+              <a:schemeClr val="accent1"/>
+            </a:fillRef>
+            <a:effectRef idx="1">
+              <a:schemeClr val="accent1"/>
+            </a:effectRef>
+            <a:fontRef idx="minor">
+              <a:schemeClr val="tx1"/>
+            </a:fontRef>
+          </p:style>
+        </p:cxnSp>
+        <p:sp>
+          <p:nvSpPr>
+            <p:cNvPr id="42" name="フリーフォーム: 図形 41">
+              <a:extLst>
+                <a:ext uri="{FF2B5EF4-FFF2-40B4-BE49-F238E27FC236}">
+                  <a16:creationId xmlns:a16="http://schemas.microsoft.com/office/drawing/2014/main" id="{027E8CBA-0CA9-F132-588B-F5C6FC6B3943}"/>
+                </a:ext>
+              </a:extLst>
+            </p:cNvPr>
+            <p:cNvSpPr/>
+            <p:nvPr/>
+          </p:nvSpPr>
+          <p:spPr>
+            <a:xfrm>
+              <a:off x="1003852" y="1818746"/>
+              <a:ext cx="2743200" cy="2624065"/>
+            </a:xfrm>
+            <a:custGeom>
+              <a:avLst/>
+              <a:gdLst>
+                <a:gd name="connsiteX0" fmla="*/ 0 w 2743200"/>
+                <a:gd name="connsiteY0" fmla="*/ 1252445 h 2624065"/>
+                <a:gd name="connsiteX1" fmla="*/ 586409 w 2743200"/>
+                <a:gd name="connsiteY1" fmla="*/ 115 h 2624065"/>
+                <a:gd name="connsiteX2" fmla="*/ 1351722 w 2743200"/>
+                <a:gd name="connsiteY2" fmla="*/ 1312080 h 2624065"/>
+                <a:gd name="connsiteX3" fmla="*/ 1997765 w 2743200"/>
+                <a:gd name="connsiteY3" fmla="*/ 2624045 h 2624065"/>
+                <a:gd name="connsiteX4" fmla="*/ 2743200 w 2743200"/>
+                <a:gd name="connsiteY4" fmla="*/ 1282263 h 2624065"/>
+              </a:gdLst>
+              <a:ahLst/>
+              <a:cxnLst>
+                <a:cxn ang="0">
+                  <a:pos x="connsiteX0" y="connsiteY0"/>
+                </a:cxn>
+                <a:cxn ang="0">
+                  <a:pos x="connsiteX1" y="connsiteY1"/>
+                </a:cxn>
+                <a:cxn ang="0">
+                  <a:pos x="connsiteX2" y="connsiteY2"/>
+                </a:cxn>
+                <a:cxn ang="0">
+                  <a:pos x="connsiteX3" y="connsiteY3"/>
+                </a:cxn>
+                <a:cxn ang="0">
+                  <a:pos x="connsiteX4" y="connsiteY4"/>
+                </a:cxn>
+              </a:cxnLst>
+              <a:rect l="l" t="t" r="r" b="b"/>
+              <a:pathLst>
+                <a:path w="2743200" h="2624065">
+                  <a:moveTo>
+                    <a:pt x="0" y="1252445"/>
+                  </a:moveTo>
+                  <a:cubicBezTo>
+                    <a:pt x="180561" y="621310"/>
+                    <a:pt x="361122" y="-9824"/>
+                    <a:pt x="586409" y="115"/>
+                  </a:cubicBezTo>
+                  <a:cubicBezTo>
+                    <a:pt x="811696" y="10054"/>
+                    <a:pt x="1116496" y="874758"/>
+                    <a:pt x="1351722" y="1312080"/>
+                  </a:cubicBezTo>
+                  <a:cubicBezTo>
+                    <a:pt x="1586948" y="1749402"/>
+                    <a:pt x="1765852" y="2629014"/>
+                    <a:pt x="1997765" y="2624045"/>
+                  </a:cubicBezTo>
+                  <a:cubicBezTo>
+                    <a:pt x="2229678" y="2619076"/>
+                    <a:pt x="2486439" y="1950669"/>
+                    <a:pt x="2743200" y="1282263"/>
+                  </a:cubicBezTo>
+                </a:path>
+              </a:pathLst>
+            </a:custGeom>
+            <a:noFill/>
+          </p:spPr>
+          <p:style>
+            <a:lnRef idx="2">
+              <a:schemeClr val="accent1">
+                <a:shade val="15000"/>
+              </a:schemeClr>
+            </a:lnRef>
+            <a:fillRef idx="1">
+              <a:schemeClr val="accent1"/>
+            </a:fillRef>
+            <a:effectRef idx="0">
+              <a:schemeClr val="accent1"/>
+            </a:effectRef>
+            <a:fontRef idx="minor">
+              <a:schemeClr val="lt1"/>
+            </a:fontRef>
+          </p:style>
+          <p:txBody>
+            <a:bodyPr rtlCol="0" anchor="ctr"/>
+            <a:lstStyle/>
+            <a:p>
+              <a:pPr algn="ctr"/>
+              <a:endParaRPr kumimoji="1" lang="ja-JP" altLang="en-US"/>
+            </a:p>
+          </p:txBody>
+        </p:sp>
+        <p:sp>
+          <p:nvSpPr>
+            <p:cNvPr id="43" name="正方形/長方形 42">
+              <a:extLst>
+                <a:ext uri="{FF2B5EF4-FFF2-40B4-BE49-F238E27FC236}">
+                  <a16:creationId xmlns:a16="http://schemas.microsoft.com/office/drawing/2014/main" id="{8F47EC68-06CF-E5A1-FE9B-220D3C5DC9DC}"/>
+                </a:ext>
+              </a:extLst>
+            </p:cNvPr>
+            <p:cNvSpPr/>
+            <p:nvPr/>
+          </p:nvSpPr>
+          <p:spPr>
+            <a:xfrm>
+              <a:off x="940904" y="2918792"/>
+              <a:ext cx="159025" cy="159025"/>
+            </a:xfrm>
+            <a:prstGeom prst="rect">
+              <a:avLst/>
+            </a:prstGeom>
+          </p:spPr>
+          <p:style>
+            <a:lnRef idx="2">
+              <a:schemeClr val="accent1">
+                <a:shade val="15000"/>
+              </a:schemeClr>
+            </a:lnRef>
+            <a:fillRef idx="1">
+              <a:schemeClr val="accent1"/>
+            </a:fillRef>
+            <a:effectRef idx="0">
+              <a:schemeClr val="accent1"/>
+            </a:effectRef>
+            <a:fontRef idx="minor">
+              <a:schemeClr val="lt1"/>
+            </a:fontRef>
+          </p:style>
+          <p:txBody>
+            <a:bodyPr rtlCol="0" anchor="ctr"/>
+            <a:lstStyle/>
+            <a:p>
+              <a:pPr algn="ctr"/>
+              <a:endParaRPr kumimoji="1" lang="ja-JP" altLang="en-US"/>
+            </a:p>
+          </p:txBody>
+        </p:sp>
+        <p:sp>
+          <p:nvSpPr>
+            <p:cNvPr id="44" name="正方形/長方形 43">
+              <a:extLst>
+                <a:ext uri="{FF2B5EF4-FFF2-40B4-BE49-F238E27FC236}">
+                  <a16:creationId xmlns:a16="http://schemas.microsoft.com/office/drawing/2014/main" id="{20F01FE6-F75E-5F0D-5C46-3D3EBD54258E}"/>
+                </a:ext>
+              </a:extLst>
+            </p:cNvPr>
+            <p:cNvSpPr/>
+            <p:nvPr/>
+          </p:nvSpPr>
+          <p:spPr>
+            <a:xfrm>
+              <a:off x="1158307" y="2231265"/>
+              <a:ext cx="159025" cy="159025"/>
+            </a:xfrm>
+            <a:prstGeom prst="rect">
+              <a:avLst/>
+            </a:prstGeom>
+          </p:spPr>
+          <p:style>
+            <a:lnRef idx="2">
+              <a:schemeClr val="accent1">
+                <a:shade val="15000"/>
+              </a:schemeClr>
+            </a:lnRef>
+            <a:fillRef idx="1">
+              <a:schemeClr val="accent1"/>
+            </a:fillRef>
+            <a:effectRef idx="0">
+              <a:schemeClr val="accent1"/>
+            </a:effectRef>
+            <a:fontRef idx="minor">
+              <a:schemeClr val="lt1"/>
+            </a:fontRef>
+          </p:style>
+          <p:txBody>
+            <a:bodyPr rtlCol="0" anchor="ctr"/>
+            <a:lstStyle/>
+            <a:p>
+              <a:pPr algn="ctr"/>
+              <a:endParaRPr kumimoji="1" lang="ja-JP" altLang="en-US"/>
+            </a:p>
+          </p:txBody>
+        </p:sp>
+        <p:sp>
+          <p:nvSpPr>
+            <p:cNvPr id="45" name="正方形/長方形 44">
+              <a:extLst>
+                <a:ext uri="{FF2B5EF4-FFF2-40B4-BE49-F238E27FC236}">
+                  <a16:creationId xmlns:a16="http://schemas.microsoft.com/office/drawing/2014/main" id="{6DF15C79-D28D-3F30-9355-379A9D788592}"/>
+                </a:ext>
+              </a:extLst>
+            </p:cNvPr>
+            <p:cNvSpPr/>
+            <p:nvPr/>
+          </p:nvSpPr>
+          <p:spPr>
+            <a:xfrm>
+              <a:off x="1491663" y="1757221"/>
+              <a:ext cx="159025" cy="159025"/>
+            </a:xfrm>
+            <a:prstGeom prst="rect">
+              <a:avLst/>
+            </a:prstGeom>
+          </p:spPr>
+          <p:style>
+            <a:lnRef idx="2">
+              <a:schemeClr val="accent1">
+                <a:shade val="15000"/>
+              </a:schemeClr>
+            </a:lnRef>
+            <a:fillRef idx="1">
+              <a:schemeClr val="accent1"/>
+            </a:fillRef>
+            <a:effectRef idx="0">
+              <a:schemeClr val="accent1"/>
+            </a:effectRef>
+            <a:fontRef idx="minor">
+              <a:schemeClr val="lt1"/>
+            </a:fontRef>
+          </p:style>
+          <p:txBody>
+            <a:bodyPr rtlCol="0" anchor="ctr"/>
+            <a:lstStyle/>
+            <a:p>
+              <a:pPr algn="ctr"/>
+              <a:endParaRPr kumimoji="1" lang="ja-JP" altLang="en-US"/>
+            </a:p>
+          </p:txBody>
+        </p:sp>
+        <p:sp>
+          <p:nvSpPr>
+            <p:cNvPr id="46" name="正方形/長方形 45">
+              <a:extLst>
+                <a:ext uri="{FF2B5EF4-FFF2-40B4-BE49-F238E27FC236}">
+                  <a16:creationId xmlns:a16="http://schemas.microsoft.com/office/drawing/2014/main" id="{F8A2EAA4-6D17-AF2C-0F6B-3349D881DB10}"/>
+                </a:ext>
+              </a:extLst>
+            </p:cNvPr>
+            <p:cNvSpPr/>
+            <p:nvPr/>
+          </p:nvSpPr>
+          <p:spPr>
+            <a:xfrm>
+              <a:off x="1979981" y="2351397"/>
+              <a:ext cx="159025" cy="159025"/>
+            </a:xfrm>
+            <a:prstGeom prst="rect">
+              <a:avLst/>
+            </a:prstGeom>
+          </p:spPr>
+          <p:style>
+            <a:lnRef idx="2">
+              <a:schemeClr val="accent1">
+                <a:shade val="15000"/>
+              </a:schemeClr>
+            </a:lnRef>
+            <a:fillRef idx="1">
+              <a:schemeClr val="accent1"/>
+            </a:fillRef>
+            <a:effectRef idx="0">
+              <a:schemeClr val="accent1"/>
+            </a:effectRef>
+            <a:fontRef idx="minor">
+              <a:schemeClr val="lt1"/>
+            </a:fontRef>
+          </p:style>
+          <p:txBody>
+            <a:bodyPr rtlCol="0" anchor="ctr"/>
+            <a:lstStyle/>
+            <a:p>
+              <a:pPr algn="ctr"/>
+              <a:endParaRPr kumimoji="1" lang="ja-JP" altLang="en-US"/>
+            </a:p>
+          </p:txBody>
+        </p:sp>
+        <p:sp>
+          <p:nvSpPr>
+            <p:cNvPr id="47" name="正方形/長方形 46">
+              <a:extLst>
+                <a:ext uri="{FF2B5EF4-FFF2-40B4-BE49-F238E27FC236}">
+                  <a16:creationId xmlns:a16="http://schemas.microsoft.com/office/drawing/2014/main" id="{24BCEA84-35CF-BD7F-DEC8-0A006E69FDB6}"/>
+                </a:ext>
+              </a:extLst>
+            </p:cNvPr>
+            <p:cNvSpPr/>
+            <p:nvPr/>
+          </p:nvSpPr>
+          <p:spPr>
+            <a:xfrm>
+              <a:off x="2290176" y="3014615"/>
+              <a:ext cx="159025" cy="159025"/>
+            </a:xfrm>
+            <a:prstGeom prst="rect">
+              <a:avLst/>
+            </a:prstGeom>
+          </p:spPr>
+          <p:style>
+            <a:lnRef idx="2">
+              <a:schemeClr val="accent1">
+                <a:shade val="15000"/>
+              </a:schemeClr>
+            </a:lnRef>
+            <a:fillRef idx="1">
+              <a:schemeClr val="accent1"/>
+            </a:fillRef>
+            <a:effectRef idx="0">
+              <a:schemeClr val="accent1"/>
+            </a:effectRef>
+            <a:fontRef idx="minor">
+              <a:schemeClr val="lt1"/>
+            </a:fontRef>
+          </p:style>
+          <p:txBody>
+            <a:bodyPr rtlCol="0" anchor="ctr"/>
+            <a:lstStyle/>
+            <a:p>
+              <a:pPr algn="ctr"/>
+              <a:endParaRPr kumimoji="1" lang="ja-JP" altLang="en-US"/>
+            </a:p>
+          </p:txBody>
+        </p:sp>
+        <p:sp>
+          <p:nvSpPr>
+            <p:cNvPr id="48" name="正方形/長方形 47">
+              <a:extLst>
+                <a:ext uri="{FF2B5EF4-FFF2-40B4-BE49-F238E27FC236}">
+                  <a16:creationId xmlns:a16="http://schemas.microsoft.com/office/drawing/2014/main" id="{5CA72F8F-FB60-CBB7-5B77-1380E37608AD}"/>
+                </a:ext>
+              </a:extLst>
+            </p:cNvPr>
+            <p:cNvSpPr/>
+            <p:nvPr/>
+          </p:nvSpPr>
+          <p:spPr>
+            <a:xfrm>
+              <a:off x="2519570" y="3740927"/>
+              <a:ext cx="159025" cy="159025"/>
+            </a:xfrm>
+            <a:prstGeom prst="rect">
+              <a:avLst/>
+            </a:prstGeom>
+          </p:spPr>
+          <p:style>
+            <a:lnRef idx="2">
+              <a:schemeClr val="accent1">
+                <a:shade val="15000"/>
+              </a:schemeClr>
+            </a:lnRef>
+            <a:fillRef idx="1">
+              <a:schemeClr val="accent1"/>
+            </a:fillRef>
+            <a:effectRef idx="0">
+              <a:schemeClr val="accent1"/>
+            </a:effectRef>
+            <a:fontRef idx="minor">
+              <a:schemeClr val="lt1"/>
+            </a:fontRef>
+          </p:style>
+          <p:txBody>
+            <a:bodyPr rtlCol="0" anchor="ctr"/>
+            <a:lstStyle/>
+            <a:p>
+              <a:pPr algn="ctr"/>
+              <a:endParaRPr kumimoji="1" lang="ja-JP" altLang="en-US"/>
+            </a:p>
+          </p:txBody>
+        </p:sp>
+        <p:sp>
+          <p:nvSpPr>
+            <p:cNvPr id="49" name="正方形/長方形 48">
+              <a:extLst>
+                <a:ext uri="{FF2B5EF4-FFF2-40B4-BE49-F238E27FC236}">
+                  <a16:creationId xmlns:a16="http://schemas.microsoft.com/office/drawing/2014/main" id="{0CC1E898-0293-F7AF-120B-30869D716967}"/>
+                </a:ext>
+              </a:extLst>
+            </p:cNvPr>
+            <p:cNvSpPr/>
+            <p:nvPr/>
+          </p:nvSpPr>
+          <p:spPr>
+            <a:xfrm>
+              <a:off x="2921240" y="4353198"/>
+              <a:ext cx="159025" cy="159025"/>
+            </a:xfrm>
+            <a:prstGeom prst="rect">
+              <a:avLst/>
+            </a:prstGeom>
+          </p:spPr>
+          <p:style>
+            <a:lnRef idx="2">
+              <a:schemeClr val="accent1">
+                <a:shade val="15000"/>
+              </a:schemeClr>
+            </a:lnRef>
+            <a:fillRef idx="1">
+              <a:schemeClr val="accent1"/>
+            </a:fillRef>
+            <a:effectRef idx="0">
+              <a:schemeClr val="accent1"/>
+            </a:effectRef>
+            <a:fontRef idx="minor">
+              <a:schemeClr val="lt1"/>
+            </a:fontRef>
+          </p:style>
+          <p:txBody>
+            <a:bodyPr rtlCol="0" anchor="ctr"/>
+            <a:lstStyle/>
+            <a:p>
+              <a:pPr algn="ctr"/>
+              <a:endParaRPr kumimoji="1" lang="ja-JP" altLang="en-US"/>
+            </a:p>
+          </p:txBody>
+        </p:sp>
+        <p:sp>
+          <p:nvSpPr>
+            <p:cNvPr id="50" name="正方形/長方形 49">
+              <a:extLst>
+                <a:ext uri="{FF2B5EF4-FFF2-40B4-BE49-F238E27FC236}">
+                  <a16:creationId xmlns:a16="http://schemas.microsoft.com/office/drawing/2014/main" id="{0ACE8AC9-21C3-ED7F-F477-46C0CEFA8115}"/>
+                </a:ext>
+              </a:extLst>
+            </p:cNvPr>
+            <p:cNvSpPr/>
+            <p:nvPr/>
+          </p:nvSpPr>
+          <p:spPr>
+            <a:xfrm>
+              <a:off x="3401631" y="3708742"/>
+              <a:ext cx="159025" cy="159025"/>
+            </a:xfrm>
+            <a:prstGeom prst="rect">
+              <a:avLst/>
+            </a:prstGeom>
+          </p:spPr>
+          <p:style>
+            <a:lnRef idx="2">
+              <a:schemeClr val="accent1">
+                <a:shade val="15000"/>
+              </a:schemeClr>
+            </a:lnRef>
+            <a:fillRef idx="1">
+              <a:schemeClr val="accent1"/>
+            </a:fillRef>
+            <a:effectRef idx="0">
+              <a:schemeClr val="accent1"/>
+            </a:effectRef>
+            <a:fontRef idx="minor">
+              <a:schemeClr val="lt1"/>
+            </a:fontRef>
+          </p:style>
+          <p:txBody>
+            <a:bodyPr rtlCol="0" anchor="ctr"/>
+            <a:lstStyle/>
+            <a:p>
+              <a:pPr algn="ctr"/>
+              <a:endParaRPr kumimoji="1" lang="ja-JP" altLang="en-US"/>
+            </a:p>
+          </p:txBody>
+        </p:sp>
+        <p:sp>
+          <p:nvSpPr>
+            <p:cNvPr id="51" name="正方形/長方形 50">
+              <a:extLst>
+                <a:ext uri="{FF2B5EF4-FFF2-40B4-BE49-F238E27FC236}">
+                  <a16:creationId xmlns:a16="http://schemas.microsoft.com/office/drawing/2014/main" id="{8A2A13FB-55DD-3AD5-FED1-F25229BFA3E4}"/>
+                </a:ext>
+              </a:extLst>
+            </p:cNvPr>
+            <p:cNvSpPr/>
+            <p:nvPr/>
+          </p:nvSpPr>
+          <p:spPr>
+            <a:xfrm>
+              <a:off x="3653603" y="3126347"/>
+              <a:ext cx="159025" cy="159025"/>
+            </a:xfrm>
+            <a:prstGeom prst="rect">
+              <a:avLst/>
+            </a:prstGeom>
+          </p:spPr>
+          <p:style>
+            <a:lnRef idx="2">
+              <a:schemeClr val="accent1">
+                <a:shade val="15000"/>
+              </a:schemeClr>
+            </a:lnRef>
+            <a:fillRef idx="1">
+              <a:schemeClr val="accent1"/>
+            </a:fillRef>
+            <a:effectRef idx="0">
+              <a:schemeClr val="accent1"/>
+            </a:effectRef>
+            <a:fontRef idx="minor">
+              <a:schemeClr val="lt1"/>
+            </a:fontRef>
+          </p:style>
+          <p:txBody>
+            <a:bodyPr rtlCol="0" anchor="ctr"/>
+            <a:lstStyle/>
+            <a:p>
+              <a:pPr algn="ctr"/>
+              <a:endParaRPr kumimoji="1" lang="ja-JP" altLang="en-US"/>
+            </a:p>
+          </p:txBody>
+        </p:sp>
+      </p:grpSp>
+      <p:cxnSp>
+        <p:nvCxnSpPr>
+          <p:cNvPr id="56" name="直線矢印コネクタ 55">
+            <a:extLst>
+              <a:ext uri="{FF2B5EF4-FFF2-40B4-BE49-F238E27FC236}">
+                <a16:creationId xmlns:a16="http://schemas.microsoft.com/office/drawing/2014/main" id="{49A08B32-F75B-1607-D193-334FB5335569}"/>
+              </a:ext>
+            </a:extLst>
+          </p:cNvPr>
+          <p:cNvCxnSpPr/>
+          <p:nvPr/>
+        </p:nvCxnSpPr>
+        <p:spPr>
+          <a:xfrm flipV="1">
+            <a:off x="6626808" y="3351956"/>
+            <a:ext cx="0" cy="1309233"/>
+          </a:xfrm>
+          <a:prstGeom prst="straightConnector1">
+            <a:avLst/>
+          </a:prstGeom>
+          <a:ln>
+            <a:headEnd type="triangle"/>
+            <a:tailEnd type="triangle"/>
+          </a:ln>
+        </p:spPr>
+        <p:style>
+          <a:lnRef idx="2">
+            <a:schemeClr val="accent1"/>
+          </a:lnRef>
+          <a:fillRef idx="0">
+            <a:schemeClr val="accent1"/>
+          </a:fillRef>
+          <a:effectRef idx="1">
+            <a:schemeClr val="accent1"/>
+          </a:effectRef>
+          <a:fontRef idx="minor">
+            <a:schemeClr val="tx1"/>
+          </a:fontRef>
+        </p:style>
+      </p:cxnSp>
+      <p:cxnSp>
+        <p:nvCxnSpPr>
+          <p:cNvPr id="57" name="直線コネクタ 56">
+            <a:extLst>
+              <a:ext uri="{FF2B5EF4-FFF2-40B4-BE49-F238E27FC236}">
+                <a16:creationId xmlns:a16="http://schemas.microsoft.com/office/drawing/2014/main" id="{1AE27BD0-206C-BFC8-90C5-3D99C1A73B47}"/>
+              </a:ext>
+            </a:extLst>
+          </p:cNvPr>
+          <p:cNvCxnSpPr>
+            <a:cxnSpLocks/>
+          </p:cNvCxnSpPr>
+          <p:nvPr/>
+        </p:nvCxnSpPr>
+        <p:spPr>
+          <a:xfrm flipV="1">
+            <a:off x="6626808" y="4661190"/>
+            <a:ext cx="3071190" cy="0"/>
+          </a:xfrm>
+          <a:prstGeom prst="line">
+            <a:avLst/>
+          </a:prstGeom>
+          <a:ln>
+            <a:prstDash val="sysDash"/>
+          </a:ln>
+        </p:spPr>
+        <p:style>
+          <a:lnRef idx="2">
+            <a:schemeClr val="accent1"/>
+          </a:lnRef>
+          <a:fillRef idx="0">
+            <a:schemeClr val="accent1"/>
+          </a:fillRef>
+          <a:effectRef idx="1">
+            <a:schemeClr val="accent1"/>
+          </a:effectRef>
+          <a:fontRef idx="minor">
+            <a:schemeClr val="tx1"/>
+          </a:fontRef>
+        </p:style>
+      </p:cxnSp>
+      <p:cxnSp>
+        <p:nvCxnSpPr>
+          <p:cNvPr id="58" name="直線コネクタ 57">
+            <a:extLst>
+              <a:ext uri="{FF2B5EF4-FFF2-40B4-BE49-F238E27FC236}">
+                <a16:creationId xmlns:a16="http://schemas.microsoft.com/office/drawing/2014/main" id="{B3AD7C30-BE39-B145-012A-97535B486413}"/>
+              </a:ext>
+            </a:extLst>
+          </p:cNvPr>
+          <p:cNvCxnSpPr>
+            <a:cxnSpLocks/>
+          </p:cNvCxnSpPr>
+          <p:nvPr/>
+        </p:nvCxnSpPr>
+        <p:spPr>
+          <a:xfrm flipV="1">
+            <a:off x="5752163" y="3351956"/>
+            <a:ext cx="3945835" cy="0"/>
+          </a:xfrm>
+          <a:prstGeom prst="line">
+            <a:avLst/>
+          </a:prstGeom>
+          <a:ln>
+            <a:prstDash val="sysDash"/>
+          </a:ln>
+        </p:spPr>
+        <p:style>
+          <a:lnRef idx="2">
+            <a:schemeClr val="accent1"/>
+          </a:lnRef>
+          <a:fillRef idx="0">
+            <a:schemeClr val="accent1"/>
+          </a:fillRef>
+          <a:effectRef idx="1">
+            <a:schemeClr val="accent1"/>
+          </a:effectRef>
+          <a:fontRef idx="minor">
+            <a:schemeClr val="tx1"/>
+          </a:fontRef>
+        </p:style>
+      </p:cxnSp>
+      <p:cxnSp>
+        <p:nvCxnSpPr>
+          <p:cNvPr id="59" name="直線コネクタ 58">
+            <a:extLst>
+              <a:ext uri="{FF2B5EF4-FFF2-40B4-BE49-F238E27FC236}">
+                <a16:creationId xmlns:a16="http://schemas.microsoft.com/office/drawing/2014/main" id="{51D61FF5-332C-8FB9-5F75-07B8F45ECF06}"/>
+              </a:ext>
+            </a:extLst>
+          </p:cNvPr>
+          <p:cNvCxnSpPr>
+            <a:cxnSpLocks/>
+          </p:cNvCxnSpPr>
+          <p:nvPr/>
+        </p:nvCxnSpPr>
+        <p:spPr>
+          <a:xfrm flipV="1">
+            <a:off x="6626808" y="2042723"/>
+            <a:ext cx="3071190" cy="0"/>
+          </a:xfrm>
+          <a:prstGeom prst="line">
+            <a:avLst/>
+          </a:prstGeom>
+          <a:ln>
+            <a:prstDash val="sysDash"/>
+          </a:ln>
+        </p:spPr>
+        <p:style>
+          <a:lnRef idx="2">
+            <a:schemeClr val="accent1"/>
+          </a:lnRef>
+          <a:fillRef idx="0">
+            <a:schemeClr val="accent1"/>
+          </a:fillRef>
+          <a:effectRef idx="1">
+            <a:schemeClr val="accent1"/>
+          </a:effectRef>
+          <a:fontRef idx="minor">
+            <a:schemeClr val="tx1"/>
+          </a:fontRef>
+        </p:style>
+      </p:cxnSp>
+      <p:cxnSp>
+        <p:nvCxnSpPr>
+          <p:cNvPr id="60" name="直線矢印コネクタ 59">
+            <a:extLst>
+              <a:ext uri="{FF2B5EF4-FFF2-40B4-BE49-F238E27FC236}">
+                <a16:creationId xmlns:a16="http://schemas.microsoft.com/office/drawing/2014/main" id="{08B90BE9-B9DD-5319-CDBC-BCAB9724BD1B}"/>
+              </a:ext>
+            </a:extLst>
+          </p:cNvPr>
+          <p:cNvCxnSpPr/>
+          <p:nvPr/>
+        </p:nvCxnSpPr>
+        <p:spPr>
+          <a:xfrm flipV="1">
+            <a:off x="6626808" y="2042723"/>
+            <a:ext cx="0" cy="1309233"/>
+          </a:xfrm>
+          <a:prstGeom prst="straightConnector1">
+            <a:avLst/>
+          </a:prstGeom>
+          <a:ln>
+            <a:headEnd type="triangle"/>
+            <a:tailEnd type="triangle"/>
+          </a:ln>
+        </p:spPr>
+        <p:style>
+          <a:lnRef idx="2">
+            <a:schemeClr val="accent1"/>
+          </a:lnRef>
+          <a:fillRef idx="0">
+            <a:schemeClr val="accent1"/>
+          </a:fillRef>
+          <a:effectRef idx="1">
+            <a:schemeClr val="accent1"/>
+          </a:effectRef>
+          <a:fontRef idx="minor">
+            <a:schemeClr val="tx1"/>
+          </a:fontRef>
+        </p:style>
+      </p:cxnSp>
+      <p:sp>
+        <p:nvSpPr>
+          <p:cNvPr id="61" name="テキスト ボックス 60">
+            <a:extLst>
+              <a:ext uri="{FF2B5EF4-FFF2-40B4-BE49-F238E27FC236}">
+                <a16:creationId xmlns:a16="http://schemas.microsoft.com/office/drawing/2014/main" id="{595DB14B-2910-A6A5-14FB-54528BE87BE4}"/>
+              </a:ext>
+            </a:extLst>
+          </p:cNvPr>
+          <p:cNvSpPr txBox="1"/>
+          <p:nvPr/>
+        </p:nvSpPr>
+        <p:spPr>
+          <a:xfrm>
+            <a:off x="6264716" y="2572660"/>
+            <a:ext cx="296516" cy="369332"/>
+          </a:xfrm>
+          <a:prstGeom prst="rect">
+            <a:avLst/>
+          </a:prstGeom>
+          <a:noFill/>
+        </p:spPr>
+        <p:txBody>
+          <a:bodyPr wrap="square" rtlCol="0">
+            <a:spAutoFit/>
+          </a:bodyPr>
+          <a:lstStyle/>
+          <a:p>
+            <a:r>
+              <a:rPr kumimoji="1" lang="en-US" altLang="ja-JP"/>
+              <a:t>A</a:t>
+            </a:r>
+            <a:endParaRPr kumimoji="1" lang="ja-JP" altLang="en-US"/>
+          </a:p>
+        </p:txBody>
+      </p:sp>
+      <p:cxnSp>
+        <p:nvCxnSpPr>
+          <p:cNvPr id="62" name="直線矢印コネクタ 61">
+            <a:extLst>
+              <a:ext uri="{FF2B5EF4-FFF2-40B4-BE49-F238E27FC236}">
+                <a16:creationId xmlns:a16="http://schemas.microsoft.com/office/drawing/2014/main" id="{1289B2F0-92C4-4385-F208-8DB9561D883C}"/>
+              </a:ext>
+            </a:extLst>
+          </p:cNvPr>
+          <p:cNvCxnSpPr>
+            <a:cxnSpLocks/>
+          </p:cNvCxnSpPr>
+          <p:nvPr/>
+        </p:nvCxnSpPr>
+        <p:spPr>
+          <a:xfrm flipH="1" flipV="1">
+            <a:off x="6626808" y="3319282"/>
+            <a:ext cx="2779642" cy="0"/>
+          </a:xfrm>
+          <a:prstGeom prst="straightConnector1">
+            <a:avLst/>
+          </a:prstGeom>
+          <a:ln>
+            <a:solidFill>
+              <a:srgbClr val="FF0000"/>
+            </a:solidFill>
+            <a:headEnd type="triangle"/>
+            <a:tailEnd type="triangle"/>
+          </a:ln>
+        </p:spPr>
+        <p:style>
+          <a:lnRef idx="2">
+            <a:schemeClr val="accent1"/>
+          </a:lnRef>
+          <a:fillRef idx="0">
+            <a:schemeClr val="accent1"/>
+          </a:fillRef>
+          <a:effectRef idx="1">
+            <a:schemeClr val="accent1"/>
+          </a:effectRef>
+          <a:fontRef idx="minor">
+            <a:schemeClr val="tx1"/>
+          </a:fontRef>
+        </p:style>
+      </p:cxnSp>
+      <p:sp>
+        <p:nvSpPr>
+          <p:cNvPr id="63" name="フリーフォーム: 図形 62">
+            <a:extLst>
+              <a:ext uri="{FF2B5EF4-FFF2-40B4-BE49-F238E27FC236}">
+                <a16:creationId xmlns:a16="http://schemas.microsoft.com/office/drawing/2014/main" id="{CC257390-0335-BB3F-841A-60A93059E98B}"/>
+              </a:ext>
+            </a:extLst>
+          </p:cNvPr>
+          <p:cNvSpPr/>
+          <p:nvPr/>
+        </p:nvSpPr>
+        <p:spPr>
+          <a:xfrm flipV="1">
+            <a:off x="6646685" y="2032720"/>
+            <a:ext cx="2743200" cy="2598913"/>
+          </a:xfrm>
+          <a:custGeom>
+            <a:avLst/>
+            <a:gdLst>
+              <a:gd name="connsiteX0" fmla="*/ 0 w 2743200"/>
+              <a:gd name="connsiteY0" fmla="*/ 1252445 h 2624065"/>
+              <a:gd name="connsiteX1" fmla="*/ 586409 w 2743200"/>
+              <a:gd name="connsiteY1" fmla="*/ 115 h 2624065"/>
+              <a:gd name="connsiteX2" fmla="*/ 1351722 w 2743200"/>
+              <a:gd name="connsiteY2" fmla="*/ 1312080 h 2624065"/>
+              <a:gd name="connsiteX3" fmla="*/ 1997765 w 2743200"/>
+              <a:gd name="connsiteY3" fmla="*/ 2624045 h 2624065"/>
+              <a:gd name="connsiteX4" fmla="*/ 2743200 w 2743200"/>
+              <a:gd name="connsiteY4" fmla="*/ 1282263 h 2624065"/>
+            </a:gdLst>
+            <a:ahLst/>
+            <a:cxnLst>
+              <a:cxn ang="0">
+                <a:pos x="connsiteX0" y="connsiteY0"/>
+              </a:cxn>
+              <a:cxn ang="0">
+                <a:pos x="connsiteX1" y="connsiteY1"/>
+              </a:cxn>
+              <a:cxn ang="0">
+                <a:pos x="connsiteX2" y="connsiteY2"/>
+              </a:cxn>
+              <a:cxn ang="0">
+                <a:pos x="connsiteX3" y="connsiteY3"/>
+              </a:cxn>
+              <a:cxn ang="0">
+                <a:pos x="connsiteX4" y="connsiteY4"/>
+              </a:cxn>
+            </a:cxnLst>
+            <a:rect l="l" t="t" r="r" b="b"/>
+            <a:pathLst>
+              <a:path w="2743200" h="2624065">
+                <a:moveTo>
+                  <a:pt x="0" y="1252445"/>
+                </a:moveTo>
+                <a:cubicBezTo>
+                  <a:pt x="180561" y="621310"/>
+                  <a:pt x="361122" y="-9824"/>
+                  <a:pt x="586409" y="115"/>
+                </a:cubicBezTo>
+                <a:cubicBezTo>
+                  <a:pt x="811696" y="10054"/>
+                  <a:pt x="1116496" y="874758"/>
+                  <a:pt x="1351722" y="1312080"/>
+                </a:cubicBezTo>
+                <a:cubicBezTo>
+                  <a:pt x="1586948" y="1749402"/>
+                  <a:pt x="1765852" y="2629014"/>
+                  <a:pt x="1997765" y="2624045"/>
+                </a:cubicBezTo>
+                <a:cubicBezTo>
+                  <a:pt x="2229678" y="2619076"/>
+                  <a:pt x="2486439" y="1950669"/>
+                  <a:pt x="2743200" y="1282263"/>
+                </a:cubicBezTo>
+              </a:path>
+            </a:pathLst>
+          </a:custGeom>
+          <a:noFill/>
+        </p:spPr>
+        <p:style>
+          <a:lnRef idx="2">
+            <a:schemeClr val="accent1">
+              <a:shade val="15000"/>
+            </a:schemeClr>
+          </a:lnRef>
+          <a:fillRef idx="1">
+            <a:schemeClr val="accent1"/>
+          </a:fillRef>
+          <a:effectRef idx="0">
+            <a:schemeClr val="accent1"/>
+          </a:effectRef>
+          <a:fontRef idx="minor">
+            <a:schemeClr val="lt1"/>
+          </a:fontRef>
+        </p:style>
+        <p:txBody>
+          <a:bodyPr rtlCol="0" anchor="ctr"/>
+          <a:lstStyle/>
+          <a:p>
+            <a:pPr algn="ctr"/>
+            <a:endParaRPr kumimoji="1" lang="ja-JP" altLang="en-US"/>
+          </a:p>
+        </p:txBody>
+      </p:sp>
+      <p:sp>
+        <p:nvSpPr>
+          <p:cNvPr id="64" name="正方形/長方形 63">
+            <a:extLst>
+              <a:ext uri="{FF2B5EF4-FFF2-40B4-BE49-F238E27FC236}">
+                <a16:creationId xmlns:a16="http://schemas.microsoft.com/office/drawing/2014/main" id="{1F628748-E4FD-2175-7672-0FCFAED063B6}"/>
+              </a:ext>
+            </a:extLst>
+          </p:cNvPr>
+          <p:cNvSpPr/>
+          <p:nvPr/>
+        </p:nvSpPr>
+        <p:spPr>
+          <a:xfrm flipV="1">
+            <a:off x="6583737" y="3384630"/>
+            <a:ext cx="159025" cy="157501"/>
+          </a:xfrm>
+          <a:prstGeom prst="rect">
+            <a:avLst/>
+          </a:prstGeom>
+        </p:spPr>
+        <p:style>
+          <a:lnRef idx="2">
+            <a:schemeClr val="accent1">
+              <a:shade val="15000"/>
+            </a:schemeClr>
+          </a:lnRef>
+          <a:fillRef idx="1">
+            <a:schemeClr val="accent1"/>
+          </a:fillRef>
+          <a:effectRef idx="0">
+            <a:schemeClr val="accent1"/>
+          </a:effectRef>
+          <a:fontRef idx="minor">
+            <a:schemeClr val="lt1"/>
+          </a:fontRef>
+        </p:style>
+        <p:txBody>
+          <a:bodyPr rtlCol="0" anchor="ctr"/>
+          <a:lstStyle/>
+          <a:p>
+            <a:pPr algn="ctr"/>
+            <a:endParaRPr kumimoji="1" lang="ja-JP" altLang="en-US"/>
+          </a:p>
+        </p:txBody>
+      </p:sp>
+      <p:sp>
+        <p:nvSpPr>
+          <p:cNvPr id="65" name="正方形/長方形 64">
+            <a:extLst>
+              <a:ext uri="{FF2B5EF4-FFF2-40B4-BE49-F238E27FC236}">
+                <a16:creationId xmlns:a16="http://schemas.microsoft.com/office/drawing/2014/main" id="{2B830F5B-1E0D-C0F8-97E7-12597BE3563A}"/>
+              </a:ext>
+            </a:extLst>
+          </p:cNvPr>
+          <p:cNvSpPr/>
+          <p:nvPr/>
+        </p:nvSpPr>
+        <p:spPr>
+          <a:xfrm flipV="1">
+            <a:off x="6801140" y="4065567"/>
+            <a:ext cx="159025" cy="157501"/>
+          </a:xfrm>
+          <a:prstGeom prst="rect">
+            <a:avLst/>
+          </a:prstGeom>
+        </p:spPr>
+        <p:style>
+          <a:lnRef idx="2">
+            <a:schemeClr val="accent1">
+              <a:shade val="15000"/>
+            </a:schemeClr>
+          </a:lnRef>
+          <a:fillRef idx="1">
+            <a:schemeClr val="accent1"/>
+          </a:fillRef>
+          <a:effectRef idx="0">
+            <a:schemeClr val="accent1"/>
+          </a:effectRef>
+          <a:fontRef idx="minor">
+            <a:schemeClr val="lt1"/>
+          </a:fontRef>
+        </p:style>
+        <p:txBody>
+          <a:bodyPr rtlCol="0" anchor="ctr"/>
+          <a:lstStyle/>
+          <a:p>
+            <a:pPr algn="ctr"/>
+            <a:endParaRPr kumimoji="1" lang="ja-JP" altLang="en-US"/>
+          </a:p>
+        </p:txBody>
+      </p:sp>
+      <p:sp>
+        <p:nvSpPr>
+          <p:cNvPr id="66" name="正方形/長方形 65">
+            <a:extLst>
+              <a:ext uri="{FF2B5EF4-FFF2-40B4-BE49-F238E27FC236}">
+                <a16:creationId xmlns:a16="http://schemas.microsoft.com/office/drawing/2014/main" id="{9D157A6D-3E92-F4B9-A62E-63A62D5183BF}"/>
+              </a:ext>
+            </a:extLst>
+          </p:cNvPr>
+          <p:cNvSpPr/>
+          <p:nvPr/>
+        </p:nvSpPr>
+        <p:spPr>
+          <a:xfrm flipV="1">
+            <a:off x="7134496" y="4535067"/>
+            <a:ext cx="159025" cy="157501"/>
+          </a:xfrm>
+          <a:prstGeom prst="rect">
+            <a:avLst/>
+          </a:prstGeom>
+        </p:spPr>
+        <p:style>
+          <a:lnRef idx="2">
+            <a:schemeClr val="accent1">
+              <a:shade val="15000"/>
+            </a:schemeClr>
+          </a:lnRef>
+          <a:fillRef idx="1">
+            <a:schemeClr val="accent1"/>
+          </a:fillRef>
+          <a:effectRef idx="0">
+            <a:schemeClr val="accent1"/>
+          </a:effectRef>
+          <a:fontRef idx="minor">
+            <a:schemeClr val="lt1"/>
+          </a:fontRef>
+        </p:style>
+        <p:txBody>
+          <a:bodyPr rtlCol="0" anchor="ctr"/>
+          <a:lstStyle/>
+          <a:p>
+            <a:pPr algn="ctr"/>
+            <a:endParaRPr kumimoji="1" lang="ja-JP" altLang="en-US"/>
+          </a:p>
+        </p:txBody>
+      </p:sp>
+      <p:sp>
+        <p:nvSpPr>
+          <p:cNvPr id="67" name="正方形/長方形 66">
+            <a:extLst>
+              <a:ext uri="{FF2B5EF4-FFF2-40B4-BE49-F238E27FC236}">
+                <a16:creationId xmlns:a16="http://schemas.microsoft.com/office/drawing/2014/main" id="{46B065C7-F7B9-37A4-F00F-8AC596F874B5}"/>
+              </a:ext>
+            </a:extLst>
+          </p:cNvPr>
+          <p:cNvSpPr/>
+          <p:nvPr/>
+        </p:nvSpPr>
+        <p:spPr>
+          <a:xfrm flipV="1">
+            <a:off x="7622814" y="3946587"/>
+            <a:ext cx="159025" cy="157501"/>
+          </a:xfrm>
+          <a:prstGeom prst="rect">
+            <a:avLst/>
+          </a:prstGeom>
+        </p:spPr>
+        <p:style>
+          <a:lnRef idx="2">
+            <a:schemeClr val="accent1">
+              <a:shade val="15000"/>
+            </a:schemeClr>
+          </a:lnRef>
+          <a:fillRef idx="1">
+            <a:schemeClr val="accent1"/>
+          </a:fillRef>
+          <a:effectRef idx="0">
+            <a:schemeClr val="accent1"/>
+          </a:effectRef>
+          <a:fontRef idx="minor">
+            <a:schemeClr val="lt1"/>
+          </a:fontRef>
+        </p:style>
+        <p:txBody>
+          <a:bodyPr rtlCol="0" anchor="ctr"/>
+          <a:lstStyle/>
+          <a:p>
+            <a:pPr algn="ctr"/>
+            <a:endParaRPr kumimoji="1" lang="ja-JP" altLang="en-US"/>
+          </a:p>
+        </p:txBody>
+      </p:sp>
+      <p:sp>
+        <p:nvSpPr>
+          <p:cNvPr id="68" name="正方形/長方形 67">
+            <a:extLst>
+              <a:ext uri="{FF2B5EF4-FFF2-40B4-BE49-F238E27FC236}">
+                <a16:creationId xmlns:a16="http://schemas.microsoft.com/office/drawing/2014/main" id="{0BF11720-441A-87CB-FCB8-56A1802C20FD}"/>
+              </a:ext>
+            </a:extLst>
+          </p:cNvPr>
+          <p:cNvSpPr/>
+          <p:nvPr/>
+        </p:nvSpPr>
+        <p:spPr>
+          <a:xfrm flipV="1">
+            <a:off x="7933009" y="3289726"/>
+            <a:ext cx="159025" cy="157501"/>
+          </a:xfrm>
+          <a:prstGeom prst="rect">
+            <a:avLst/>
+          </a:prstGeom>
+        </p:spPr>
+        <p:style>
+          <a:lnRef idx="2">
+            <a:schemeClr val="accent1">
+              <a:shade val="15000"/>
+            </a:schemeClr>
+          </a:lnRef>
+          <a:fillRef idx="1">
+            <a:schemeClr val="accent1"/>
+          </a:fillRef>
+          <a:effectRef idx="0">
+            <a:schemeClr val="accent1"/>
+          </a:effectRef>
+          <a:fontRef idx="minor">
+            <a:schemeClr val="lt1"/>
+          </a:fontRef>
+        </p:style>
+        <p:txBody>
+          <a:bodyPr rtlCol="0" anchor="ctr"/>
+          <a:lstStyle/>
+          <a:p>
+            <a:pPr algn="ctr"/>
+            <a:endParaRPr kumimoji="1" lang="ja-JP" altLang="en-US"/>
+          </a:p>
+        </p:txBody>
+      </p:sp>
+      <p:sp>
+        <p:nvSpPr>
+          <p:cNvPr id="69" name="正方形/長方形 68">
+            <a:extLst>
+              <a:ext uri="{FF2B5EF4-FFF2-40B4-BE49-F238E27FC236}">
+                <a16:creationId xmlns:a16="http://schemas.microsoft.com/office/drawing/2014/main" id="{A671413C-967F-3122-A81D-27883C57996E}"/>
+              </a:ext>
+            </a:extLst>
+          </p:cNvPr>
+          <p:cNvSpPr/>
+          <p:nvPr/>
+        </p:nvSpPr>
+        <p:spPr>
+          <a:xfrm flipV="1">
+            <a:off x="8162403" y="2570375"/>
+            <a:ext cx="159025" cy="157501"/>
+          </a:xfrm>
+          <a:prstGeom prst="rect">
+            <a:avLst/>
+          </a:prstGeom>
+        </p:spPr>
+        <p:style>
+          <a:lnRef idx="2">
+            <a:schemeClr val="accent1">
+              <a:shade val="15000"/>
+            </a:schemeClr>
+          </a:lnRef>
+          <a:fillRef idx="1">
+            <a:schemeClr val="accent1"/>
+          </a:fillRef>
+          <a:effectRef idx="0">
+            <a:schemeClr val="accent1"/>
+          </a:effectRef>
+          <a:fontRef idx="minor">
+            <a:schemeClr val="lt1"/>
+          </a:fontRef>
+        </p:style>
+        <p:txBody>
+          <a:bodyPr rtlCol="0" anchor="ctr"/>
+          <a:lstStyle/>
+          <a:p>
+            <a:pPr algn="ctr"/>
+            <a:endParaRPr kumimoji="1" lang="ja-JP" altLang="en-US"/>
+          </a:p>
+        </p:txBody>
+      </p:sp>
+      <p:sp>
+        <p:nvSpPr>
+          <p:cNvPr id="70" name="正方形/長方形 69">
+            <a:extLst>
+              <a:ext uri="{FF2B5EF4-FFF2-40B4-BE49-F238E27FC236}">
+                <a16:creationId xmlns:a16="http://schemas.microsoft.com/office/drawing/2014/main" id="{FC656F3F-9C23-581C-CD2E-DC7DF054C654}"/>
+              </a:ext>
+            </a:extLst>
+          </p:cNvPr>
+          <p:cNvSpPr/>
+          <p:nvPr/>
+        </p:nvSpPr>
+        <p:spPr>
+          <a:xfrm flipV="1">
+            <a:off x="8564073" y="1963973"/>
+            <a:ext cx="159025" cy="157501"/>
+          </a:xfrm>
+          <a:prstGeom prst="rect">
+            <a:avLst/>
+          </a:prstGeom>
+        </p:spPr>
+        <p:style>
+          <a:lnRef idx="2">
+            <a:schemeClr val="accent1">
+              <a:shade val="15000"/>
+            </a:schemeClr>
+          </a:lnRef>
+          <a:fillRef idx="1">
+            <a:schemeClr val="accent1"/>
+          </a:fillRef>
+          <a:effectRef idx="0">
+            <a:schemeClr val="accent1"/>
+          </a:effectRef>
+          <a:fontRef idx="minor">
+            <a:schemeClr val="lt1"/>
+          </a:fontRef>
+        </p:style>
+        <p:txBody>
+          <a:bodyPr rtlCol="0" anchor="ctr"/>
+          <a:lstStyle/>
+          <a:p>
+            <a:pPr algn="ctr"/>
+            <a:endParaRPr kumimoji="1" lang="ja-JP" altLang="en-US"/>
+          </a:p>
+        </p:txBody>
+      </p:sp>
+      <p:sp>
+        <p:nvSpPr>
+          <p:cNvPr id="71" name="正方形/長方形 70">
+            <a:extLst>
+              <a:ext uri="{FF2B5EF4-FFF2-40B4-BE49-F238E27FC236}">
+                <a16:creationId xmlns:a16="http://schemas.microsoft.com/office/drawing/2014/main" id="{300E7B8B-4862-EFB5-446C-3EC8D08111C2}"/>
+              </a:ext>
+            </a:extLst>
+          </p:cNvPr>
+          <p:cNvSpPr/>
+          <p:nvPr/>
+        </p:nvSpPr>
+        <p:spPr>
+          <a:xfrm flipV="1">
+            <a:off x="9044464" y="2602252"/>
+            <a:ext cx="159025" cy="157501"/>
+          </a:xfrm>
+          <a:prstGeom prst="rect">
+            <a:avLst/>
+          </a:prstGeom>
+        </p:spPr>
+        <p:style>
+          <a:lnRef idx="2">
+            <a:schemeClr val="accent1">
+              <a:shade val="15000"/>
+            </a:schemeClr>
+          </a:lnRef>
+          <a:fillRef idx="1">
+            <a:schemeClr val="accent1"/>
+          </a:fillRef>
+          <a:effectRef idx="0">
+            <a:schemeClr val="accent1"/>
+          </a:effectRef>
+          <a:fontRef idx="minor">
+            <a:schemeClr val="lt1"/>
+          </a:fontRef>
+        </p:style>
+        <p:txBody>
+          <a:bodyPr rtlCol="0" anchor="ctr"/>
+          <a:lstStyle/>
+          <a:p>
+            <a:pPr algn="ctr"/>
+            <a:endParaRPr kumimoji="1" lang="ja-JP" altLang="en-US"/>
+          </a:p>
+        </p:txBody>
+      </p:sp>
+      <p:sp>
+        <p:nvSpPr>
+          <p:cNvPr id="72" name="正方形/長方形 71">
+            <a:extLst>
+              <a:ext uri="{FF2B5EF4-FFF2-40B4-BE49-F238E27FC236}">
+                <a16:creationId xmlns:a16="http://schemas.microsoft.com/office/drawing/2014/main" id="{0815AE49-C3CC-D89C-5983-66822A2A9AC5}"/>
+              </a:ext>
+            </a:extLst>
+          </p:cNvPr>
+          <p:cNvSpPr/>
+          <p:nvPr/>
+        </p:nvSpPr>
+        <p:spPr>
+          <a:xfrm flipV="1">
+            <a:off x="9296436" y="3179064"/>
+            <a:ext cx="159025" cy="157501"/>
+          </a:xfrm>
+          <a:prstGeom prst="rect">
+            <a:avLst/>
+          </a:prstGeom>
+        </p:spPr>
+        <p:style>
+          <a:lnRef idx="2">
+            <a:schemeClr val="accent1">
+              <a:shade val="15000"/>
+            </a:schemeClr>
+          </a:lnRef>
+          <a:fillRef idx="1">
+            <a:schemeClr val="accent1"/>
+          </a:fillRef>
+          <a:effectRef idx="0">
+            <a:schemeClr val="accent1"/>
+          </a:effectRef>
+          <a:fontRef idx="minor">
+            <a:schemeClr val="lt1"/>
+          </a:fontRef>
+        </p:style>
+        <p:txBody>
+          <a:bodyPr rtlCol="0" anchor="ctr"/>
+          <a:lstStyle/>
+          <a:p>
+            <a:pPr algn="ctr"/>
+            <a:endParaRPr kumimoji="1" lang="ja-JP" altLang="en-US"/>
+          </a:p>
+        </p:txBody>
+      </p:sp>
+      <p:sp>
+        <p:nvSpPr>
+          <p:cNvPr id="74" name="矢印: 下 73">
+            <a:extLst>
+              <a:ext uri="{FF2B5EF4-FFF2-40B4-BE49-F238E27FC236}">
+                <a16:creationId xmlns:a16="http://schemas.microsoft.com/office/drawing/2014/main" id="{9D3440C9-B9B1-2DD5-3369-6E72B468727A}"/>
+              </a:ext>
+            </a:extLst>
+          </p:cNvPr>
+          <p:cNvSpPr/>
+          <p:nvPr/>
+        </p:nvSpPr>
+        <p:spPr>
+          <a:xfrm rot="10800000">
+            <a:off x="7828725" y="67433"/>
+            <a:ext cx="616227" cy="1908311"/>
+          </a:xfrm>
+          <a:prstGeom prst="downArrow">
+            <a:avLst/>
+          </a:prstGeom>
+        </p:spPr>
+        <p:style>
+          <a:lnRef idx="2">
+            <a:schemeClr val="accent1">
+              <a:shade val="15000"/>
+            </a:schemeClr>
+          </a:lnRef>
+          <a:fillRef idx="1">
+            <a:schemeClr val="accent1"/>
+          </a:fillRef>
+          <a:effectRef idx="0">
+            <a:schemeClr val="accent1"/>
+          </a:effectRef>
+          <a:fontRef idx="minor">
+            <a:schemeClr val="lt1"/>
+          </a:fontRef>
+        </p:style>
+        <p:txBody>
+          <a:bodyPr rtlCol="0" anchor="ctr"/>
+          <a:lstStyle/>
+          <a:p>
+            <a:pPr algn="ctr"/>
+            <a:endParaRPr kumimoji="1" lang="ja-JP" altLang="en-US"/>
+          </a:p>
+        </p:txBody>
+      </p:sp>
+      <p:sp>
+        <p:nvSpPr>
+          <p:cNvPr id="75" name="テキスト ボックス 74">
+            <a:extLst>
+              <a:ext uri="{FF2B5EF4-FFF2-40B4-BE49-F238E27FC236}">
+                <a16:creationId xmlns:a16="http://schemas.microsoft.com/office/drawing/2014/main" id="{4A2A6FE0-016C-084B-6D37-AA317508DF63}"/>
+              </a:ext>
+            </a:extLst>
+          </p:cNvPr>
+          <p:cNvSpPr txBox="1"/>
+          <p:nvPr/>
+        </p:nvSpPr>
+        <p:spPr>
+          <a:xfrm rot="16200000">
+            <a:off x="7182681" y="836922"/>
+            <a:ext cx="1908313" cy="369332"/>
+          </a:xfrm>
+          <a:prstGeom prst="rect">
+            <a:avLst/>
+          </a:prstGeom>
+          <a:noFill/>
+        </p:spPr>
+        <p:txBody>
+          <a:bodyPr wrap="square" rtlCol="0">
+            <a:spAutoFit/>
+          </a:bodyPr>
+          <a:lstStyle/>
+          <a:p>
+            <a:r>
+              <a:rPr kumimoji="1" lang="en-US" altLang="ja-JP">
+                <a:solidFill>
+                  <a:schemeClr val="bg1"/>
+                </a:solidFill>
+              </a:rPr>
+              <a:t>bi</a:t>
+            </a:r>
+            <a:r>
+              <a:rPr lang="en-US" altLang="ja-JP">
+                <a:solidFill>
+                  <a:schemeClr val="bg1"/>
+                </a:solidFill>
+              </a:rPr>
+              <a:t>ase -= speed</a:t>
+            </a:r>
+            <a:endParaRPr kumimoji="1" lang="ja-JP" altLang="en-US">
+              <a:solidFill>
+                <a:schemeClr val="bg1"/>
+              </a:solidFill>
+            </a:endParaRPr>
+          </a:p>
+        </p:txBody>
+      </p:sp>
+      <p:cxnSp>
+        <p:nvCxnSpPr>
+          <p:cNvPr id="76" name="直線コネクタ 75">
+            <a:extLst>
+              <a:ext uri="{FF2B5EF4-FFF2-40B4-BE49-F238E27FC236}">
+                <a16:creationId xmlns:a16="http://schemas.microsoft.com/office/drawing/2014/main" id="{129C3209-3B9C-5074-88D3-7392CA25AF29}"/>
+              </a:ext>
+            </a:extLst>
+          </p:cNvPr>
+          <p:cNvCxnSpPr>
+            <a:cxnSpLocks/>
+          </p:cNvCxnSpPr>
+          <p:nvPr/>
+        </p:nvCxnSpPr>
+        <p:spPr>
+          <a:xfrm>
+            <a:off x="133385" y="178744"/>
+            <a:ext cx="4313582" cy="0"/>
+          </a:xfrm>
+          <a:prstGeom prst="line">
+            <a:avLst/>
+          </a:prstGeom>
+        </p:spPr>
+        <p:style>
+          <a:lnRef idx="2">
+            <a:schemeClr val="accent1"/>
+          </a:lnRef>
+          <a:fillRef idx="0">
+            <a:schemeClr val="accent1"/>
+          </a:fillRef>
+          <a:effectRef idx="1">
+            <a:schemeClr val="accent1"/>
+          </a:effectRef>
+          <a:fontRef idx="minor">
+            <a:schemeClr val="tx1"/>
+          </a:fontRef>
+        </p:style>
+      </p:cxnSp>
+      <p:cxnSp>
+        <p:nvCxnSpPr>
+          <p:cNvPr id="77" name="直線矢印コネクタ 76">
+            <a:extLst>
+              <a:ext uri="{FF2B5EF4-FFF2-40B4-BE49-F238E27FC236}">
+                <a16:creationId xmlns:a16="http://schemas.microsoft.com/office/drawing/2014/main" id="{21728F48-4D0D-F6A6-03BE-FBECD060D470}"/>
+              </a:ext>
+            </a:extLst>
+          </p:cNvPr>
+          <p:cNvCxnSpPr>
+            <a:cxnSpLocks/>
+          </p:cNvCxnSpPr>
+          <p:nvPr/>
+        </p:nvCxnSpPr>
+        <p:spPr>
+          <a:xfrm>
+            <a:off x="319852" y="178744"/>
+            <a:ext cx="0" cy="2921964"/>
+          </a:xfrm>
+          <a:prstGeom prst="straightConnector1">
+            <a:avLst/>
+          </a:prstGeom>
+          <a:ln>
+            <a:headEnd type="triangle"/>
+            <a:tailEnd type="triangle"/>
+          </a:ln>
+        </p:spPr>
+        <p:style>
+          <a:lnRef idx="2">
+            <a:schemeClr val="accent1"/>
+          </a:lnRef>
+          <a:fillRef idx="0">
+            <a:schemeClr val="accent1"/>
+          </a:fillRef>
+          <a:effectRef idx="1">
+            <a:schemeClr val="accent1"/>
+          </a:effectRef>
+          <a:fontRef idx="minor">
+            <a:schemeClr val="tx1"/>
+          </a:fontRef>
+        </p:style>
+      </p:cxnSp>
+      <p:sp>
+        <p:nvSpPr>
+          <p:cNvPr id="78" name="テキスト ボックス 77">
+            <a:extLst>
+              <a:ext uri="{FF2B5EF4-FFF2-40B4-BE49-F238E27FC236}">
+                <a16:creationId xmlns:a16="http://schemas.microsoft.com/office/drawing/2014/main" id="{B454A85A-9531-C9E8-4D65-308678AB3956}"/>
+              </a:ext>
+            </a:extLst>
+          </p:cNvPr>
+          <p:cNvSpPr txBox="1"/>
+          <p:nvPr/>
+        </p:nvSpPr>
+        <p:spPr>
+          <a:xfrm>
+            <a:off x="361880" y="852286"/>
+            <a:ext cx="775252" cy="369331"/>
+          </a:xfrm>
+          <a:prstGeom prst="rect">
+            <a:avLst/>
+          </a:prstGeom>
+          <a:noFill/>
+        </p:spPr>
+        <p:txBody>
+          <a:bodyPr wrap="square" rtlCol="0">
+            <a:spAutoFit/>
+          </a:bodyPr>
+          <a:lstStyle/>
+          <a:p>
+            <a:r>
+              <a:rPr kumimoji="1" lang="en-US" altLang="ja-JP"/>
+              <a:t>biase</a:t>
+            </a:r>
+            <a:endParaRPr kumimoji="1" lang="ja-JP" altLang="en-US"/>
+          </a:p>
+        </p:txBody>
+      </p:sp>
+      <p:sp>
+        <p:nvSpPr>
+          <p:cNvPr id="79" name="テキスト ボックス 78">
+            <a:extLst>
+              <a:ext uri="{FF2B5EF4-FFF2-40B4-BE49-F238E27FC236}">
+                <a16:creationId xmlns:a16="http://schemas.microsoft.com/office/drawing/2014/main" id="{341180B9-EDBF-6632-B33B-3757CF7B3431}"/>
+              </a:ext>
+            </a:extLst>
+          </p:cNvPr>
+          <p:cNvSpPr txBox="1"/>
+          <p:nvPr/>
+        </p:nvSpPr>
+        <p:spPr>
+          <a:xfrm>
+            <a:off x="7159558" y="2962848"/>
+            <a:ext cx="288235" cy="369328"/>
+          </a:xfrm>
+          <a:prstGeom prst="rect">
+            <a:avLst/>
+          </a:prstGeom>
+          <a:noFill/>
+        </p:spPr>
+        <p:txBody>
+          <a:bodyPr wrap="square" rtlCol="0">
+            <a:spAutoFit/>
+          </a:bodyPr>
+          <a:lstStyle/>
+          <a:p>
+            <a:r>
+              <a:rPr kumimoji="1" lang="en-US" altLang="ja-JP"/>
+              <a:t>T</a:t>
+            </a:r>
+            <a:endParaRPr kumimoji="1" lang="ja-JP" altLang="en-US"/>
+          </a:p>
+        </p:txBody>
+      </p:sp>
+    </p:spTree>
+    <p:extLst>
+      <p:ext uri="{BB962C8B-B14F-4D97-AF65-F5344CB8AC3E}">
+        <p14:creationId xmlns:p14="http://schemas.microsoft.com/office/powerpoint/2010/main" val="1262061647"/>
+      </p:ext>
+    </p:extLst>
+  </p:cSld>
+  <p:clrMapOvr>
+    <a:masterClrMapping/>
+  </p:clrMapOvr>
+</p:sld>
+</file>
+
+<file path=ppt/slides/slide12.xml><?xml version="1.0" encoding="utf-8"?>
+<p:sld xmlns:a="http://schemas.openxmlformats.org/drawingml/2006/main" xmlns:r="http://schemas.openxmlformats.org/officeDocument/2006/relationships" xmlns:p="http://schemas.openxmlformats.org/presentationml/2006/main">
+  <p:cSld>
+    <p:spTree>
+      <p:nvGrpSpPr>
+        <p:cNvPr id="1" name=""/>
+        <p:cNvGrpSpPr/>
+        <p:nvPr/>
+      </p:nvGrpSpPr>
+      <p:grpSpPr>
+        <a:xfrm>
+          <a:off x="0" y="0"/>
+          <a:ext cx="0" cy="0"/>
+          <a:chOff x="0" y="0"/>
+          <a:chExt cx="0" cy="0"/>
+        </a:xfrm>
+      </p:grpSpPr>
+      <p:sp>
+        <p:nvSpPr>
+          <p:cNvPr id="4" name="楕円 3">
+            <a:extLst>
+              <a:ext uri="{FF2B5EF4-FFF2-40B4-BE49-F238E27FC236}">
+                <a16:creationId xmlns:a16="http://schemas.microsoft.com/office/drawing/2014/main" id="{7A78F1CF-CFDF-C831-E927-697E4DDF360D}"/>
+              </a:ext>
+            </a:extLst>
+          </p:cNvPr>
+          <p:cNvSpPr/>
+          <p:nvPr/>
+        </p:nvSpPr>
+        <p:spPr>
+          <a:xfrm>
+            <a:off x="2466578" y="2240031"/>
+            <a:ext cx="3035162" cy="3035162"/>
+          </a:xfrm>
+          <a:prstGeom prst="ellipse">
+            <a:avLst/>
+          </a:prstGeom>
+        </p:spPr>
+        <p:style>
+          <a:lnRef idx="2">
+            <a:schemeClr val="accent1">
+              <a:shade val="15000"/>
+            </a:schemeClr>
+          </a:lnRef>
+          <a:fillRef idx="1">
+            <a:schemeClr val="accent1"/>
+          </a:fillRef>
+          <a:effectRef idx="0">
+            <a:schemeClr val="accent1"/>
+          </a:effectRef>
+          <a:fontRef idx="minor">
+            <a:schemeClr val="lt1"/>
+          </a:fontRef>
+        </p:style>
+        <p:txBody>
+          <a:bodyPr rtlCol="0" anchor="ctr"/>
+          <a:lstStyle/>
+          <a:p>
+            <a:pPr algn="ctr"/>
+            <a:endParaRPr kumimoji="1" lang="ja-JP" altLang="en-US"/>
+          </a:p>
+        </p:txBody>
+      </p:sp>
+      <p:sp>
+        <p:nvSpPr>
+          <p:cNvPr id="5" name="正方形/長方形 4">
+            <a:extLst>
+              <a:ext uri="{FF2B5EF4-FFF2-40B4-BE49-F238E27FC236}">
+                <a16:creationId xmlns:a16="http://schemas.microsoft.com/office/drawing/2014/main" id="{9BBE501C-DC55-B705-EB35-E8DCE0232E07}"/>
+              </a:ext>
+            </a:extLst>
+          </p:cNvPr>
+          <p:cNvSpPr/>
+          <p:nvPr/>
+        </p:nvSpPr>
+        <p:spPr>
+          <a:xfrm rot="18499128">
+            <a:off x="2254608" y="2366263"/>
+            <a:ext cx="623967" cy="623967"/>
+          </a:xfrm>
+          <a:prstGeom prst="rect">
+            <a:avLst/>
+          </a:prstGeom>
+        </p:spPr>
+        <p:style>
+          <a:lnRef idx="2">
+            <a:schemeClr val="accent1">
+              <a:shade val="15000"/>
+            </a:schemeClr>
+          </a:lnRef>
+          <a:fillRef idx="1">
+            <a:schemeClr val="accent1"/>
+          </a:fillRef>
+          <a:effectRef idx="0">
+            <a:schemeClr val="accent1"/>
+          </a:effectRef>
+          <a:fontRef idx="minor">
+            <a:schemeClr val="lt1"/>
+          </a:fontRef>
+        </p:style>
+        <p:txBody>
+          <a:bodyPr rtlCol="0" anchor="ctr"/>
+          <a:lstStyle/>
+          <a:p>
+            <a:pPr algn="ctr"/>
+            <a:endParaRPr kumimoji="1" lang="ja-JP" altLang="en-US"/>
+          </a:p>
+        </p:txBody>
+      </p:sp>
+      <p:sp>
+        <p:nvSpPr>
+          <p:cNvPr id="7" name="正方形/長方形 6">
+            <a:extLst>
+              <a:ext uri="{FF2B5EF4-FFF2-40B4-BE49-F238E27FC236}">
+                <a16:creationId xmlns:a16="http://schemas.microsoft.com/office/drawing/2014/main" id="{960731F7-6EB3-FE34-C66C-817E94BCECD3}"/>
+              </a:ext>
+            </a:extLst>
+          </p:cNvPr>
+          <p:cNvSpPr/>
+          <p:nvPr/>
+        </p:nvSpPr>
+        <p:spPr>
+          <a:xfrm rot="16040143">
+            <a:off x="1871310" y="3557695"/>
+            <a:ext cx="623967" cy="623967"/>
+          </a:xfrm>
+          <a:prstGeom prst="rect">
+            <a:avLst/>
+          </a:prstGeom>
+        </p:spPr>
+        <p:style>
+          <a:lnRef idx="2">
+            <a:schemeClr val="accent1">
+              <a:shade val="15000"/>
+            </a:schemeClr>
+          </a:lnRef>
+          <a:fillRef idx="1">
+            <a:schemeClr val="accent1"/>
+          </a:fillRef>
+          <a:effectRef idx="0">
+            <a:schemeClr val="accent1"/>
+          </a:effectRef>
+          <a:fontRef idx="minor">
+            <a:schemeClr val="lt1"/>
+          </a:fontRef>
+        </p:style>
+        <p:txBody>
+          <a:bodyPr rtlCol="0" anchor="ctr"/>
+          <a:lstStyle/>
+          <a:p>
+            <a:pPr algn="ctr"/>
+            <a:endParaRPr kumimoji="1" lang="ja-JP" altLang="en-US"/>
+          </a:p>
+        </p:txBody>
+      </p:sp>
+      <p:sp>
+        <p:nvSpPr>
+          <p:cNvPr id="8" name="正方形/長方形 7">
+            <a:extLst>
+              <a:ext uri="{FF2B5EF4-FFF2-40B4-BE49-F238E27FC236}">
+                <a16:creationId xmlns:a16="http://schemas.microsoft.com/office/drawing/2014/main" id="{FEEE0849-3917-B220-4E68-BD09FC280C02}"/>
+              </a:ext>
+            </a:extLst>
+          </p:cNvPr>
+          <p:cNvSpPr/>
+          <p:nvPr/>
+        </p:nvSpPr>
+        <p:spPr>
+          <a:xfrm rot="13724332">
+            <a:off x="2311581" y="4622348"/>
+            <a:ext cx="623967" cy="623967"/>
+          </a:xfrm>
+          <a:prstGeom prst="rect">
+            <a:avLst/>
+          </a:prstGeom>
+        </p:spPr>
+        <p:style>
+          <a:lnRef idx="2">
+            <a:schemeClr val="accent1">
+              <a:shade val="15000"/>
+            </a:schemeClr>
+          </a:lnRef>
+          <a:fillRef idx="1">
+            <a:schemeClr val="accent1"/>
+          </a:fillRef>
+          <a:effectRef idx="0">
+            <a:schemeClr val="accent1"/>
+          </a:effectRef>
+          <a:fontRef idx="minor">
+            <a:schemeClr val="lt1"/>
+          </a:fontRef>
+        </p:style>
+        <p:txBody>
+          <a:bodyPr rtlCol="0" anchor="ctr"/>
+          <a:lstStyle/>
+          <a:p>
+            <a:pPr algn="ctr"/>
+            <a:endParaRPr kumimoji="1" lang="ja-JP" altLang="en-US"/>
+          </a:p>
+        </p:txBody>
+      </p:sp>
+      <p:sp>
+        <p:nvSpPr>
+          <p:cNvPr id="9" name="正方形/長方形 8">
+            <a:extLst>
+              <a:ext uri="{FF2B5EF4-FFF2-40B4-BE49-F238E27FC236}">
+                <a16:creationId xmlns:a16="http://schemas.microsoft.com/office/drawing/2014/main" id="{71D82AF0-A9C3-63B6-7FE6-A5EDE114BCCF}"/>
+              </a:ext>
+            </a:extLst>
+          </p:cNvPr>
+          <p:cNvSpPr/>
+          <p:nvPr/>
+        </p:nvSpPr>
+        <p:spPr>
+          <a:xfrm rot="10800000">
+            <a:off x="3673270" y="5275193"/>
+            <a:ext cx="623967" cy="623967"/>
+          </a:xfrm>
+          <a:prstGeom prst="rect">
+            <a:avLst/>
+          </a:prstGeom>
+        </p:spPr>
+        <p:style>
+          <a:lnRef idx="2">
+            <a:schemeClr val="accent1">
+              <a:shade val="15000"/>
+            </a:schemeClr>
+          </a:lnRef>
+          <a:fillRef idx="1">
+            <a:schemeClr val="accent1"/>
+          </a:fillRef>
+          <a:effectRef idx="0">
+            <a:schemeClr val="accent1"/>
+          </a:effectRef>
+          <a:fontRef idx="minor">
+            <a:schemeClr val="lt1"/>
+          </a:fontRef>
+        </p:style>
+        <p:txBody>
+          <a:bodyPr rtlCol="0" anchor="ctr"/>
+          <a:lstStyle/>
+          <a:p>
+            <a:pPr algn="ctr"/>
+            <a:endParaRPr kumimoji="1" lang="ja-JP" altLang="en-US"/>
+          </a:p>
+        </p:txBody>
+      </p:sp>
+      <p:sp>
+        <p:nvSpPr>
+          <p:cNvPr id="10" name="正方形/長方形 9">
+            <a:extLst>
+              <a:ext uri="{FF2B5EF4-FFF2-40B4-BE49-F238E27FC236}">
+                <a16:creationId xmlns:a16="http://schemas.microsoft.com/office/drawing/2014/main" id="{551F65F0-E5D6-AD58-FA94-F01E7B1414AD}"/>
+              </a:ext>
+            </a:extLst>
+          </p:cNvPr>
+          <p:cNvSpPr/>
+          <p:nvPr/>
+        </p:nvSpPr>
+        <p:spPr>
+          <a:xfrm rot="8124187">
+            <a:off x="4998799" y="4725669"/>
+            <a:ext cx="623967" cy="623967"/>
+          </a:xfrm>
+          <a:prstGeom prst="rect">
+            <a:avLst/>
+          </a:prstGeom>
+        </p:spPr>
+        <p:style>
+          <a:lnRef idx="2">
+            <a:schemeClr val="accent1">
+              <a:shade val="15000"/>
+            </a:schemeClr>
+          </a:lnRef>
+          <a:fillRef idx="1">
+            <a:schemeClr val="accent1"/>
+          </a:fillRef>
+          <a:effectRef idx="0">
+            <a:schemeClr val="accent1"/>
+          </a:effectRef>
+          <a:fontRef idx="minor">
+            <a:schemeClr val="lt1"/>
+          </a:fontRef>
+        </p:style>
+        <p:txBody>
+          <a:bodyPr rtlCol="0" anchor="ctr"/>
+          <a:lstStyle/>
+          <a:p>
+            <a:pPr algn="ctr"/>
+            <a:endParaRPr kumimoji="1" lang="ja-JP" altLang="en-US"/>
+          </a:p>
+        </p:txBody>
+      </p:sp>
+      <p:sp>
+        <p:nvSpPr>
+          <p:cNvPr id="11" name="正方形/長方形 10">
+            <a:extLst>
+              <a:ext uri="{FF2B5EF4-FFF2-40B4-BE49-F238E27FC236}">
+                <a16:creationId xmlns:a16="http://schemas.microsoft.com/office/drawing/2014/main" id="{8D0E0FBE-B500-5759-4DF7-C8ED1A97997E}"/>
+              </a:ext>
+            </a:extLst>
+          </p:cNvPr>
+          <p:cNvSpPr/>
+          <p:nvPr/>
+        </p:nvSpPr>
+        <p:spPr>
+          <a:xfrm>
+            <a:off x="3673270" y="1616064"/>
+            <a:ext cx="623967" cy="623967"/>
+          </a:xfrm>
+          <a:prstGeom prst="rect">
+            <a:avLst/>
+          </a:prstGeom>
+        </p:spPr>
+        <p:style>
+          <a:lnRef idx="2">
+            <a:schemeClr val="accent1">
+              <a:shade val="15000"/>
+            </a:schemeClr>
+          </a:lnRef>
+          <a:fillRef idx="1">
+            <a:schemeClr val="accent1"/>
+          </a:fillRef>
+          <a:effectRef idx="0">
+            <a:schemeClr val="accent1"/>
+          </a:effectRef>
+          <a:fontRef idx="minor">
+            <a:schemeClr val="lt1"/>
+          </a:fontRef>
+        </p:style>
+        <p:txBody>
+          <a:bodyPr rtlCol="0" anchor="ctr"/>
+          <a:lstStyle/>
+          <a:p>
+            <a:pPr algn="ctr"/>
+            <a:endParaRPr kumimoji="1" lang="ja-JP" altLang="en-US"/>
+          </a:p>
+        </p:txBody>
+      </p:sp>
+      <p:sp>
+        <p:nvSpPr>
+          <p:cNvPr id="12" name="正方形/長方形 11">
+            <a:extLst>
+              <a:ext uri="{FF2B5EF4-FFF2-40B4-BE49-F238E27FC236}">
+                <a16:creationId xmlns:a16="http://schemas.microsoft.com/office/drawing/2014/main" id="{F57383CD-1E95-D35F-3AF5-153104707C82}"/>
+              </a:ext>
+            </a:extLst>
+          </p:cNvPr>
+          <p:cNvSpPr/>
+          <p:nvPr/>
+        </p:nvSpPr>
+        <p:spPr>
+          <a:xfrm rot="3030379">
+            <a:off x="5051082" y="2242195"/>
+            <a:ext cx="623967" cy="623967"/>
+          </a:xfrm>
+          <a:prstGeom prst="rect">
+            <a:avLst/>
+          </a:prstGeom>
+        </p:spPr>
+        <p:style>
+          <a:lnRef idx="2">
+            <a:schemeClr val="accent1">
+              <a:shade val="15000"/>
+            </a:schemeClr>
+          </a:lnRef>
+          <a:fillRef idx="1">
+            <a:schemeClr val="accent1"/>
+          </a:fillRef>
+          <a:effectRef idx="0">
+            <a:schemeClr val="accent1"/>
+          </a:effectRef>
+          <a:fontRef idx="minor">
+            <a:schemeClr val="lt1"/>
+          </a:fontRef>
+        </p:style>
+        <p:txBody>
+          <a:bodyPr rtlCol="0" anchor="ctr"/>
+          <a:lstStyle/>
+          <a:p>
+            <a:pPr algn="ctr"/>
+            <a:endParaRPr kumimoji="1" lang="ja-JP" altLang="en-US"/>
+          </a:p>
+        </p:txBody>
+      </p:sp>
+      <p:sp>
+        <p:nvSpPr>
+          <p:cNvPr id="13" name="正方形/長方形 12">
+            <a:extLst>
+              <a:ext uri="{FF2B5EF4-FFF2-40B4-BE49-F238E27FC236}">
+                <a16:creationId xmlns:a16="http://schemas.microsoft.com/office/drawing/2014/main" id="{071CDD94-31A8-220E-B31E-A7E3F1621527}"/>
+              </a:ext>
+            </a:extLst>
+          </p:cNvPr>
+          <p:cNvSpPr/>
+          <p:nvPr/>
+        </p:nvSpPr>
+        <p:spPr>
+          <a:xfrm rot="16200000">
+            <a:off x="5472033" y="3529242"/>
+            <a:ext cx="623967" cy="623967"/>
+          </a:xfrm>
+          <a:prstGeom prst="rect">
+            <a:avLst/>
+          </a:prstGeom>
+        </p:spPr>
+        <p:style>
+          <a:lnRef idx="2">
+            <a:schemeClr val="accent1">
+              <a:shade val="15000"/>
+            </a:schemeClr>
+          </a:lnRef>
+          <a:fillRef idx="1">
+            <a:schemeClr val="accent1"/>
+          </a:fillRef>
+          <a:effectRef idx="0">
+            <a:schemeClr val="accent1"/>
+          </a:effectRef>
+          <a:fontRef idx="minor">
+            <a:schemeClr val="lt1"/>
+          </a:fontRef>
+        </p:style>
+        <p:txBody>
+          <a:bodyPr rtlCol="0" anchor="ctr"/>
+          <a:lstStyle/>
+          <a:p>
+            <a:pPr algn="ctr"/>
+            <a:endParaRPr kumimoji="1" lang="ja-JP" altLang="en-US"/>
+          </a:p>
+        </p:txBody>
+      </p:sp>
+      <p:sp>
+        <p:nvSpPr>
+          <p:cNvPr id="17" name="フローチャート: 処理 16">
+            <a:extLst>
+              <a:ext uri="{FF2B5EF4-FFF2-40B4-BE49-F238E27FC236}">
+                <a16:creationId xmlns:a16="http://schemas.microsoft.com/office/drawing/2014/main" id="{52828397-E430-FFF5-DA84-3421BAF50AA4}"/>
+              </a:ext>
+            </a:extLst>
+          </p:cNvPr>
+          <p:cNvSpPr/>
+          <p:nvPr/>
+        </p:nvSpPr>
+        <p:spPr>
+          <a:xfrm>
+            <a:off x="3751159" y="3608161"/>
+            <a:ext cx="468187" cy="438215"/>
+          </a:xfrm>
+          <a:prstGeom prst="flowChartProcess">
+            <a:avLst/>
+          </a:prstGeom>
+          <a:solidFill>
+            <a:schemeClr val="bg1"/>
+          </a:solidFill>
+        </p:spPr>
+        <p:style>
+          <a:lnRef idx="2">
+            <a:schemeClr val="accent1">
+              <a:shade val="15000"/>
+            </a:schemeClr>
+          </a:lnRef>
+          <a:fillRef idx="1">
+            <a:schemeClr val="accent1"/>
+          </a:fillRef>
+          <a:effectRef idx="0">
+            <a:schemeClr val="accent1"/>
+          </a:effectRef>
+          <a:fontRef idx="minor">
+            <a:schemeClr val="lt1"/>
+          </a:fontRef>
+        </p:style>
+        <p:txBody>
+          <a:bodyPr rtlCol="0" anchor="ctr"/>
+          <a:lstStyle/>
+          <a:p>
+            <a:pPr algn="ctr"/>
+            <a:endParaRPr kumimoji="1" lang="ja-JP" altLang="en-US"/>
+          </a:p>
+        </p:txBody>
+      </p:sp>
+      <p:sp>
+        <p:nvSpPr>
+          <p:cNvPr id="27" name="円弧 26">
+            <a:extLst>
+              <a:ext uri="{FF2B5EF4-FFF2-40B4-BE49-F238E27FC236}">
+                <a16:creationId xmlns:a16="http://schemas.microsoft.com/office/drawing/2014/main" id="{0D41872B-DAA2-5F51-A79A-F40BA45C4796}"/>
+              </a:ext>
+            </a:extLst>
+          </p:cNvPr>
+          <p:cNvSpPr/>
+          <p:nvPr/>
+        </p:nvSpPr>
+        <p:spPr>
+          <a:xfrm>
+            <a:off x="3343009" y="2793779"/>
+            <a:ext cx="1680046" cy="1581051"/>
+          </a:xfrm>
+          <a:prstGeom prst="arc">
+            <a:avLst>
+              <a:gd name="adj1" fmla="val 16026410"/>
+              <a:gd name="adj2" fmla="val 19956152"/>
+            </a:avLst>
+          </a:prstGeom>
+          <a:ln w="28575">
+            <a:tailEnd type="triangle"/>
+          </a:ln>
+        </p:spPr>
+        <p:style>
+          <a:lnRef idx="2">
+            <a:schemeClr val="dk1"/>
+          </a:lnRef>
+          <a:fillRef idx="0">
+            <a:schemeClr val="dk1"/>
+          </a:fillRef>
+          <a:effectRef idx="1">
+            <a:schemeClr val="dk1"/>
+          </a:effectRef>
+          <a:fontRef idx="minor">
+            <a:schemeClr val="tx1"/>
+          </a:fontRef>
+        </p:style>
+        <p:txBody>
+          <a:bodyPr rtlCol="0" anchor="ctr"/>
+          <a:lstStyle/>
+          <a:p>
+            <a:pPr algn="ctr"/>
+            <a:endParaRPr kumimoji="1" lang="ja-JP" altLang="en-US"/>
+          </a:p>
+        </p:txBody>
+      </p:sp>
+      <p:sp>
+        <p:nvSpPr>
+          <p:cNvPr id="28" name="円弧 27">
+            <a:extLst>
+              <a:ext uri="{FF2B5EF4-FFF2-40B4-BE49-F238E27FC236}">
+                <a16:creationId xmlns:a16="http://schemas.microsoft.com/office/drawing/2014/main" id="{69442FA9-B6EE-4FD7-6E12-B00ABA9300C4}"/>
+              </a:ext>
+            </a:extLst>
+          </p:cNvPr>
+          <p:cNvSpPr/>
+          <p:nvPr/>
+        </p:nvSpPr>
+        <p:spPr>
+          <a:xfrm>
+            <a:off x="5178782" y="2346808"/>
+            <a:ext cx="397141" cy="373740"/>
+          </a:xfrm>
+          <a:prstGeom prst="arc">
+            <a:avLst>
+              <a:gd name="adj1" fmla="val 16026410"/>
+              <a:gd name="adj2" fmla="val 14255188"/>
+            </a:avLst>
+          </a:prstGeom>
+          <a:ln w="28575">
+            <a:tailEnd type="triangle"/>
+          </a:ln>
+        </p:spPr>
+        <p:style>
+          <a:lnRef idx="2">
+            <a:schemeClr val="dk1"/>
+          </a:lnRef>
+          <a:fillRef idx="0">
+            <a:schemeClr val="dk1"/>
+          </a:fillRef>
+          <a:effectRef idx="1">
+            <a:schemeClr val="dk1"/>
+          </a:effectRef>
+          <a:fontRef idx="minor">
+            <a:schemeClr val="tx1"/>
+          </a:fontRef>
+        </p:style>
+        <p:txBody>
+          <a:bodyPr rtlCol="0" anchor="ctr"/>
+          <a:lstStyle/>
+          <a:p>
+            <a:pPr algn="ctr"/>
+            <a:endParaRPr kumimoji="1" lang="ja-JP" altLang="en-US"/>
+          </a:p>
+        </p:txBody>
+      </p:sp>
+      <p:sp>
+        <p:nvSpPr>
+          <p:cNvPr id="29" name="円弧 28">
+            <a:extLst>
+              <a:ext uri="{FF2B5EF4-FFF2-40B4-BE49-F238E27FC236}">
+                <a16:creationId xmlns:a16="http://schemas.microsoft.com/office/drawing/2014/main" id="{F8D46594-9B3B-643F-AACC-7CBEC8BAC895}"/>
+              </a:ext>
+            </a:extLst>
+          </p:cNvPr>
+          <p:cNvSpPr/>
+          <p:nvPr/>
+        </p:nvSpPr>
+        <p:spPr>
+          <a:xfrm>
+            <a:off x="5553577" y="3640398"/>
+            <a:ext cx="397141" cy="373740"/>
+          </a:xfrm>
+          <a:prstGeom prst="arc">
+            <a:avLst>
+              <a:gd name="adj1" fmla="val 16026410"/>
+              <a:gd name="adj2" fmla="val 14255188"/>
+            </a:avLst>
+          </a:prstGeom>
+          <a:ln w="28575">
+            <a:tailEnd type="triangle"/>
+          </a:ln>
+        </p:spPr>
+        <p:style>
+          <a:lnRef idx="2">
+            <a:schemeClr val="dk1"/>
+          </a:lnRef>
+          <a:fillRef idx="0">
+            <a:schemeClr val="dk1"/>
+          </a:fillRef>
+          <a:effectRef idx="1">
+            <a:schemeClr val="dk1"/>
+          </a:effectRef>
+          <a:fontRef idx="minor">
+            <a:schemeClr val="tx1"/>
+          </a:fontRef>
+        </p:style>
+        <p:txBody>
+          <a:bodyPr rtlCol="0" anchor="ctr"/>
+          <a:lstStyle/>
+          <a:p>
+            <a:pPr algn="ctr"/>
+            <a:endParaRPr kumimoji="1" lang="ja-JP" altLang="en-US"/>
+          </a:p>
+        </p:txBody>
+      </p:sp>
+      <p:sp>
+        <p:nvSpPr>
+          <p:cNvPr id="30" name="円弧 29">
+            <a:extLst>
+              <a:ext uri="{FF2B5EF4-FFF2-40B4-BE49-F238E27FC236}">
+                <a16:creationId xmlns:a16="http://schemas.microsoft.com/office/drawing/2014/main" id="{82B06A6A-10FC-A5FB-8E2E-037323911D7F}"/>
+              </a:ext>
+            </a:extLst>
+          </p:cNvPr>
+          <p:cNvSpPr/>
+          <p:nvPr/>
+        </p:nvSpPr>
+        <p:spPr>
+          <a:xfrm>
+            <a:off x="5104599" y="4816413"/>
+            <a:ext cx="397141" cy="373740"/>
+          </a:xfrm>
+          <a:prstGeom prst="arc">
+            <a:avLst>
+              <a:gd name="adj1" fmla="val 16026410"/>
+              <a:gd name="adj2" fmla="val 14255188"/>
+            </a:avLst>
+          </a:prstGeom>
+          <a:ln w="28575">
+            <a:tailEnd type="triangle"/>
+          </a:ln>
+        </p:spPr>
+        <p:style>
+          <a:lnRef idx="2">
+            <a:schemeClr val="dk1"/>
+          </a:lnRef>
+          <a:fillRef idx="0">
+            <a:schemeClr val="dk1"/>
+          </a:fillRef>
+          <a:effectRef idx="1">
+            <a:schemeClr val="dk1"/>
+          </a:effectRef>
+          <a:fontRef idx="minor">
+            <a:schemeClr val="tx1"/>
+          </a:fontRef>
+        </p:style>
+        <p:txBody>
+          <a:bodyPr rtlCol="0" anchor="ctr"/>
+          <a:lstStyle/>
+          <a:p>
+            <a:pPr algn="ctr"/>
+            <a:endParaRPr kumimoji="1" lang="ja-JP" altLang="en-US"/>
+          </a:p>
+        </p:txBody>
+      </p:sp>
+      <p:sp>
+        <p:nvSpPr>
+          <p:cNvPr id="31" name="円弧 30">
+            <a:extLst>
+              <a:ext uri="{FF2B5EF4-FFF2-40B4-BE49-F238E27FC236}">
+                <a16:creationId xmlns:a16="http://schemas.microsoft.com/office/drawing/2014/main" id="{81F22DE8-B400-2834-E165-F1BE17E78D91}"/>
+              </a:ext>
+            </a:extLst>
+          </p:cNvPr>
+          <p:cNvSpPr/>
+          <p:nvPr/>
+        </p:nvSpPr>
+        <p:spPr>
+          <a:xfrm>
+            <a:off x="3820953" y="5414509"/>
+            <a:ext cx="397141" cy="373740"/>
+          </a:xfrm>
+          <a:prstGeom prst="arc">
+            <a:avLst>
+              <a:gd name="adj1" fmla="val 16026410"/>
+              <a:gd name="adj2" fmla="val 14255188"/>
+            </a:avLst>
+          </a:prstGeom>
+          <a:ln w="28575">
+            <a:tailEnd type="triangle"/>
+          </a:ln>
+        </p:spPr>
+        <p:style>
+          <a:lnRef idx="2">
+            <a:schemeClr val="dk1"/>
+          </a:lnRef>
+          <a:fillRef idx="0">
+            <a:schemeClr val="dk1"/>
+          </a:fillRef>
+          <a:effectRef idx="1">
+            <a:schemeClr val="dk1"/>
+          </a:effectRef>
+          <a:fontRef idx="minor">
+            <a:schemeClr val="tx1"/>
+          </a:fontRef>
+        </p:style>
+        <p:txBody>
+          <a:bodyPr rtlCol="0" anchor="ctr"/>
+          <a:lstStyle/>
+          <a:p>
+            <a:pPr algn="ctr"/>
+            <a:endParaRPr kumimoji="1" lang="ja-JP" altLang="en-US"/>
+          </a:p>
+        </p:txBody>
+      </p:sp>
+      <p:sp>
+        <p:nvSpPr>
+          <p:cNvPr id="32" name="円弧 31">
+            <a:extLst>
+              <a:ext uri="{FF2B5EF4-FFF2-40B4-BE49-F238E27FC236}">
+                <a16:creationId xmlns:a16="http://schemas.microsoft.com/office/drawing/2014/main" id="{D5011CB3-DF3A-4EF2-3933-950744C2FEEA}"/>
+              </a:ext>
+            </a:extLst>
+          </p:cNvPr>
+          <p:cNvSpPr/>
+          <p:nvPr/>
+        </p:nvSpPr>
+        <p:spPr>
+          <a:xfrm>
+            <a:off x="2466578" y="4747461"/>
+            <a:ext cx="397141" cy="373740"/>
+          </a:xfrm>
+          <a:prstGeom prst="arc">
+            <a:avLst>
+              <a:gd name="adj1" fmla="val 16026410"/>
+              <a:gd name="adj2" fmla="val 14255188"/>
+            </a:avLst>
+          </a:prstGeom>
+          <a:ln w="28575">
+            <a:tailEnd type="triangle"/>
+          </a:ln>
+        </p:spPr>
+        <p:style>
+          <a:lnRef idx="2">
+            <a:schemeClr val="dk1"/>
+          </a:lnRef>
+          <a:fillRef idx="0">
+            <a:schemeClr val="dk1"/>
+          </a:fillRef>
+          <a:effectRef idx="1">
+            <a:schemeClr val="dk1"/>
+          </a:effectRef>
+          <a:fontRef idx="minor">
+            <a:schemeClr val="tx1"/>
+          </a:fontRef>
+        </p:style>
+        <p:txBody>
+          <a:bodyPr rtlCol="0" anchor="ctr"/>
+          <a:lstStyle/>
+          <a:p>
+            <a:pPr algn="ctr"/>
+            <a:endParaRPr kumimoji="1" lang="ja-JP" altLang="en-US"/>
+          </a:p>
+        </p:txBody>
+      </p:sp>
+      <p:sp>
+        <p:nvSpPr>
+          <p:cNvPr id="33" name="円弧 32">
+            <a:extLst>
+              <a:ext uri="{FF2B5EF4-FFF2-40B4-BE49-F238E27FC236}">
+                <a16:creationId xmlns:a16="http://schemas.microsoft.com/office/drawing/2014/main" id="{048D8602-D21E-BDF4-259B-0A28B0736F68}"/>
+              </a:ext>
+            </a:extLst>
+          </p:cNvPr>
+          <p:cNvSpPr/>
+          <p:nvPr/>
+        </p:nvSpPr>
+        <p:spPr>
+          <a:xfrm>
+            <a:off x="1992832" y="3682808"/>
+            <a:ext cx="397141" cy="373740"/>
+          </a:xfrm>
+          <a:prstGeom prst="arc">
+            <a:avLst>
+              <a:gd name="adj1" fmla="val 16026410"/>
+              <a:gd name="adj2" fmla="val 14255188"/>
+            </a:avLst>
+          </a:prstGeom>
+          <a:ln w="28575">
+            <a:tailEnd type="triangle"/>
+          </a:ln>
+        </p:spPr>
+        <p:style>
+          <a:lnRef idx="2">
+            <a:schemeClr val="dk1"/>
+          </a:lnRef>
+          <a:fillRef idx="0">
+            <a:schemeClr val="dk1"/>
+          </a:fillRef>
+          <a:effectRef idx="1">
+            <a:schemeClr val="dk1"/>
+          </a:effectRef>
+          <a:fontRef idx="minor">
+            <a:schemeClr val="tx1"/>
+          </a:fontRef>
+        </p:style>
+        <p:txBody>
+          <a:bodyPr rtlCol="0" anchor="ctr"/>
+          <a:lstStyle/>
+          <a:p>
+            <a:pPr algn="ctr"/>
+            <a:endParaRPr kumimoji="1" lang="ja-JP" altLang="en-US"/>
+          </a:p>
+        </p:txBody>
+      </p:sp>
+      <p:sp>
+        <p:nvSpPr>
+          <p:cNvPr id="34" name="円弧 33">
+            <a:extLst>
+              <a:ext uri="{FF2B5EF4-FFF2-40B4-BE49-F238E27FC236}">
+                <a16:creationId xmlns:a16="http://schemas.microsoft.com/office/drawing/2014/main" id="{FCE9DCE7-CEBB-6333-1645-9E4589E3822A}"/>
+              </a:ext>
+            </a:extLst>
+          </p:cNvPr>
+          <p:cNvSpPr/>
+          <p:nvPr/>
+        </p:nvSpPr>
+        <p:spPr>
+          <a:xfrm>
+            <a:off x="2413489" y="2491376"/>
+            <a:ext cx="397141" cy="373740"/>
+          </a:xfrm>
+          <a:prstGeom prst="arc">
+            <a:avLst>
+              <a:gd name="adj1" fmla="val 16026410"/>
+              <a:gd name="adj2" fmla="val 14255188"/>
+            </a:avLst>
+          </a:prstGeom>
+          <a:ln w="28575">
+            <a:tailEnd type="triangle"/>
+          </a:ln>
+        </p:spPr>
+        <p:style>
+          <a:lnRef idx="2">
+            <a:schemeClr val="dk1"/>
+          </a:lnRef>
+          <a:fillRef idx="0">
+            <a:schemeClr val="dk1"/>
+          </a:fillRef>
+          <a:effectRef idx="1">
+            <a:schemeClr val="dk1"/>
+          </a:effectRef>
+          <a:fontRef idx="minor">
+            <a:schemeClr val="tx1"/>
+          </a:fontRef>
+        </p:style>
+        <p:txBody>
+          <a:bodyPr rtlCol="0" anchor="ctr"/>
+          <a:lstStyle/>
+          <a:p>
+            <a:pPr algn="ctr"/>
+            <a:endParaRPr kumimoji="1" lang="ja-JP" altLang="en-US"/>
+          </a:p>
+        </p:txBody>
+      </p:sp>
+      <p:sp>
+        <p:nvSpPr>
+          <p:cNvPr id="35" name="円弧 34">
+            <a:extLst>
+              <a:ext uri="{FF2B5EF4-FFF2-40B4-BE49-F238E27FC236}">
+                <a16:creationId xmlns:a16="http://schemas.microsoft.com/office/drawing/2014/main" id="{378DE2BF-AFD8-42BA-DEE5-EF3A053ECFC4}"/>
+              </a:ext>
+            </a:extLst>
+          </p:cNvPr>
+          <p:cNvSpPr/>
+          <p:nvPr/>
+        </p:nvSpPr>
+        <p:spPr>
+          <a:xfrm>
+            <a:off x="3820953" y="1790232"/>
+            <a:ext cx="397141" cy="373740"/>
+          </a:xfrm>
+          <a:prstGeom prst="arc">
+            <a:avLst>
+              <a:gd name="adj1" fmla="val 16026410"/>
+              <a:gd name="adj2" fmla="val 14255188"/>
+            </a:avLst>
+          </a:prstGeom>
+          <a:ln w="28575">
+            <a:tailEnd type="triangle"/>
+          </a:ln>
+        </p:spPr>
+        <p:style>
+          <a:lnRef idx="2">
+            <a:schemeClr val="dk1"/>
+          </a:lnRef>
+          <a:fillRef idx="0">
+            <a:schemeClr val="dk1"/>
+          </a:fillRef>
+          <a:effectRef idx="1">
+            <a:schemeClr val="dk1"/>
+          </a:effectRef>
+          <a:fontRef idx="minor">
+            <a:schemeClr val="tx1"/>
+          </a:fontRef>
+        </p:style>
+        <p:txBody>
+          <a:bodyPr rtlCol="0" anchor="ctr"/>
+          <a:lstStyle/>
+          <a:p>
+            <a:pPr algn="ctr"/>
+            <a:endParaRPr kumimoji="1" lang="ja-JP" altLang="en-US"/>
+          </a:p>
+        </p:txBody>
+      </p:sp>
+      <p:sp>
+        <p:nvSpPr>
+          <p:cNvPr id="37" name="楕円 36">
+            <a:extLst>
+              <a:ext uri="{FF2B5EF4-FFF2-40B4-BE49-F238E27FC236}">
+                <a16:creationId xmlns:a16="http://schemas.microsoft.com/office/drawing/2014/main" id="{1E115737-6A1E-4773-E42D-501A5902FB8E}"/>
+              </a:ext>
+            </a:extLst>
+          </p:cNvPr>
+          <p:cNvSpPr/>
+          <p:nvPr/>
+        </p:nvSpPr>
+        <p:spPr>
+          <a:xfrm flipH="1">
+            <a:off x="5315327" y="2487278"/>
+            <a:ext cx="95476" cy="95476"/>
+          </a:xfrm>
+          <a:prstGeom prst="ellipse">
+            <a:avLst/>
+          </a:prstGeom>
+          <a:solidFill>
+            <a:schemeClr val="tx1"/>
+          </a:solidFill>
+          <a:ln>
+            <a:solidFill>
+              <a:schemeClr val="tx1"/>
+            </a:solidFill>
+          </a:ln>
+        </p:spPr>
+        <p:style>
+          <a:lnRef idx="2">
+            <a:schemeClr val="accent1">
+              <a:shade val="15000"/>
+            </a:schemeClr>
+          </a:lnRef>
+          <a:fillRef idx="1">
+            <a:schemeClr val="accent1"/>
+          </a:fillRef>
+          <a:effectRef idx="0">
+            <a:schemeClr val="accent1"/>
+          </a:effectRef>
+          <a:fontRef idx="minor">
+            <a:schemeClr val="lt1"/>
+          </a:fontRef>
+        </p:style>
+        <p:txBody>
+          <a:bodyPr rtlCol="0" anchor="ctr"/>
+          <a:lstStyle/>
+          <a:p>
+            <a:pPr algn="ctr"/>
+            <a:endParaRPr kumimoji="1" lang="ja-JP" altLang="en-US"/>
+          </a:p>
+        </p:txBody>
+      </p:sp>
+      <p:cxnSp>
+        <p:nvCxnSpPr>
+          <p:cNvPr id="38" name="直線コネクタ 37">
+            <a:extLst>
+              <a:ext uri="{FF2B5EF4-FFF2-40B4-BE49-F238E27FC236}">
+                <a16:creationId xmlns:a16="http://schemas.microsoft.com/office/drawing/2014/main" id="{E50FC2CA-EDDB-0657-4239-D2FD9DFAA997}"/>
+              </a:ext>
+            </a:extLst>
+          </p:cNvPr>
+          <p:cNvCxnSpPr>
+            <a:cxnSpLocks/>
+            <a:stCxn id="37" idx="2"/>
+            <a:endCxn id="39" idx="1"/>
+          </p:cNvCxnSpPr>
+          <p:nvPr/>
+        </p:nvCxnSpPr>
+        <p:spPr>
+          <a:xfrm>
+            <a:off x="5410803" y="2535016"/>
+            <a:ext cx="717589" cy="198482"/>
+          </a:xfrm>
+          <a:prstGeom prst="line">
+            <a:avLst/>
+          </a:prstGeom>
+          <a:ln>
+            <a:solidFill>
+              <a:srgbClr val="FF0000"/>
+            </a:solidFill>
+          </a:ln>
+        </p:spPr>
+        <p:style>
+          <a:lnRef idx="2">
+            <a:schemeClr val="accent1"/>
+          </a:lnRef>
+          <a:fillRef idx="0">
+            <a:schemeClr val="accent1"/>
+          </a:fillRef>
+          <a:effectRef idx="1">
+            <a:schemeClr val="accent1"/>
+          </a:effectRef>
+          <a:fontRef idx="minor">
+            <a:schemeClr val="tx1"/>
+          </a:fontRef>
+        </p:style>
+      </p:cxnSp>
+      <p:sp>
+        <p:nvSpPr>
+          <p:cNvPr id="39" name="テキスト ボックス 38">
+            <a:extLst>
+              <a:ext uri="{FF2B5EF4-FFF2-40B4-BE49-F238E27FC236}">
+                <a16:creationId xmlns:a16="http://schemas.microsoft.com/office/drawing/2014/main" id="{94CE6C2B-E5B8-8FE5-1572-F023B93EFF5B}"/>
+              </a:ext>
+            </a:extLst>
+          </p:cNvPr>
+          <p:cNvSpPr txBox="1"/>
+          <p:nvPr/>
+        </p:nvSpPr>
+        <p:spPr>
+          <a:xfrm>
+            <a:off x="6128392" y="2194889"/>
+            <a:ext cx="3597029" cy="1077218"/>
+          </a:xfrm>
+          <a:prstGeom prst="rect">
+            <a:avLst/>
+          </a:prstGeom>
+          <a:noFill/>
+          <a:ln w="57150">
+            <a:solidFill>
+              <a:srgbClr val="FF0000"/>
+            </a:solidFill>
+          </a:ln>
+        </p:spPr>
+        <p:txBody>
+          <a:bodyPr wrap="square" rtlCol="0">
+            <a:spAutoFit/>
+          </a:bodyPr>
+          <a:lstStyle/>
+          <a:p>
+            <a:pPr algn="ctr"/>
+            <a:r>
+              <a:rPr lang="ja-JP" altLang="en-US" sz="3200"/>
+              <a:t>この点を中心に</a:t>
+            </a:r>
+            <a:endParaRPr lang="en-US" altLang="ja-JP" sz="3200"/>
+          </a:p>
+          <a:p>
+            <a:pPr algn="ctr"/>
+            <a:r>
+              <a:rPr lang="en-US" altLang="ja-JP" sz="3200"/>
+              <a:t>35×(</a:t>
+            </a:r>
+            <a:r>
+              <a:rPr lang="ja-JP" altLang="en-US" sz="3200"/>
+              <a:t>整数</a:t>
+            </a:r>
+            <a:r>
+              <a:rPr lang="en-US" altLang="ja-JP" sz="3200"/>
+              <a:t>)°</a:t>
+            </a:r>
+            <a:r>
+              <a:rPr lang="ja-JP" altLang="en-US" sz="3200"/>
+              <a:t>回転</a:t>
+            </a:r>
+            <a:endParaRPr kumimoji="1" lang="ja-JP" altLang="en-US" sz="3200"/>
+          </a:p>
+        </p:txBody>
+      </p:sp>
+      <p:sp>
+        <p:nvSpPr>
+          <p:cNvPr id="48" name="テキスト ボックス 47">
+            <a:extLst>
+              <a:ext uri="{FF2B5EF4-FFF2-40B4-BE49-F238E27FC236}">
+                <a16:creationId xmlns:a16="http://schemas.microsoft.com/office/drawing/2014/main" id="{E9C61551-5CE2-F22E-D270-F112A32CAD33}"/>
+              </a:ext>
+            </a:extLst>
+          </p:cNvPr>
+          <p:cNvSpPr txBox="1"/>
+          <p:nvPr/>
+        </p:nvSpPr>
+        <p:spPr>
+          <a:xfrm>
+            <a:off x="5839942" y="4494059"/>
+            <a:ext cx="3597029" cy="1077218"/>
+          </a:xfrm>
+          <a:prstGeom prst="rect">
+            <a:avLst/>
+          </a:prstGeom>
+          <a:noFill/>
+          <a:ln w="57150">
+            <a:solidFill>
+              <a:srgbClr val="FF0000"/>
+            </a:solidFill>
+          </a:ln>
+        </p:spPr>
+        <p:txBody>
+          <a:bodyPr wrap="square" rtlCol="0">
+            <a:spAutoFit/>
+          </a:bodyPr>
+          <a:lstStyle/>
+          <a:p>
+            <a:pPr algn="ctr"/>
+            <a:r>
+              <a:rPr kumimoji="1" lang="en-US" altLang="ja-JP" sz="3200"/>
+              <a:t>1</a:t>
+            </a:r>
+            <a:r>
+              <a:rPr kumimoji="1" lang="ja-JP" altLang="en-US" sz="3200"/>
+              <a:t>フレームにつき</a:t>
+            </a:r>
+            <a:r>
+              <a:rPr kumimoji="1" lang="en-US" altLang="ja-JP" sz="3200"/>
+              <a:t>5°</a:t>
+            </a:r>
+            <a:r>
+              <a:rPr kumimoji="1" lang="ja-JP" altLang="en-US" sz="3200"/>
+              <a:t>回転</a:t>
+            </a:r>
+          </a:p>
+        </p:txBody>
+      </p:sp>
+      <p:cxnSp>
+        <p:nvCxnSpPr>
+          <p:cNvPr id="49" name="直線コネクタ 48">
+            <a:extLst>
+              <a:ext uri="{FF2B5EF4-FFF2-40B4-BE49-F238E27FC236}">
+                <a16:creationId xmlns:a16="http://schemas.microsoft.com/office/drawing/2014/main" id="{E5AF54E7-5E6B-2117-1846-2CD20AA6A2F0}"/>
+              </a:ext>
+            </a:extLst>
+          </p:cNvPr>
+          <p:cNvCxnSpPr>
+            <a:cxnSpLocks/>
+          </p:cNvCxnSpPr>
+          <p:nvPr/>
+        </p:nvCxnSpPr>
+        <p:spPr>
+          <a:xfrm>
+            <a:off x="4398166" y="2844655"/>
+            <a:ext cx="1438130" cy="1971165"/>
+          </a:xfrm>
+          <a:prstGeom prst="line">
+            <a:avLst/>
+          </a:prstGeom>
+          <a:ln>
+            <a:solidFill>
+              <a:srgbClr val="FF0000"/>
+            </a:solidFill>
+          </a:ln>
+        </p:spPr>
+        <p:style>
+          <a:lnRef idx="2">
+            <a:schemeClr val="accent1"/>
+          </a:lnRef>
+          <a:fillRef idx="0">
+            <a:schemeClr val="accent1"/>
+          </a:fillRef>
+          <a:effectRef idx="1">
+            <a:schemeClr val="accent1"/>
+          </a:effectRef>
+          <a:fontRef idx="minor">
+            <a:schemeClr val="tx1"/>
+          </a:fontRef>
+        </p:style>
+      </p:cxnSp>
+    </p:spTree>
+    <p:extLst>
+      <p:ext uri="{BB962C8B-B14F-4D97-AF65-F5344CB8AC3E}">
+        <p14:creationId xmlns:p14="http://schemas.microsoft.com/office/powerpoint/2010/main" val="2389145924"/>
+      </p:ext>
+    </p:extLst>
+  </p:cSld>
+  <p:clrMapOvr>
+    <a:masterClrMapping/>
+  </p:clrMapOvr>
+</p:sld>
+</file>
+
+<file path=ppt/slides/slide13.xml><?xml version="1.0" encoding="utf-8"?>
+<p:sld xmlns:a="http://schemas.openxmlformats.org/drawingml/2006/main" xmlns:r="http://schemas.openxmlformats.org/officeDocument/2006/relationships" xmlns:p="http://schemas.openxmlformats.org/presentationml/2006/main">
+  <p:cSld>
+    <p:spTree>
+      <p:nvGrpSpPr>
+        <p:cNvPr id="1" name=""/>
+        <p:cNvGrpSpPr/>
+        <p:nvPr/>
+      </p:nvGrpSpPr>
+      <p:grpSpPr>
+        <a:xfrm>
+          <a:off x="0" y="0"/>
+          <a:ext cx="0" cy="0"/>
+          <a:chOff x="0" y="0"/>
+          <a:chExt cx="0" cy="0"/>
+        </a:xfrm>
+      </p:grpSpPr>
+      <p:pic>
+        <p:nvPicPr>
+          <p:cNvPr id="5" name="グラフィックス 4" descr="歯車 1 つ 単色塗りつぶし">
+            <a:extLst>
+              <a:ext uri="{FF2B5EF4-FFF2-40B4-BE49-F238E27FC236}">
+                <a16:creationId xmlns:a16="http://schemas.microsoft.com/office/drawing/2014/main" id="{C983DC67-C2AB-169F-5C48-CF430B0BB08B}"/>
+              </a:ext>
+            </a:extLst>
+          </p:cNvPr>
+          <p:cNvPicPr>
+            <a:picLocks noChangeAspect="1"/>
+          </p:cNvPicPr>
+          <p:nvPr/>
+        </p:nvPicPr>
+        <p:blipFill>
+          <a:blip r:embed="rId2">
+            <a:extLst>
+              <a:ext uri="{28A0092B-C50C-407E-A947-70E740481C1C}">
+                <a14:useLocalDpi xmlns:a14="http://schemas.microsoft.com/office/drawing/2010/main" val="0"/>
+              </a:ext>
+              <a:ext uri="{96DAC541-7B7A-43D3-8B79-37D633B846F1}">
+                <asvg:svgBlip xmlns:asvg="http://schemas.microsoft.com/office/drawing/2016/SVG/main" r:embed="rId3"/>
+              </a:ext>
+            </a:extLst>
+          </a:blip>
+          <a:stretch>
+            <a:fillRect/>
+          </a:stretch>
+        </p:blipFill>
+        <p:spPr>
+          <a:xfrm>
+            <a:off x="131683" y="4385310"/>
+            <a:ext cx="1874520" cy="1874520"/>
+          </a:xfrm>
+          <a:prstGeom prst="rect">
+            <a:avLst/>
+          </a:prstGeom>
+        </p:spPr>
+      </p:pic>
+      <p:sp>
+        <p:nvSpPr>
+          <p:cNvPr id="6" name="楕円 5">
+            <a:extLst>
+              <a:ext uri="{FF2B5EF4-FFF2-40B4-BE49-F238E27FC236}">
+                <a16:creationId xmlns:a16="http://schemas.microsoft.com/office/drawing/2014/main" id="{7CFEC917-A35E-7A72-D34B-4862B9C90387}"/>
+              </a:ext>
+            </a:extLst>
+          </p:cNvPr>
+          <p:cNvSpPr/>
+          <p:nvPr/>
+        </p:nvSpPr>
+        <p:spPr>
+          <a:xfrm>
+            <a:off x="3995024" y="2552700"/>
+            <a:ext cx="228600" cy="228600"/>
+          </a:xfrm>
+          <a:prstGeom prst="ellipse">
+            <a:avLst/>
+          </a:prstGeom>
+        </p:spPr>
+        <p:style>
+          <a:lnRef idx="2">
+            <a:schemeClr val="accent1">
+              <a:shade val="15000"/>
+            </a:schemeClr>
+          </a:lnRef>
+          <a:fillRef idx="1">
+            <a:schemeClr val="accent1"/>
+          </a:fillRef>
+          <a:effectRef idx="0">
+            <a:schemeClr val="accent1"/>
+          </a:effectRef>
+          <a:fontRef idx="minor">
+            <a:schemeClr val="lt1"/>
+          </a:fontRef>
+        </p:style>
+        <p:txBody>
+          <a:bodyPr rtlCol="0" anchor="ctr"/>
+          <a:lstStyle/>
+          <a:p>
+            <a:pPr algn="ctr"/>
+            <a:endParaRPr kumimoji="1" lang="ja-JP" altLang="en-US"/>
+          </a:p>
+        </p:txBody>
+      </p:sp>
+      <p:sp>
+        <p:nvSpPr>
+          <p:cNvPr id="7" name="吹き出し: 角を丸めた四角形 6">
+            <a:extLst>
+              <a:ext uri="{FF2B5EF4-FFF2-40B4-BE49-F238E27FC236}">
+                <a16:creationId xmlns:a16="http://schemas.microsoft.com/office/drawing/2014/main" id="{829CD44E-8313-D415-E683-5C8B9DEDFDDC}"/>
+              </a:ext>
+            </a:extLst>
+          </p:cNvPr>
+          <p:cNvSpPr/>
+          <p:nvPr/>
+        </p:nvSpPr>
+        <p:spPr>
+          <a:xfrm>
+            <a:off x="1952864" y="1158240"/>
+            <a:ext cx="2910840" cy="899160"/>
+          </a:xfrm>
+          <a:prstGeom prst="wedgeRoundRectCallout">
+            <a:avLst>
+              <a:gd name="adj1" fmla="val 22623"/>
+              <a:gd name="adj2" fmla="val 93008"/>
+              <a:gd name="adj3" fmla="val 16667"/>
+            </a:avLst>
+          </a:prstGeom>
+        </p:spPr>
+        <p:style>
+          <a:lnRef idx="2">
+            <a:schemeClr val="accent1">
+              <a:shade val="15000"/>
+            </a:schemeClr>
+          </a:lnRef>
+          <a:fillRef idx="1">
+            <a:schemeClr val="accent1"/>
+          </a:fillRef>
+          <a:effectRef idx="0">
+            <a:schemeClr val="accent1"/>
+          </a:effectRef>
+          <a:fontRef idx="minor">
+            <a:schemeClr val="lt1"/>
+          </a:fontRef>
+        </p:style>
+        <p:txBody>
+          <a:bodyPr rtlCol="0" anchor="ctr"/>
+          <a:lstStyle/>
+          <a:p>
+            <a:pPr algn="ctr"/>
+            <a:r>
+              <a:rPr kumimoji="1" lang="ja-JP" altLang="en-US" sz="3200"/>
+              <a:t>プレイヤーの座標</a:t>
+            </a:r>
+          </a:p>
+        </p:txBody>
+      </p:sp>
+      <p:cxnSp>
+        <p:nvCxnSpPr>
+          <p:cNvPr id="9" name="直線コネクタ 8">
+            <a:extLst>
+              <a:ext uri="{FF2B5EF4-FFF2-40B4-BE49-F238E27FC236}">
+                <a16:creationId xmlns:a16="http://schemas.microsoft.com/office/drawing/2014/main" id="{62A21498-B086-C5AF-EE1B-FAA75EB36870}"/>
+              </a:ext>
+            </a:extLst>
+          </p:cNvPr>
+          <p:cNvCxnSpPr>
+            <a:endCxn id="6" idx="3"/>
+          </p:cNvCxnSpPr>
+          <p:nvPr/>
+        </p:nvCxnSpPr>
+        <p:spPr>
+          <a:xfrm flipV="1">
+            <a:off x="1068944" y="2747822"/>
+            <a:ext cx="2959558" cy="2570938"/>
+          </a:xfrm>
+          <a:prstGeom prst="line">
+            <a:avLst/>
+          </a:prstGeom>
+          <a:ln w="28575">
+            <a:solidFill>
+              <a:schemeClr val="tx1"/>
+            </a:solidFill>
+          </a:ln>
+        </p:spPr>
+        <p:style>
+          <a:lnRef idx="2">
+            <a:schemeClr val="accent1"/>
+          </a:lnRef>
+          <a:fillRef idx="0">
+            <a:schemeClr val="accent1"/>
+          </a:fillRef>
+          <a:effectRef idx="1">
+            <a:schemeClr val="accent1"/>
+          </a:effectRef>
+          <a:fontRef idx="minor">
+            <a:schemeClr val="tx1"/>
+          </a:fontRef>
+        </p:style>
+      </p:cxnSp>
+      <p:cxnSp>
+        <p:nvCxnSpPr>
+          <p:cNvPr id="10" name="直線コネクタ 9">
+            <a:extLst>
+              <a:ext uri="{FF2B5EF4-FFF2-40B4-BE49-F238E27FC236}">
+                <a16:creationId xmlns:a16="http://schemas.microsoft.com/office/drawing/2014/main" id="{F5900A2B-335A-E8AA-00D3-23E6E5B17F8D}"/>
+              </a:ext>
+            </a:extLst>
+          </p:cNvPr>
+          <p:cNvCxnSpPr>
+            <a:cxnSpLocks/>
+          </p:cNvCxnSpPr>
+          <p:nvPr/>
+        </p:nvCxnSpPr>
+        <p:spPr>
+          <a:xfrm flipV="1">
+            <a:off x="1068944" y="2026920"/>
+            <a:ext cx="0" cy="3284220"/>
+          </a:xfrm>
+          <a:prstGeom prst="line">
+            <a:avLst/>
+          </a:prstGeom>
+          <a:ln w="28575">
+            <a:solidFill>
+              <a:schemeClr val="tx1"/>
+            </a:solidFill>
+          </a:ln>
+        </p:spPr>
+        <p:style>
+          <a:lnRef idx="2">
+            <a:schemeClr val="accent1"/>
+          </a:lnRef>
+          <a:fillRef idx="0">
+            <a:schemeClr val="accent1"/>
+          </a:fillRef>
+          <a:effectRef idx="1">
+            <a:schemeClr val="accent1"/>
+          </a:effectRef>
+          <a:fontRef idx="minor">
+            <a:schemeClr val="tx1"/>
+          </a:fontRef>
+        </p:style>
+      </p:cxnSp>
+      <p:sp>
+        <p:nvSpPr>
+          <p:cNvPr id="15" name="円弧 14">
+            <a:extLst>
+              <a:ext uri="{FF2B5EF4-FFF2-40B4-BE49-F238E27FC236}">
+                <a16:creationId xmlns:a16="http://schemas.microsoft.com/office/drawing/2014/main" id="{4C27E097-2E87-E665-D74B-81B06C37F2F8}"/>
+              </a:ext>
+            </a:extLst>
+          </p:cNvPr>
+          <p:cNvSpPr/>
+          <p:nvPr/>
+        </p:nvSpPr>
+        <p:spPr>
+          <a:xfrm>
+            <a:off x="772995" y="4297680"/>
+            <a:ext cx="914400" cy="914400"/>
+          </a:xfrm>
+          <a:prstGeom prst="arc">
+            <a:avLst>
+              <a:gd name="adj1" fmla="val 14946143"/>
+              <a:gd name="adj2" fmla="val 0"/>
+            </a:avLst>
+          </a:prstGeom>
+        </p:spPr>
+        <p:style>
+          <a:lnRef idx="2">
+            <a:schemeClr val="accent1"/>
+          </a:lnRef>
+          <a:fillRef idx="0">
+            <a:schemeClr val="accent1"/>
+          </a:fillRef>
+          <a:effectRef idx="1">
+            <a:schemeClr val="accent1"/>
+          </a:effectRef>
+          <a:fontRef idx="minor">
+            <a:schemeClr val="tx1"/>
+          </a:fontRef>
+        </p:style>
+        <p:txBody>
+          <a:bodyPr rtlCol="0" anchor="ctr"/>
+          <a:lstStyle/>
+          <a:p>
+            <a:pPr algn="ctr"/>
+            <a:endParaRPr kumimoji="1" lang="ja-JP" altLang="en-US"/>
+          </a:p>
+        </p:txBody>
+      </p:sp>
+      <p:sp>
+        <p:nvSpPr>
+          <p:cNvPr id="17" name="テキスト ボックス 16">
+            <a:extLst>
+              <a:ext uri="{FF2B5EF4-FFF2-40B4-BE49-F238E27FC236}">
+                <a16:creationId xmlns:a16="http://schemas.microsoft.com/office/drawing/2014/main" id="{D85B5B71-2CFE-0C24-DF40-07E37A282E26}"/>
+              </a:ext>
+            </a:extLst>
+          </p:cNvPr>
+          <p:cNvSpPr txBox="1"/>
+          <p:nvPr/>
+        </p:nvSpPr>
+        <p:spPr>
+          <a:xfrm>
+            <a:off x="3251972" y="3759071"/>
+            <a:ext cx="3597029" cy="1077218"/>
+          </a:xfrm>
+          <a:prstGeom prst="rect">
+            <a:avLst/>
+          </a:prstGeom>
+          <a:noFill/>
+          <a:ln w="57150">
+            <a:solidFill>
+              <a:srgbClr val="FF0000"/>
+            </a:solidFill>
+          </a:ln>
+        </p:spPr>
+        <p:txBody>
+          <a:bodyPr wrap="square" rtlCol="0">
+            <a:spAutoFit/>
+          </a:bodyPr>
+          <a:lstStyle/>
+          <a:p>
+            <a:pPr algn="ctr"/>
+            <a:r>
+              <a:rPr lang="en-US" altLang="ja-JP" sz="3200"/>
+              <a:t>atan2()</a:t>
+            </a:r>
+            <a:r>
+              <a:rPr lang="ja-JP" altLang="en-US" sz="3200"/>
+              <a:t>で求まる角度</a:t>
+            </a:r>
+            <a:endParaRPr kumimoji="1" lang="ja-JP" altLang="en-US" sz="3200"/>
+          </a:p>
+        </p:txBody>
+      </p:sp>
+      <p:cxnSp>
+        <p:nvCxnSpPr>
+          <p:cNvPr id="18" name="直線コネクタ 17">
+            <a:extLst>
+              <a:ext uri="{FF2B5EF4-FFF2-40B4-BE49-F238E27FC236}">
+                <a16:creationId xmlns:a16="http://schemas.microsoft.com/office/drawing/2014/main" id="{6D9A7E6B-7E12-AC9C-871E-EFF142586CC7}"/>
+              </a:ext>
+            </a:extLst>
+          </p:cNvPr>
+          <p:cNvCxnSpPr>
+            <a:cxnSpLocks/>
+            <a:endCxn id="17" idx="1"/>
+          </p:cNvCxnSpPr>
+          <p:nvPr/>
+        </p:nvCxnSpPr>
+        <p:spPr>
+          <a:xfrm flipV="1">
+            <a:off x="1570619" y="4297680"/>
+            <a:ext cx="1681353" cy="106680"/>
+          </a:xfrm>
+          <a:prstGeom prst="line">
+            <a:avLst/>
+          </a:prstGeom>
+          <a:ln>
+            <a:solidFill>
+              <a:srgbClr val="FF0000"/>
+            </a:solidFill>
+          </a:ln>
+        </p:spPr>
+        <p:style>
+          <a:lnRef idx="2">
+            <a:schemeClr val="accent1"/>
+          </a:lnRef>
+          <a:fillRef idx="0">
+            <a:schemeClr val="accent1"/>
+          </a:fillRef>
+          <a:effectRef idx="1">
+            <a:schemeClr val="accent1"/>
+          </a:effectRef>
+          <a:fontRef idx="minor">
+            <a:schemeClr val="tx1"/>
+          </a:fontRef>
+        </p:style>
+      </p:cxnSp>
+    </p:spTree>
+    <p:extLst>
+      <p:ext uri="{BB962C8B-B14F-4D97-AF65-F5344CB8AC3E}">
+        <p14:creationId xmlns:p14="http://schemas.microsoft.com/office/powerpoint/2010/main" val="497844066"/>
+      </p:ext>
+    </p:extLst>
+  </p:cSld>
+  <p:clrMapOvr>
+    <a:masterClrMapping/>
+  </p:clrMapOvr>
+</p:sld>
+</file>
+
 <file path=ppt/slides/slide2.xml><?xml version="1.0" encoding="utf-8"?>
 <p:sld xmlns:a="http://schemas.openxmlformats.org/drawingml/2006/main" xmlns:r="http://schemas.openxmlformats.org/officeDocument/2006/relationships" xmlns:p="http://schemas.openxmlformats.org/presentationml/2006/main">
   <p:cSld>
